--- a/Presentacion 1.pptx
+++ b/Presentacion 1.pptx
@@ -5,13 +5,15 @@
     <p:sldMasterId id="2147483660" r:id="rId1"/>
   </p:sldMasterIdLst>
   <p:notesMasterIdLst>
-    <p:notesMasterId r:id="rId6"/>
+    <p:notesMasterId r:id="rId8"/>
   </p:notesMasterIdLst>
   <p:sldIdLst>
     <p:sldId id="266" r:id="rId2"/>
     <p:sldId id="285" r:id="rId3"/>
     <p:sldId id="286" r:id="rId4"/>
     <p:sldId id="287" r:id="rId5"/>
+    <p:sldId id="288" r:id="rId6"/>
+    <p:sldId id="289" r:id="rId7"/>
   </p:sldIdLst>
   <p:sldSz cx="12192000" cy="6858000"/>
   <p:notesSz cx="6858000" cy="9144000"/>
@@ -110,6 +112,11 @@
       </a:defRPr>
     </a:lvl9pPr>
   </p:defaultTextStyle>
+  <p:extLst>
+    <p:ext uri="{EFAFB233-063F-42B5-8137-9DF3F51BA10A}">
+      <p15:sldGuideLst xmlns:p15="http://schemas.microsoft.com/office/powerpoint/2012/main"/>
+    </p:ext>
+  </p:extLst>
 </p:presentation>
 </file>
 
@@ -4505,19 +4512,7 @@
               <a:rPr lang="es-ES" sz="4000" dirty="0">
                 <a:latin typeface="+mn-lt"/>
               </a:rPr>
-              <a:t>Revisión </a:t>
-            </a:r>
-            <a:r>
-              <a:rPr lang="es-ES" sz="4000" dirty="0" err="1">
-                <a:latin typeface="+mn-lt"/>
-              </a:rPr>
-              <a:t>Bibliografica</a:t>
-            </a:r>
-            <a:r>
-              <a:rPr lang="es-ES" sz="4000" dirty="0">
-                <a:latin typeface="+mn-lt"/>
-              </a:rPr>
-              <a:t> </a:t>
+              <a:t>Revisión Bibliográfica </a:t>
             </a:r>
             <a:endParaRPr lang="es-CL" sz="4000" dirty="0">
               <a:latin typeface="+mn-lt"/>
@@ -4868,42 +4863,47 @@
           <a:p>
             <a:r>
               <a:rPr lang="es-ES" dirty="0"/>
-              <a:t>Experimentos</a:t>
+              <a:t>Análisis de datos por ARIMA</a:t>
             </a:r>
             <a:endParaRPr lang="es-CL" dirty="0"/>
           </a:p>
         </p:txBody>
       </p:sp>
-      <p:sp>
-        <p:nvSpPr>
-          <p:cNvPr id="3" name="Content Placeholder 2">
+      <p:pic>
+        <p:nvPicPr>
+          <p:cNvPr id="6" name="Content Placeholder 5" descr="A graph with different colored lines&#10;&#10;Description automatically generated">
             <a:extLst>
               <a:ext uri="{FF2B5EF4-FFF2-40B4-BE49-F238E27FC236}">
-                <a16:creationId xmlns:a16="http://schemas.microsoft.com/office/drawing/2014/main" id="{1A48CB07-0926-B1F3-FF1F-FD17BA98D8EB}"/>
+                <a16:creationId xmlns:a16="http://schemas.microsoft.com/office/drawing/2014/main" id="{57393C67-0CAC-852B-C403-BC6D27521500}"/>
               </a:ext>
             </a:extLst>
           </p:cNvPr>
-          <p:cNvSpPr>
-            <a:spLocks noGrp="1"/>
-          </p:cNvSpPr>
+          <p:cNvPicPr>
+            <a:picLocks noGrp="1" noChangeAspect="1"/>
+          </p:cNvPicPr>
           <p:nvPr>
             <p:ph idx="1"/>
           </p:nvPr>
-        </p:nvSpPr>
+        </p:nvPicPr>
+        <p:blipFill>
+          <a:blip r:embed="rId2">
+            <a:extLst>
+              <a:ext uri="{28A0092B-C50C-407E-A947-70E740481C1C}">
+                <a14:useLocalDpi xmlns:a14="http://schemas.microsoft.com/office/drawing/2010/main" val="0"/>
+              </a:ext>
+            </a:extLst>
+          </a:blip>
+          <a:stretch>
+            <a:fillRect/>
+          </a:stretch>
+        </p:blipFill>
         <p:spPr>
           <a:xfrm>
-            <a:off x="838200" y="1086416"/>
-            <a:ext cx="10515600" cy="5090547"/>
+            <a:off x="2277665" y="1085850"/>
+            <a:ext cx="7636669" cy="5091113"/>
           </a:xfrm>
         </p:spPr>
-        <p:txBody>
-          <a:bodyPr/>
-          <a:lstStyle/>
-          <a:p>
-            <a:endParaRPr lang="es-CL" dirty="0"/>
-          </a:p>
-        </p:txBody>
-      </p:sp>
+      </p:pic>
       <p:sp>
         <p:nvSpPr>
           <p:cNvPr id="4" name="Slide Number Placeholder 3">
@@ -4938,6 +4938,5043 @@
     <p:extLst>
       <p:ext uri="{BB962C8B-B14F-4D97-AF65-F5344CB8AC3E}">
         <p14:creationId xmlns:p14="http://schemas.microsoft.com/office/powerpoint/2010/main" val="1430988336"/>
+      </p:ext>
+    </p:extLst>
+  </p:cSld>
+  <p:clrMapOvr>
+    <a:masterClrMapping/>
+  </p:clrMapOvr>
+</p:sld>
+</file>
+
+<file path=ppt/slides/slide5.xml><?xml version="1.0" encoding="utf-8"?>
+<p:sld xmlns:a="http://schemas.openxmlformats.org/drawingml/2006/main" xmlns:r="http://schemas.openxmlformats.org/officeDocument/2006/relationships" xmlns:p="http://schemas.openxmlformats.org/presentationml/2006/main">
+  <p:cSld>
+    <p:spTree>
+      <p:nvGrpSpPr>
+        <p:cNvPr id="1" name=""/>
+        <p:cNvGrpSpPr/>
+        <p:nvPr/>
+      </p:nvGrpSpPr>
+      <p:grpSpPr>
+        <a:xfrm>
+          <a:off x="0" y="0"/>
+          <a:ext cx="0" cy="0"/>
+          <a:chOff x="0" y="0"/>
+          <a:chExt cx="0" cy="0"/>
+        </a:xfrm>
+      </p:grpSpPr>
+      <p:sp>
+        <p:nvSpPr>
+          <p:cNvPr id="2" name="Title 1">
+            <a:extLst>
+              <a:ext uri="{FF2B5EF4-FFF2-40B4-BE49-F238E27FC236}">
+                <a16:creationId xmlns:a16="http://schemas.microsoft.com/office/drawing/2014/main" id="{3296CF17-0D44-F93A-5701-0314B7321AF9}"/>
+              </a:ext>
+            </a:extLst>
+          </p:cNvPr>
+          <p:cNvSpPr>
+            <a:spLocks noGrp="1"/>
+          </p:cNvSpPr>
+          <p:nvPr>
+            <p:ph type="title"/>
+          </p:nvPr>
+        </p:nvSpPr>
+        <p:spPr/>
+        <p:txBody>
+          <a:bodyPr>
+            <a:normAutofit fontScale="90000"/>
+          </a:bodyPr>
+          <a:lstStyle/>
+          <a:p>
+            <a:r>
+              <a:rPr lang="es-ES" dirty="0"/>
+              <a:t>Experimentos</a:t>
+            </a:r>
+            <a:endParaRPr lang="es-CL" dirty="0"/>
+          </a:p>
+        </p:txBody>
+      </p:sp>
+      <p:sp>
+        <p:nvSpPr>
+          <p:cNvPr id="3" name="Content Placeholder 2">
+            <a:extLst>
+              <a:ext uri="{FF2B5EF4-FFF2-40B4-BE49-F238E27FC236}">
+                <a16:creationId xmlns:a16="http://schemas.microsoft.com/office/drawing/2014/main" id="{91F922A1-DC5F-B4C9-2E9F-138788EF0120}"/>
+              </a:ext>
+            </a:extLst>
+          </p:cNvPr>
+          <p:cNvSpPr>
+            <a:spLocks noGrp="1"/>
+          </p:cNvSpPr>
+          <p:nvPr>
+            <p:ph idx="1"/>
+          </p:nvPr>
+        </p:nvSpPr>
+        <p:spPr>
+          <a:xfrm>
+            <a:off x="838200" y="1149790"/>
+            <a:ext cx="10515600" cy="5027173"/>
+          </a:xfrm>
+        </p:spPr>
+        <p:txBody>
+          <a:bodyPr>
+            <a:normAutofit/>
+          </a:bodyPr>
+          <a:lstStyle/>
+          <a:p>
+            <a:endParaRPr lang="es-CL" dirty="0"/>
+          </a:p>
+          <a:p>
+            <a:r>
+              <a:rPr lang="es-CL" dirty="0"/>
+              <a:t> n</a:t>
+            </a:r>
+          </a:p>
+        </p:txBody>
+      </p:sp>
+      <p:sp>
+        <p:nvSpPr>
+          <p:cNvPr id="4" name="Slide Number Placeholder 3">
+            <a:extLst>
+              <a:ext uri="{FF2B5EF4-FFF2-40B4-BE49-F238E27FC236}">
+                <a16:creationId xmlns:a16="http://schemas.microsoft.com/office/drawing/2014/main" id="{7D1DC304-5A32-9651-7F73-5F4F75DFB93F}"/>
+              </a:ext>
+            </a:extLst>
+          </p:cNvPr>
+          <p:cNvSpPr>
+            <a:spLocks noGrp="1"/>
+          </p:cNvSpPr>
+          <p:nvPr>
+            <p:ph type="sldNum" sz="quarter" idx="12"/>
+          </p:nvPr>
+        </p:nvSpPr>
+        <p:spPr/>
+        <p:txBody>
+          <a:bodyPr/>
+          <a:lstStyle/>
+          <a:p>
+            <a:fld id="{3352F6F5-E16D-F340-A90C-ABCF032D59B6}" type="slidenum">
+              <a:rPr lang="es-ES_tradnl" smtClean="0"/>
+              <a:pPr/>
+              <a:t>5</a:t>
+            </a:fld>
+            <a:endParaRPr lang="es-ES_tradnl"/>
+          </a:p>
+        </p:txBody>
+      </p:sp>
+      <p:graphicFrame>
+        <p:nvGraphicFramePr>
+          <p:cNvPr id="6" name="Table 5">
+            <a:extLst>
+              <a:ext uri="{FF2B5EF4-FFF2-40B4-BE49-F238E27FC236}">
+                <a16:creationId xmlns:a16="http://schemas.microsoft.com/office/drawing/2014/main" id="{ADED247A-E546-CD45-C9E3-C873164A179F}"/>
+              </a:ext>
+            </a:extLst>
+          </p:cNvPr>
+          <p:cNvGraphicFramePr>
+            <a:graphicFrameLocks noGrp="1"/>
+          </p:cNvGraphicFramePr>
+          <p:nvPr>
+            <p:extLst>
+              <p:ext uri="{D42A27DB-BD31-4B8C-83A1-F6EECF244321}">
+                <p14:modId xmlns:p14="http://schemas.microsoft.com/office/powerpoint/2010/main" val="4175913574"/>
+              </p:ext>
+            </p:extLst>
+          </p:nvPr>
+        </p:nvGraphicFramePr>
+        <p:xfrm>
+          <a:off x="1068309" y="1819748"/>
+          <a:ext cx="9180215" cy="3331675"/>
+        </p:xfrm>
+        <a:graphic>
+          <a:graphicData uri="http://schemas.openxmlformats.org/drawingml/2006/table">
+            <a:tbl>
+              <a:tblPr>
+                <a:tableStyleId>{5C22544A-7EE6-4342-B048-85BDC9FD1C3A}</a:tableStyleId>
+              </a:tblPr>
+              <a:tblGrid>
+                <a:gridCol w="1126262">
+                  <a:extLst>
+                    <a:ext uri="{9D8B030D-6E8A-4147-A177-3AD203B41FA5}">
+                      <a16:colId xmlns:a16="http://schemas.microsoft.com/office/drawing/2014/main" val="335381486"/>
+                    </a:ext>
+                  </a:extLst>
+                </a:gridCol>
+                <a:gridCol w="1877107">
+                  <a:extLst>
+                    <a:ext uri="{9D8B030D-6E8A-4147-A177-3AD203B41FA5}">
+                      <a16:colId xmlns:a16="http://schemas.microsoft.com/office/drawing/2014/main" val="450275145"/>
+                    </a:ext>
+                  </a:extLst>
+                </a:gridCol>
+                <a:gridCol w="1671798">
+                  <a:extLst>
+                    <a:ext uri="{9D8B030D-6E8A-4147-A177-3AD203B41FA5}">
+                      <a16:colId xmlns:a16="http://schemas.microsoft.com/office/drawing/2014/main" val="1893033906"/>
+                    </a:ext>
+                  </a:extLst>
+                </a:gridCol>
+                <a:gridCol w="1126262">
+                  <a:extLst>
+                    <a:ext uri="{9D8B030D-6E8A-4147-A177-3AD203B41FA5}">
+                      <a16:colId xmlns:a16="http://schemas.microsoft.com/office/drawing/2014/main" val="3891852878"/>
+                    </a:ext>
+                  </a:extLst>
+                </a:gridCol>
+                <a:gridCol w="1126262">
+                  <a:extLst>
+                    <a:ext uri="{9D8B030D-6E8A-4147-A177-3AD203B41FA5}">
+                      <a16:colId xmlns:a16="http://schemas.microsoft.com/office/drawing/2014/main" val="1790360994"/>
+                    </a:ext>
+                  </a:extLst>
+                </a:gridCol>
+                <a:gridCol w="1126262">
+                  <a:extLst>
+                    <a:ext uri="{9D8B030D-6E8A-4147-A177-3AD203B41FA5}">
+                      <a16:colId xmlns:a16="http://schemas.microsoft.com/office/drawing/2014/main" val="3605354916"/>
+                    </a:ext>
+                  </a:extLst>
+                </a:gridCol>
+                <a:gridCol w="1126262">
+                  <a:extLst>
+                    <a:ext uri="{9D8B030D-6E8A-4147-A177-3AD203B41FA5}">
+                      <a16:colId xmlns:a16="http://schemas.microsoft.com/office/drawing/2014/main" val="2325967370"/>
+                    </a:ext>
+                  </a:extLst>
+                </a:gridCol>
+              </a:tblGrid>
+              <a:tr h="684485">
+                <a:tc>
+                  <a:txBody>
+                    <a:bodyPr/>
+                    <a:lstStyle/>
+                    <a:p>
+                      <a:pPr algn="l" fontAlgn="b"/>
+                      <a:r>
+                        <a:rPr lang="es-CL" sz="1100" u="none" strike="noStrike">
+                          <a:effectLst/>
+                        </a:rPr>
+                        <a:t>Substation</a:t>
+                      </a:r>
+                      <a:endParaRPr lang="es-CL" sz="1100" b="0" i="0" u="none" strike="noStrike">
+                        <a:solidFill>
+                          <a:srgbClr val="000000"/>
+                        </a:solidFill>
+                        <a:effectLst/>
+                        <a:latin typeface="Aptos Narrow" panose="020B0004020202020204" pitchFamily="34" charset="0"/>
+                      </a:endParaRPr>
+                    </a:p>
+                  </a:txBody>
+                  <a:tcPr marL="9525" marR="9525" marT="9525" marB="0" anchor="b"/>
+                </a:tc>
+                <a:tc>
+                  <a:txBody>
+                    <a:bodyPr/>
+                    <a:lstStyle/>
+                    <a:p>
+                      <a:pPr algn="l" fontAlgn="b"/>
+                      <a:r>
+                        <a:rPr lang="es-CL" sz="1100" u="none" strike="noStrike">
+                          <a:effectLst/>
+                        </a:rPr>
+                        <a:t>MAE</a:t>
+                      </a:r>
+                      <a:endParaRPr lang="es-CL" sz="1100" b="0" i="0" u="none" strike="noStrike">
+                        <a:solidFill>
+                          <a:srgbClr val="000000"/>
+                        </a:solidFill>
+                        <a:effectLst/>
+                        <a:latin typeface="Aptos Narrow" panose="020B0004020202020204" pitchFamily="34" charset="0"/>
+                      </a:endParaRPr>
+                    </a:p>
+                  </a:txBody>
+                  <a:tcPr marL="9525" marR="9525" marT="9525" marB="0" anchor="b"/>
+                </a:tc>
+                <a:tc>
+                  <a:txBody>
+                    <a:bodyPr/>
+                    <a:lstStyle/>
+                    <a:p>
+                      <a:pPr algn="l" fontAlgn="b"/>
+                      <a:r>
+                        <a:rPr lang="es-CL" sz="1100" u="none" strike="noStrike" dirty="0">
+                          <a:effectLst/>
+                        </a:rPr>
+                        <a:t>MSE</a:t>
+                      </a:r>
+                      <a:endParaRPr lang="es-CL" sz="1100" b="0" i="0" u="none" strike="noStrike" dirty="0">
+                        <a:solidFill>
+                          <a:srgbClr val="000000"/>
+                        </a:solidFill>
+                        <a:effectLst/>
+                        <a:latin typeface="Aptos Narrow" panose="020B0004020202020204" pitchFamily="34" charset="0"/>
+                      </a:endParaRPr>
+                    </a:p>
+                  </a:txBody>
+                  <a:tcPr marL="9525" marR="9525" marT="9525" marB="0" anchor="b"/>
+                </a:tc>
+                <a:tc>
+                  <a:txBody>
+                    <a:bodyPr/>
+                    <a:lstStyle/>
+                    <a:p>
+                      <a:pPr algn="l" fontAlgn="b"/>
+                      <a:r>
+                        <a:rPr lang="es-CL" sz="1100" u="none" strike="noStrike">
+                          <a:effectLst/>
+                        </a:rPr>
+                        <a:t>Accuracy</a:t>
+                      </a:r>
+                      <a:endParaRPr lang="es-CL" sz="1100" b="0" i="0" u="none" strike="noStrike">
+                        <a:solidFill>
+                          <a:srgbClr val="000000"/>
+                        </a:solidFill>
+                        <a:effectLst/>
+                        <a:latin typeface="Aptos Narrow" panose="020B0004020202020204" pitchFamily="34" charset="0"/>
+                      </a:endParaRPr>
+                    </a:p>
+                  </a:txBody>
+                  <a:tcPr marL="9525" marR="9525" marT="9525" marB="0" anchor="b"/>
+                </a:tc>
+                <a:tc>
+                  <a:txBody>
+                    <a:bodyPr/>
+                    <a:lstStyle/>
+                    <a:p>
+                      <a:pPr algn="l" fontAlgn="b"/>
+                      <a:r>
+                        <a:rPr lang="es-CL" sz="1100" u="none" strike="noStrike">
+                          <a:effectLst/>
+                        </a:rPr>
+                        <a:t>Precision</a:t>
+                      </a:r>
+                      <a:endParaRPr lang="es-CL" sz="1100" b="0" i="0" u="none" strike="noStrike">
+                        <a:solidFill>
+                          <a:srgbClr val="000000"/>
+                        </a:solidFill>
+                        <a:effectLst/>
+                        <a:latin typeface="Aptos Narrow" panose="020B0004020202020204" pitchFamily="34" charset="0"/>
+                      </a:endParaRPr>
+                    </a:p>
+                  </a:txBody>
+                  <a:tcPr marL="9525" marR="9525" marT="9525" marB="0" anchor="b"/>
+                </a:tc>
+                <a:tc>
+                  <a:txBody>
+                    <a:bodyPr/>
+                    <a:lstStyle/>
+                    <a:p>
+                      <a:pPr algn="l" fontAlgn="b"/>
+                      <a:r>
+                        <a:rPr lang="es-CL" sz="1100" u="none" strike="noStrike">
+                          <a:effectLst/>
+                        </a:rPr>
+                        <a:t>Recall</a:t>
+                      </a:r>
+                      <a:endParaRPr lang="es-CL" sz="1100" b="0" i="0" u="none" strike="noStrike">
+                        <a:solidFill>
+                          <a:srgbClr val="000000"/>
+                        </a:solidFill>
+                        <a:effectLst/>
+                        <a:latin typeface="Aptos Narrow" panose="020B0004020202020204" pitchFamily="34" charset="0"/>
+                      </a:endParaRPr>
+                    </a:p>
+                  </a:txBody>
+                  <a:tcPr marL="9525" marR="9525" marT="9525" marB="0" anchor="b"/>
+                </a:tc>
+                <a:tc>
+                  <a:txBody>
+                    <a:bodyPr/>
+                    <a:lstStyle/>
+                    <a:p>
+                      <a:pPr algn="l" fontAlgn="b"/>
+                      <a:r>
+                        <a:rPr lang="es-CL" sz="1100" u="none" strike="noStrike">
+                          <a:effectLst/>
+                        </a:rPr>
+                        <a:t>F1-Score</a:t>
+                      </a:r>
+                      <a:endParaRPr lang="es-CL" sz="1100" b="0" i="0" u="none" strike="noStrike">
+                        <a:solidFill>
+                          <a:srgbClr val="000000"/>
+                        </a:solidFill>
+                        <a:effectLst/>
+                        <a:latin typeface="Aptos Narrow" panose="020B0004020202020204" pitchFamily="34" charset="0"/>
+                      </a:endParaRPr>
+                    </a:p>
+                  </a:txBody>
+                  <a:tcPr marL="9525" marR="9525" marT="9525" marB="0" anchor="b"/>
+                </a:tc>
+                <a:extLst>
+                  <a:ext uri="{0D108BD9-81ED-4DB2-BD59-A6C34878D82A}">
+                    <a16:rowId xmlns:a16="http://schemas.microsoft.com/office/drawing/2014/main" val="1157246792"/>
+                  </a:ext>
+                </a:extLst>
+              </a:tr>
+              <a:tr h="378170">
+                <a:tc>
+                  <a:txBody>
+                    <a:bodyPr/>
+                    <a:lstStyle/>
+                    <a:p>
+                      <a:pPr algn="l" fontAlgn="b"/>
+                      <a:r>
+                        <a:rPr lang="es-CL" sz="1100" u="none" strike="noStrike">
+                          <a:effectLst/>
+                        </a:rPr>
+                        <a:t>AJAHUEL</a:t>
+                      </a:r>
+                      <a:endParaRPr lang="es-CL" sz="1100" b="0" i="0" u="none" strike="noStrike">
+                        <a:solidFill>
+                          <a:srgbClr val="000000"/>
+                        </a:solidFill>
+                        <a:effectLst/>
+                        <a:latin typeface="Aptos Narrow" panose="020B0004020202020204" pitchFamily="34" charset="0"/>
+                      </a:endParaRPr>
+                    </a:p>
+                  </a:txBody>
+                  <a:tcPr marL="9525" marR="9525" marT="9525" marB="0" anchor="b"/>
+                </a:tc>
+                <a:tc>
+                  <a:txBody>
+                    <a:bodyPr/>
+                    <a:lstStyle/>
+                    <a:p>
+                      <a:pPr algn="ctr" fontAlgn="b"/>
+                      <a:r>
+                        <a:rPr lang="es-CL" sz="1100" u="none" strike="noStrike" dirty="0">
+                          <a:effectLst/>
+                        </a:rPr>
+                        <a:t>43.527.341</a:t>
+                      </a:r>
+                      <a:endParaRPr lang="es-CL" sz="1100" b="0" i="0" u="none" strike="noStrike" dirty="0">
+                        <a:solidFill>
+                          <a:srgbClr val="000000"/>
+                        </a:solidFill>
+                        <a:effectLst/>
+                        <a:latin typeface="Aptos Narrow" panose="020B0004020202020204" pitchFamily="34" charset="0"/>
+                      </a:endParaRPr>
+                    </a:p>
+                  </a:txBody>
+                  <a:tcPr marL="9525" marR="9525" marT="9525" marB="0" anchor="b"/>
+                </a:tc>
+                <a:tc>
+                  <a:txBody>
+                    <a:bodyPr/>
+                    <a:lstStyle/>
+                    <a:p>
+                      <a:pPr algn="ctr" fontAlgn="b"/>
+                      <a:r>
+                        <a:rPr lang="es-CL" sz="1100" u="none" strike="noStrike">
+                          <a:effectLst/>
+                        </a:rPr>
+                        <a:t>2.663.715.236</a:t>
+                      </a:r>
+                      <a:endParaRPr lang="es-CL" sz="1100" b="0" i="0" u="none" strike="noStrike">
+                        <a:solidFill>
+                          <a:srgbClr val="000000"/>
+                        </a:solidFill>
+                        <a:effectLst/>
+                        <a:latin typeface="Aptos Narrow" panose="020B0004020202020204" pitchFamily="34" charset="0"/>
+                      </a:endParaRPr>
+                    </a:p>
+                  </a:txBody>
+                  <a:tcPr marL="9525" marR="9525" marT="9525" marB="0" anchor="b"/>
+                </a:tc>
+                <a:tc>
+                  <a:txBody>
+                    <a:bodyPr/>
+                    <a:lstStyle/>
+                    <a:p>
+                      <a:pPr algn="ctr" fontAlgn="b"/>
+                      <a:r>
+                        <a:rPr lang="es-CL" sz="1100" u="none" strike="noStrike">
+                          <a:effectLst/>
+                        </a:rPr>
+                        <a:t>1.000.000</a:t>
+                      </a:r>
+                      <a:endParaRPr lang="es-CL" sz="1100" b="0" i="0" u="none" strike="noStrike">
+                        <a:solidFill>
+                          <a:srgbClr val="000000"/>
+                        </a:solidFill>
+                        <a:effectLst/>
+                        <a:latin typeface="Aptos Narrow" panose="020B0004020202020204" pitchFamily="34" charset="0"/>
+                      </a:endParaRPr>
+                    </a:p>
+                  </a:txBody>
+                  <a:tcPr marL="9525" marR="9525" marT="9525" marB="0" anchor="b"/>
+                </a:tc>
+                <a:tc>
+                  <a:txBody>
+                    <a:bodyPr/>
+                    <a:lstStyle/>
+                    <a:p>
+                      <a:pPr algn="ctr" fontAlgn="b"/>
+                      <a:r>
+                        <a:rPr lang="es-CL" sz="1100" u="none" strike="noStrike">
+                          <a:effectLst/>
+                        </a:rPr>
+                        <a:t>0.000000</a:t>
+                      </a:r>
+                      <a:endParaRPr lang="es-CL" sz="1100" b="0" i="0" u="none" strike="noStrike">
+                        <a:solidFill>
+                          <a:srgbClr val="000000"/>
+                        </a:solidFill>
+                        <a:effectLst/>
+                        <a:latin typeface="Aptos Narrow" panose="020B0004020202020204" pitchFamily="34" charset="0"/>
+                      </a:endParaRPr>
+                    </a:p>
+                  </a:txBody>
+                  <a:tcPr marL="9525" marR="9525" marT="9525" marB="0" anchor="b"/>
+                </a:tc>
+                <a:tc>
+                  <a:txBody>
+                    <a:bodyPr/>
+                    <a:lstStyle/>
+                    <a:p>
+                      <a:pPr algn="ctr" fontAlgn="b"/>
+                      <a:r>
+                        <a:rPr lang="es-CL" sz="1100" u="none" strike="noStrike">
+                          <a:effectLst/>
+                        </a:rPr>
+                        <a:t>0.0</a:t>
+                      </a:r>
+                      <a:endParaRPr lang="es-CL" sz="1100" b="0" i="0" u="none" strike="noStrike">
+                        <a:solidFill>
+                          <a:srgbClr val="000000"/>
+                        </a:solidFill>
+                        <a:effectLst/>
+                        <a:latin typeface="Aptos Narrow" panose="020B0004020202020204" pitchFamily="34" charset="0"/>
+                      </a:endParaRPr>
+                    </a:p>
+                  </a:txBody>
+                  <a:tcPr marL="9525" marR="9525" marT="9525" marB="0" anchor="b"/>
+                </a:tc>
+                <a:tc>
+                  <a:txBody>
+                    <a:bodyPr/>
+                    <a:lstStyle/>
+                    <a:p>
+                      <a:pPr algn="ctr" fontAlgn="b"/>
+                      <a:r>
+                        <a:rPr lang="es-CL" sz="1100" u="none" strike="noStrike">
+                          <a:effectLst/>
+                        </a:rPr>
+                        <a:t>0.000000</a:t>
+                      </a:r>
+                      <a:endParaRPr lang="es-CL" sz="1100" b="0" i="0" u="none" strike="noStrike">
+                        <a:solidFill>
+                          <a:srgbClr val="000000"/>
+                        </a:solidFill>
+                        <a:effectLst/>
+                        <a:latin typeface="Aptos Narrow" panose="020B0004020202020204" pitchFamily="34" charset="0"/>
+                      </a:endParaRPr>
+                    </a:p>
+                  </a:txBody>
+                  <a:tcPr marL="9525" marR="9525" marT="9525" marB="0" anchor="b"/>
+                </a:tc>
+                <a:extLst>
+                  <a:ext uri="{0D108BD9-81ED-4DB2-BD59-A6C34878D82A}">
+                    <a16:rowId xmlns:a16="http://schemas.microsoft.com/office/drawing/2014/main" val="2266268879"/>
+                  </a:ext>
+                </a:extLst>
+              </a:tr>
+              <a:tr h="378170">
+                <a:tc>
+                  <a:txBody>
+                    <a:bodyPr/>
+                    <a:lstStyle/>
+                    <a:p>
+                      <a:pPr algn="l" fontAlgn="b"/>
+                      <a:r>
+                        <a:rPr lang="es-CL" sz="1100" u="none" strike="noStrike">
+                          <a:effectLst/>
+                        </a:rPr>
+                        <a:t>BUIN</a:t>
+                      </a:r>
+                      <a:endParaRPr lang="es-CL" sz="1100" b="0" i="0" u="none" strike="noStrike">
+                        <a:solidFill>
+                          <a:srgbClr val="000000"/>
+                        </a:solidFill>
+                        <a:effectLst/>
+                        <a:latin typeface="Aptos Narrow" panose="020B0004020202020204" pitchFamily="34" charset="0"/>
+                      </a:endParaRPr>
+                    </a:p>
+                  </a:txBody>
+                  <a:tcPr marL="9525" marR="9525" marT="9525" marB="0" anchor="b"/>
+                </a:tc>
+                <a:tc>
+                  <a:txBody>
+                    <a:bodyPr/>
+                    <a:lstStyle/>
+                    <a:p>
+                      <a:pPr algn="ctr" fontAlgn="b"/>
+                      <a:r>
+                        <a:rPr lang="es-CL" sz="1100" u="none" strike="noStrike" dirty="0">
+                          <a:effectLst/>
+                        </a:rPr>
+                        <a:t>0.173615</a:t>
+                      </a:r>
+                      <a:endParaRPr lang="es-CL" sz="1100" b="0" i="0" u="none" strike="noStrike" dirty="0">
+                        <a:solidFill>
+                          <a:srgbClr val="000000"/>
+                        </a:solidFill>
+                        <a:effectLst/>
+                        <a:latin typeface="Aptos Narrow" panose="020B0004020202020204" pitchFamily="34" charset="0"/>
+                      </a:endParaRPr>
+                    </a:p>
+                  </a:txBody>
+                  <a:tcPr marL="9525" marR="9525" marT="9525" marB="0" anchor="b"/>
+                </a:tc>
+                <a:tc>
+                  <a:txBody>
+                    <a:bodyPr/>
+                    <a:lstStyle/>
+                    <a:p>
+                      <a:pPr algn="ctr" fontAlgn="b"/>
+                      <a:r>
+                        <a:rPr lang="es-CL" sz="1100" u="none" strike="noStrike" dirty="0">
+                          <a:effectLst/>
+                        </a:rPr>
+                        <a:t>0.034809</a:t>
+                      </a:r>
+                      <a:endParaRPr lang="es-CL" sz="1100" b="0" i="0" u="none" strike="noStrike" dirty="0">
+                        <a:solidFill>
+                          <a:srgbClr val="000000"/>
+                        </a:solidFill>
+                        <a:effectLst/>
+                        <a:latin typeface="Aptos Narrow" panose="020B0004020202020204" pitchFamily="34" charset="0"/>
+                      </a:endParaRPr>
+                    </a:p>
+                  </a:txBody>
+                  <a:tcPr marL="9525" marR="9525" marT="9525" marB="0" anchor="b"/>
+                </a:tc>
+                <a:tc>
+                  <a:txBody>
+                    <a:bodyPr/>
+                    <a:lstStyle/>
+                    <a:p>
+                      <a:pPr algn="ctr" fontAlgn="b"/>
+                      <a:r>
+                        <a:rPr lang="es-CL" sz="1100" u="none" strike="noStrike" dirty="0">
+                          <a:effectLst/>
+                        </a:rPr>
+                        <a:t>0.791667</a:t>
+                      </a:r>
+                      <a:endParaRPr lang="es-CL" sz="1100" b="0" i="0" u="none" strike="noStrike" dirty="0">
+                        <a:solidFill>
+                          <a:srgbClr val="000000"/>
+                        </a:solidFill>
+                        <a:effectLst/>
+                        <a:latin typeface="Aptos Narrow" panose="020B0004020202020204" pitchFamily="34" charset="0"/>
+                      </a:endParaRPr>
+                    </a:p>
+                  </a:txBody>
+                  <a:tcPr marL="9525" marR="9525" marT="9525" marB="0" anchor="b"/>
+                </a:tc>
+                <a:tc>
+                  <a:txBody>
+                    <a:bodyPr/>
+                    <a:lstStyle/>
+                    <a:p>
+                      <a:pPr algn="ctr" fontAlgn="b"/>
+                      <a:r>
+                        <a:rPr lang="es-CL" sz="1100" u="none" strike="noStrike">
+                          <a:effectLst/>
+                        </a:rPr>
+                        <a:t>0.791667</a:t>
+                      </a:r>
+                      <a:endParaRPr lang="es-CL" sz="1100" b="0" i="0" u="none" strike="noStrike">
+                        <a:solidFill>
+                          <a:srgbClr val="000000"/>
+                        </a:solidFill>
+                        <a:effectLst/>
+                        <a:latin typeface="Aptos Narrow" panose="020B0004020202020204" pitchFamily="34" charset="0"/>
+                      </a:endParaRPr>
+                    </a:p>
+                  </a:txBody>
+                  <a:tcPr marL="9525" marR="9525" marT="9525" marB="0" anchor="b"/>
+                </a:tc>
+                <a:tc>
+                  <a:txBody>
+                    <a:bodyPr/>
+                    <a:lstStyle/>
+                    <a:p>
+                      <a:pPr algn="ctr" fontAlgn="b"/>
+                      <a:r>
+                        <a:rPr lang="es-CL" sz="1100" u="none" strike="noStrike">
+                          <a:effectLst/>
+                        </a:rPr>
+                        <a:t>1.0</a:t>
+                      </a:r>
+                      <a:endParaRPr lang="es-CL" sz="1100" b="0" i="0" u="none" strike="noStrike">
+                        <a:solidFill>
+                          <a:srgbClr val="000000"/>
+                        </a:solidFill>
+                        <a:effectLst/>
+                        <a:latin typeface="Aptos Narrow" panose="020B0004020202020204" pitchFamily="34" charset="0"/>
+                      </a:endParaRPr>
+                    </a:p>
+                  </a:txBody>
+                  <a:tcPr marL="9525" marR="9525" marT="9525" marB="0" anchor="b"/>
+                </a:tc>
+                <a:tc>
+                  <a:txBody>
+                    <a:bodyPr/>
+                    <a:lstStyle/>
+                    <a:p>
+                      <a:pPr algn="ctr" fontAlgn="b"/>
+                      <a:r>
+                        <a:rPr lang="es-CL" sz="1100" u="none" strike="noStrike">
+                          <a:effectLst/>
+                        </a:rPr>
+                        <a:t>0.883721</a:t>
+                      </a:r>
+                      <a:endParaRPr lang="es-CL" sz="1100" b="0" i="0" u="none" strike="noStrike">
+                        <a:solidFill>
+                          <a:srgbClr val="000000"/>
+                        </a:solidFill>
+                        <a:effectLst/>
+                        <a:latin typeface="Aptos Narrow" panose="020B0004020202020204" pitchFamily="34" charset="0"/>
+                      </a:endParaRPr>
+                    </a:p>
+                  </a:txBody>
+                  <a:tcPr marL="9525" marR="9525" marT="9525" marB="0" anchor="b"/>
+                </a:tc>
+                <a:extLst>
+                  <a:ext uri="{0D108BD9-81ED-4DB2-BD59-A6C34878D82A}">
+                    <a16:rowId xmlns:a16="http://schemas.microsoft.com/office/drawing/2014/main" val="3929863757"/>
+                  </a:ext>
+                </a:extLst>
+              </a:tr>
+              <a:tr h="378170">
+                <a:tc>
+                  <a:txBody>
+                    <a:bodyPr/>
+                    <a:lstStyle/>
+                    <a:p>
+                      <a:pPr algn="l" fontAlgn="b"/>
+                      <a:r>
+                        <a:rPr lang="es-CL" sz="1100" u="none" strike="noStrike">
+                          <a:effectLst/>
+                        </a:rPr>
+                        <a:t>CHENA</a:t>
+                      </a:r>
+                      <a:endParaRPr lang="es-CL" sz="1100" b="0" i="0" u="none" strike="noStrike">
+                        <a:solidFill>
+                          <a:srgbClr val="000000"/>
+                        </a:solidFill>
+                        <a:effectLst/>
+                        <a:latin typeface="Aptos Narrow" panose="020B0004020202020204" pitchFamily="34" charset="0"/>
+                      </a:endParaRPr>
+                    </a:p>
+                  </a:txBody>
+                  <a:tcPr marL="9525" marR="9525" marT="9525" marB="0" anchor="b"/>
+                </a:tc>
+                <a:tc>
+                  <a:txBody>
+                    <a:bodyPr/>
+                    <a:lstStyle/>
+                    <a:p>
+                      <a:pPr algn="ctr" fontAlgn="b"/>
+                      <a:r>
+                        <a:rPr lang="es-CL" sz="1100" u="none" strike="noStrike">
+                          <a:effectLst/>
+                        </a:rPr>
+                        <a:t>38.642.855</a:t>
+                      </a:r>
+                      <a:endParaRPr lang="es-CL" sz="1100" b="0" i="0" u="none" strike="noStrike">
+                        <a:solidFill>
+                          <a:srgbClr val="000000"/>
+                        </a:solidFill>
+                        <a:effectLst/>
+                        <a:latin typeface="Aptos Narrow" panose="020B0004020202020204" pitchFamily="34" charset="0"/>
+                      </a:endParaRPr>
+                    </a:p>
+                  </a:txBody>
+                  <a:tcPr marL="9525" marR="9525" marT="9525" marB="0" anchor="b"/>
+                </a:tc>
+                <a:tc>
+                  <a:txBody>
+                    <a:bodyPr/>
+                    <a:lstStyle/>
+                    <a:p>
+                      <a:pPr algn="ctr" fontAlgn="b"/>
+                      <a:r>
+                        <a:rPr lang="es-CL" sz="1100" u="none" strike="noStrike" dirty="0">
+                          <a:effectLst/>
+                        </a:rPr>
+                        <a:t>2.159.153.999</a:t>
+                      </a:r>
+                      <a:endParaRPr lang="es-CL" sz="1100" b="0" i="0" u="none" strike="noStrike" dirty="0">
+                        <a:solidFill>
+                          <a:srgbClr val="000000"/>
+                        </a:solidFill>
+                        <a:effectLst/>
+                        <a:latin typeface="Aptos Narrow" panose="020B0004020202020204" pitchFamily="34" charset="0"/>
+                      </a:endParaRPr>
+                    </a:p>
+                  </a:txBody>
+                  <a:tcPr marL="9525" marR="9525" marT="9525" marB="0" anchor="b"/>
+                </a:tc>
+                <a:tc>
+                  <a:txBody>
+                    <a:bodyPr/>
+                    <a:lstStyle/>
+                    <a:p>
+                      <a:pPr algn="ctr" fontAlgn="b"/>
+                      <a:r>
+                        <a:rPr lang="es-CL" sz="1100" u="none" strike="noStrike">
+                          <a:effectLst/>
+                        </a:rPr>
+                        <a:t>1.000.000</a:t>
+                      </a:r>
+                      <a:endParaRPr lang="es-CL" sz="1100" b="0" i="0" u="none" strike="noStrike">
+                        <a:solidFill>
+                          <a:srgbClr val="000000"/>
+                        </a:solidFill>
+                        <a:effectLst/>
+                        <a:latin typeface="Aptos Narrow" panose="020B0004020202020204" pitchFamily="34" charset="0"/>
+                      </a:endParaRPr>
+                    </a:p>
+                  </a:txBody>
+                  <a:tcPr marL="9525" marR="9525" marT="9525" marB="0" anchor="b"/>
+                </a:tc>
+                <a:tc>
+                  <a:txBody>
+                    <a:bodyPr/>
+                    <a:lstStyle/>
+                    <a:p>
+                      <a:pPr algn="ctr" fontAlgn="b"/>
+                      <a:r>
+                        <a:rPr lang="es-CL" sz="1100" u="none" strike="noStrike">
+                          <a:effectLst/>
+                        </a:rPr>
+                        <a:t>0.000000</a:t>
+                      </a:r>
+                      <a:endParaRPr lang="es-CL" sz="1100" b="0" i="0" u="none" strike="noStrike">
+                        <a:solidFill>
+                          <a:srgbClr val="000000"/>
+                        </a:solidFill>
+                        <a:effectLst/>
+                        <a:latin typeface="Aptos Narrow" panose="020B0004020202020204" pitchFamily="34" charset="0"/>
+                      </a:endParaRPr>
+                    </a:p>
+                  </a:txBody>
+                  <a:tcPr marL="9525" marR="9525" marT="9525" marB="0" anchor="b"/>
+                </a:tc>
+                <a:tc>
+                  <a:txBody>
+                    <a:bodyPr/>
+                    <a:lstStyle/>
+                    <a:p>
+                      <a:pPr algn="ctr" fontAlgn="b"/>
+                      <a:r>
+                        <a:rPr lang="es-CL" sz="1100" u="none" strike="noStrike">
+                          <a:effectLst/>
+                        </a:rPr>
+                        <a:t>0.0</a:t>
+                      </a:r>
+                      <a:endParaRPr lang="es-CL" sz="1100" b="0" i="0" u="none" strike="noStrike">
+                        <a:solidFill>
+                          <a:srgbClr val="000000"/>
+                        </a:solidFill>
+                        <a:effectLst/>
+                        <a:latin typeface="Aptos Narrow" panose="020B0004020202020204" pitchFamily="34" charset="0"/>
+                      </a:endParaRPr>
+                    </a:p>
+                  </a:txBody>
+                  <a:tcPr marL="9525" marR="9525" marT="9525" marB="0" anchor="b"/>
+                </a:tc>
+                <a:tc>
+                  <a:txBody>
+                    <a:bodyPr/>
+                    <a:lstStyle/>
+                    <a:p>
+                      <a:pPr algn="ctr" fontAlgn="b"/>
+                      <a:r>
+                        <a:rPr lang="es-CL" sz="1100" u="none" strike="noStrike">
+                          <a:effectLst/>
+                        </a:rPr>
+                        <a:t>0.000000</a:t>
+                      </a:r>
+                      <a:endParaRPr lang="es-CL" sz="1100" b="0" i="0" u="none" strike="noStrike">
+                        <a:solidFill>
+                          <a:srgbClr val="000000"/>
+                        </a:solidFill>
+                        <a:effectLst/>
+                        <a:latin typeface="Aptos Narrow" panose="020B0004020202020204" pitchFamily="34" charset="0"/>
+                      </a:endParaRPr>
+                    </a:p>
+                  </a:txBody>
+                  <a:tcPr marL="9525" marR="9525" marT="9525" marB="0" anchor="b"/>
+                </a:tc>
+                <a:extLst>
+                  <a:ext uri="{0D108BD9-81ED-4DB2-BD59-A6C34878D82A}">
+                    <a16:rowId xmlns:a16="http://schemas.microsoft.com/office/drawing/2014/main" val="1102611343"/>
+                  </a:ext>
+                </a:extLst>
+              </a:tr>
+              <a:tr h="378170">
+                <a:tc>
+                  <a:txBody>
+                    <a:bodyPr/>
+                    <a:lstStyle/>
+                    <a:p>
+                      <a:pPr algn="l" fontAlgn="b"/>
+                      <a:r>
+                        <a:rPr lang="es-CL" sz="1100" u="none" strike="noStrike">
+                          <a:effectLst/>
+                        </a:rPr>
+                        <a:t>CNAVIA</a:t>
+                      </a:r>
+                      <a:endParaRPr lang="es-CL" sz="1100" b="0" i="0" u="none" strike="noStrike">
+                        <a:solidFill>
+                          <a:srgbClr val="000000"/>
+                        </a:solidFill>
+                        <a:effectLst/>
+                        <a:latin typeface="Aptos Narrow" panose="020B0004020202020204" pitchFamily="34" charset="0"/>
+                      </a:endParaRPr>
+                    </a:p>
+                  </a:txBody>
+                  <a:tcPr marL="9525" marR="9525" marT="9525" marB="0" anchor="b"/>
+                </a:tc>
+                <a:tc>
+                  <a:txBody>
+                    <a:bodyPr/>
+                    <a:lstStyle/>
+                    <a:p>
+                      <a:pPr algn="ctr" fontAlgn="b"/>
+                      <a:r>
+                        <a:rPr lang="es-CL" sz="1100" u="none" strike="noStrike">
+                          <a:effectLst/>
+                        </a:rPr>
+                        <a:t>70.745.782</a:t>
+                      </a:r>
+                      <a:endParaRPr lang="es-CL" sz="1100" b="0" i="0" u="none" strike="noStrike">
+                        <a:solidFill>
+                          <a:srgbClr val="000000"/>
+                        </a:solidFill>
+                        <a:effectLst/>
+                        <a:latin typeface="Aptos Narrow" panose="020B0004020202020204" pitchFamily="34" charset="0"/>
+                      </a:endParaRPr>
+                    </a:p>
+                  </a:txBody>
+                  <a:tcPr marL="9525" marR="9525" marT="9525" marB="0" anchor="b"/>
+                </a:tc>
+                <a:tc>
+                  <a:txBody>
+                    <a:bodyPr/>
+                    <a:lstStyle/>
+                    <a:p>
+                      <a:pPr algn="ctr" fontAlgn="b"/>
+                      <a:r>
+                        <a:rPr lang="es-CL" sz="1100" u="none" strike="noStrike">
+                          <a:effectLst/>
+                        </a:rPr>
+                        <a:t>6.254.177.323</a:t>
+                      </a:r>
+                      <a:endParaRPr lang="es-CL" sz="1100" b="0" i="0" u="none" strike="noStrike">
+                        <a:solidFill>
+                          <a:srgbClr val="000000"/>
+                        </a:solidFill>
+                        <a:effectLst/>
+                        <a:latin typeface="Aptos Narrow" panose="020B0004020202020204" pitchFamily="34" charset="0"/>
+                      </a:endParaRPr>
+                    </a:p>
+                  </a:txBody>
+                  <a:tcPr marL="9525" marR="9525" marT="9525" marB="0" anchor="b"/>
+                </a:tc>
+                <a:tc>
+                  <a:txBody>
+                    <a:bodyPr/>
+                    <a:lstStyle/>
+                    <a:p>
+                      <a:pPr algn="ctr" fontAlgn="b"/>
+                      <a:r>
+                        <a:rPr lang="es-CL" sz="1100" u="none" strike="noStrike" dirty="0">
+                          <a:effectLst/>
+                        </a:rPr>
+                        <a:t>1.000.000</a:t>
+                      </a:r>
+                      <a:endParaRPr lang="es-CL" sz="1100" b="0" i="0" u="none" strike="noStrike" dirty="0">
+                        <a:solidFill>
+                          <a:srgbClr val="000000"/>
+                        </a:solidFill>
+                        <a:effectLst/>
+                        <a:latin typeface="Aptos Narrow" panose="020B0004020202020204" pitchFamily="34" charset="0"/>
+                      </a:endParaRPr>
+                    </a:p>
+                  </a:txBody>
+                  <a:tcPr marL="9525" marR="9525" marT="9525" marB="0" anchor="b"/>
+                </a:tc>
+                <a:tc>
+                  <a:txBody>
+                    <a:bodyPr/>
+                    <a:lstStyle/>
+                    <a:p>
+                      <a:pPr algn="ctr" fontAlgn="b"/>
+                      <a:r>
+                        <a:rPr lang="es-CL" sz="1100" u="none" strike="noStrike">
+                          <a:effectLst/>
+                        </a:rPr>
+                        <a:t>0.000000</a:t>
+                      </a:r>
+                      <a:endParaRPr lang="es-CL" sz="1100" b="0" i="0" u="none" strike="noStrike">
+                        <a:solidFill>
+                          <a:srgbClr val="000000"/>
+                        </a:solidFill>
+                        <a:effectLst/>
+                        <a:latin typeface="Aptos Narrow" panose="020B0004020202020204" pitchFamily="34" charset="0"/>
+                      </a:endParaRPr>
+                    </a:p>
+                  </a:txBody>
+                  <a:tcPr marL="9525" marR="9525" marT="9525" marB="0" anchor="b"/>
+                </a:tc>
+                <a:tc>
+                  <a:txBody>
+                    <a:bodyPr/>
+                    <a:lstStyle/>
+                    <a:p>
+                      <a:pPr algn="ctr" fontAlgn="b"/>
+                      <a:r>
+                        <a:rPr lang="es-CL" sz="1100" u="none" strike="noStrike">
+                          <a:effectLst/>
+                        </a:rPr>
+                        <a:t>0.0</a:t>
+                      </a:r>
+                      <a:endParaRPr lang="es-CL" sz="1100" b="0" i="0" u="none" strike="noStrike">
+                        <a:solidFill>
+                          <a:srgbClr val="000000"/>
+                        </a:solidFill>
+                        <a:effectLst/>
+                        <a:latin typeface="Aptos Narrow" panose="020B0004020202020204" pitchFamily="34" charset="0"/>
+                      </a:endParaRPr>
+                    </a:p>
+                  </a:txBody>
+                  <a:tcPr marL="9525" marR="9525" marT="9525" marB="0" anchor="b"/>
+                </a:tc>
+                <a:tc>
+                  <a:txBody>
+                    <a:bodyPr/>
+                    <a:lstStyle/>
+                    <a:p>
+                      <a:pPr algn="ctr" fontAlgn="b"/>
+                      <a:r>
+                        <a:rPr lang="es-CL" sz="1100" u="none" strike="noStrike">
+                          <a:effectLst/>
+                        </a:rPr>
+                        <a:t>0.000000</a:t>
+                      </a:r>
+                      <a:endParaRPr lang="es-CL" sz="1100" b="0" i="0" u="none" strike="noStrike">
+                        <a:solidFill>
+                          <a:srgbClr val="000000"/>
+                        </a:solidFill>
+                        <a:effectLst/>
+                        <a:latin typeface="Aptos Narrow" panose="020B0004020202020204" pitchFamily="34" charset="0"/>
+                      </a:endParaRPr>
+                    </a:p>
+                  </a:txBody>
+                  <a:tcPr marL="9525" marR="9525" marT="9525" marB="0" anchor="b"/>
+                </a:tc>
+                <a:extLst>
+                  <a:ext uri="{0D108BD9-81ED-4DB2-BD59-A6C34878D82A}">
+                    <a16:rowId xmlns:a16="http://schemas.microsoft.com/office/drawing/2014/main" val="3116753300"/>
+                  </a:ext>
+                </a:extLst>
+              </a:tr>
+              <a:tr h="378170">
+                <a:tc>
+                  <a:txBody>
+                    <a:bodyPr/>
+                    <a:lstStyle/>
+                    <a:p>
+                      <a:pPr algn="l" fontAlgn="b"/>
+                      <a:r>
+                        <a:rPr lang="es-CL" sz="1100" u="none" strike="noStrike">
+                          <a:effectLst/>
+                        </a:rPr>
+                        <a:t>ELSALTO</a:t>
+                      </a:r>
+                      <a:endParaRPr lang="es-CL" sz="1100" b="0" i="0" u="none" strike="noStrike">
+                        <a:solidFill>
+                          <a:srgbClr val="000000"/>
+                        </a:solidFill>
+                        <a:effectLst/>
+                        <a:latin typeface="Aptos Narrow" panose="020B0004020202020204" pitchFamily="34" charset="0"/>
+                      </a:endParaRPr>
+                    </a:p>
+                  </a:txBody>
+                  <a:tcPr marL="9525" marR="9525" marT="9525" marB="0" anchor="b"/>
+                </a:tc>
+                <a:tc>
+                  <a:txBody>
+                    <a:bodyPr/>
+                    <a:lstStyle/>
+                    <a:p>
+                      <a:pPr algn="ctr" fontAlgn="b"/>
+                      <a:r>
+                        <a:rPr lang="es-CL" sz="1100" u="none" strike="noStrike" dirty="0">
+                          <a:effectLst/>
+                        </a:rPr>
+                        <a:t>59.016.894</a:t>
+                      </a:r>
+                      <a:endParaRPr lang="es-CL" sz="1100" b="0" i="0" u="none" strike="noStrike" dirty="0">
+                        <a:solidFill>
+                          <a:srgbClr val="000000"/>
+                        </a:solidFill>
+                        <a:effectLst/>
+                        <a:latin typeface="Aptos Narrow" panose="020B0004020202020204" pitchFamily="34" charset="0"/>
+                      </a:endParaRPr>
+                    </a:p>
+                  </a:txBody>
+                  <a:tcPr marL="9525" marR="9525" marT="9525" marB="0" anchor="b"/>
+                </a:tc>
+                <a:tc>
+                  <a:txBody>
+                    <a:bodyPr/>
+                    <a:lstStyle/>
+                    <a:p>
+                      <a:pPr algn="ctr" fontAlgn="b"/>
+                      <a:r>
+                        <a:rPr lang="es-CL" sz="1100" u="none" strike="noStrike">
+                          <a:effectLst/>
+                        </a:rPr>
+                        <a:t>3.919.806.216</a:t>
+                      </a:r>
+                      <a:endParaRPr lang="es-CL" sz="1100" b="0" i="0" u="none" strike="noStrike">
+                        <a:solidFill>
+                          <a:srgbClr val="000000"/>
+                        </a:solidFill>
+                        <a:effectLst/>
+                        <a:latin typeface="Aptos Narrow" panose="020B0004020202020204" pitchFamily="34" charset="0"/>
+                      </a:endParaRPr>
+                    </a:p>
+                  </a:txBody>
+                  <a:tcPr marL="9525" marR="9525" marT="9525" marB="0" anchor="b"/>
+                </a:tc>
+                <a:tc>
+                  <a:txBody>
+                    <a:bodyPr/>
+                    <a:lstStyle/>
+                    <a:p>
+                      <a:pPr algn="ctr" fontAlgn="b"/>
+                      <a:r>
+                        <a:rPr lang="es-CL" sz="1100" u="none" strike="noStrike">
+                          <a:effectLst/>
+                        </a:rPr>
+                        <a:t>0.833333</a:t>
+                      </a:r>
+                      <a:endParaRPr lang="es-CL" sz="1100" b="0" i="0" u="none" strike="noStrike">
+                        <a:solidFill>
+                          <a:srgbClr val="000000"/>
+                        </a:solidFill>
+                        <a:effectLst/>
+                        <a:latin typeface="Aptos Narrow" panose="020B0004020202020204" pitchFamily="34" charset="0"/>
+                      </a:endParaRPr>
+                    </a:p>
+                  </a:txBody>
+                  <a:tcPr marL="9525" marR="9525" marT="9525" marB="0" anchor="b"/>
+                </a:tc>
+                <a:tc>
+                  <a:txBody>
+                    <a:bodyPr/>
+                    <a:lstStyle/>
+                    <a:p>
+                      <a:pPr algn="ctr" fontAlgn="b"/>
+                      <a:r>
+                        <a:rPr lang="es-CL" sz="1100" u="none" strike="noStrike" dirty="0">
+                          <a:effectLst/>
+                        </a:rPr>
+                        <a:t>0.000000</a:t>
+                      </a:r>
+                      <a:endParaRPr lang="es-CL" sz="1100" b="0" i="0" u="none" strike="noStrike" dirty="0">
+                        <a:solidFill>
+                          <a:srgbClr val="000000"/>
+                        </a:solidFill>
+                        <a:effectLst/>
+                        <a:latin typeface="Aptos Narrow" panose="020B0004020202020204" pitchFamily="34" charset="0"/>
+                      </a:endParaRPr>
+                    </a:p>
+                  </a:txBody>
+                  <a:tcPr marL="9525" marR="9525" marT="9525" marB="0" anchor="b"/>
+                </a:tc>
+                <a:tc>
+                  <a:txBody>
+                    <a:bodyPr/>
+                    <a:lstStyle/>
+                    <a:p>
+                      <a:pPr algn="ctr" fontAlgn="b"/>
+                      <a:r>
+                        <a:rPr lang="es-CL" sz="1100" u="none" strike="noStrike">
+                          <a:effectLst/>
+                        </a:rPr>
+                        <a:t>0.0</a:t>
+                      </a:r>
+                      <a:endParaRPr lang="es-CL" sz="1100" b="0" i="0" u="none" strike="noStrike">
+                        <a:solidFill>
+                          <a:srgbClr val="000000"/>
+                        </a:solidFill>
+                        <a:effectLst/>
+                        <a:latin typeface="Aptos Narrow" panose="020B0004020202020204" pitchFamily="34" charset="0"/>
+                      </a:endParaRPr>
+                    </a:p>
+                  </a:txBody>
+                  <a:tcPr marL="9525" marR="9525" marT="9525" marB="0" anchor="b"/>
+                </a:tc>
+                <a:tc>
+                  <a:txBody>
+                    <a:bodyPr/>
+                    <a:lstStyle/>
+                    <a:p>
+                      <a:pPr algn="ctr" fontAlgn="b"/>
+                      <a:r>
+                        <a:rPr lang="es-CL" sz="1100" u="none" strike="noStrike">
+                          <a:effectLst/>
+                        </a:rPr>
+                        <a:t>0.000000</a:t>
+                      </a:r>
+                      <a:endParaRPr lang="es-CL" sz="1100" b="0" i="0" u="none" strike="noStrike">
+                        <a:solidFill>
+                          <a:srgbClr val="000000"/>
+                        </a:solidFill>
+                        <a:effectLst/>
+                        <a:latin typeface="Aptos Narrow" panose="020B0004020202020204" pitchFamily="34" charset="0"/>
+                      </a:endParaRPr>
+                    </a:p>
+                  </a:txBody>
+                  <a:tcPr marL="9525" marR="9525" marT="9525" marB="0" anchor="b"/>
+                </a:tc>
+                <a:extLst>
+                  <a:ext uri="{0D108BD9-81ED-4DB2-BD59-A6C34878D82A}">
+                    <a16:rowId xmlns:a16="http://schemas.microsoft.com/office/drawing/2014/main" val="3091751673"/>
+                  </a:ext>
+                </a:extLst>
+              </a:tr>
+              <a:tr h="378170">
+                <a:tc>
+                  <a:txBody>
+                    <a:bodyPr/>
+                    <a:lstStyle/>
+                    <a:p>
+                      <a:pPr algn="l" fontAlgn="b"/>
+                      <a:r>
+                        <a:rPr lang="es-CL" sz="1100" u="none" strike="noStrike">
+                          <a:effectLst/>
+                        </a:rPr>
+                        <a:t>FLORIDA</a:t>
+                      </a:r>
+                      <a:endParaRPr lang="es-CL" sz="1100" b="0" i="0" u="none" strike="noStrike">
+                        <a:solidFill>
+                          <a:srgbClr val="000000"/>
+                        </a:solidFill>
+                        <a:effectLst/>
+                        <a:latin typeface="Aptos Narrow" panose="020B0004020202020204" pitchFamily="34" charset="0"/>
+                      </a:endParaRPr>
+                    </a:p>
+                  </a:txBody>
+                  <a:tcPr marL="9525" marR="9525" marT="9525" marB="0" anchor="b"/>
+                </a:tc>
+                <a:tc>
+                  <a:txBody>
+                    <a:bodyPr/>
+                    <a:lstStyle/>
+                    <a:p>
+                      <a:pPr algn="ctr" fontAlgn="b"/>
+                      <a:r>
+                        <a:rPr lang="es-CL" sz="1100" u="none" strike="noStrike">
+                          <a:effectLst/>
+                        </a:rPr>
+                        <a:t>2.743.764</a:t>
+                      </a:r>
+                      <a:endParaRPr lang="es-CL" sz="1100" b="0" i="0" u="none" strike="noStrike">
+                        <a:solidFill>
+                          <a:srgbClr val="000000"/>
+                        </a:solidFill>
+                        <a:effectLst/>
+                        <a:latin typeface="Aptos Narrow" panose="020B0004020202020204" pitchFamily="34" charset="0"/>
+                      </a:endParaRPr>
+                    </a:p>
+                  </a:txBody>
+                  <a:tcPr marL="9525" marR="9525" marT="9525" marB="0" anchor="b"/>
+                </a:tc>
+                <a:tc>
+                  <a:txBody>
+                    <a:bodyPr/>
+                    <a:lstStyle/>
+                    <a:p>
+                      <a:pPr algn="ctr" fontAlgn="b"/>
+                      <a:r>
+                        <a:rPr lang="es-CL" sz="1100" u="none" strike="noStrike" dirty="0">
+                          <a:effectLst/>
+                        </a:rPr>
+                        <a:t>12.406.244</a:t>
+                      </a:r>
+                      <a:endParaRPr lang="es-CL" sz="1100" b="0" i="0" u="none" strike="noStrike" dirty="0">
+                        <a:solidFill>
+                          <a:srgbClr val="000000"/>
+                        </a:solidFill>
+                        <a:effectLst/>
+                        <a:latin typeface="Aptos Narrow" panose="020B0004020202020204" pitchFamily="34" charset="0"/>
+                      </a:endParaRPr>
+                    </a:p>
+                  </a:txBody>
+                  <a:tcPr marL="9525" marR="9525" marT="9525" marB="0" anchor="b"/>
+                </a:tc>
+                <a:tc>
+                  <a:txBody>
+                    <a:bodyPr/>
+                    <a:lstStyle/>
+                    <a:p>
+                      <a:pPr algn="ctr" fontAlgn="b"/>
+                      <a:r>
+                        <a:rPr lang="es-CL" sz="1100" u="none" strike="noStrike" dirty="0">
+                          <a:effectLst/>
+                        </a:rPr>
+                        <a:t>1.000.000</a:t>
+                      </a:r>
+                      <a:endParaRPr lang="es-CL" sz="1100" b="0" i="0" u="none" strike="noStrike" dirty="0">
+                        <a:solidFill>
+                          <a:srgbClr val="000000"/>
+                        </a:solidFill>
+                        <a:effectLst/>
+                        <a:latin typeface="Aptos Narrow" panose="020B0004020202020204" pitchFamily="34" charset="0"/>
+                      </a:endParaRPr>
+                    </a:p>
+                  </a:txBody>
+                  <a:tcPr marL="9525" marR="9525" marT="9525" marB="0" anchor="b"/>
+                </a:tc>
+                <a:tc>
+                  <a:txBody>
+                    <a:bodyPr/>
+                    <a:lstStyle/>
+                    <a:p>
+                      <a:pPr algn="ctr" fontAlgn="b"/>
+                      <a:r>
+                        <a:rPr lang="es-CL" sz="1100" u="none" strike="noStrike" dirty="0">
+                          <a:effectLst/>
+                        </a:rPr>
+                        <a:t>0.000000</a:t>
+                      </a:r>
+                      <a:endParaRPr lang="es-CL" sz="1100" b="0" i="0" u="none" strike="noStrike" dirty="0">
+                        <a:solidFill>
+                          <a:srgbClr val="000000"/>
+                        </a:solidFill>
+                        <a:effectLst/>
+                        <a:latin typeface="Aptos Narrow" panose="020B0004020202020204" pitchFamily="34" charset="0"/>
+                      </a:endParaRPr>
+                    </a:p>
+                  </a:txBody>
+                  <a:tcPr marL="9525" marR="9525" marT="9525" marB="0" anchor="b"/>
+                </a:tc>
+                <a:tc>
+                  <a:txBody>
+                    <a:bodyPr/>
+                    <a:lstStyle/>
+                    <a:p>
+                      <a:pPr algn="ctr" fontAlgn="b"/>
+                      <a:r>
+                        <a:rPr lang="es-CL" sz="1100" u="none" strike="noStrike" dirty="0">
+                          <a:effectLst/>
+                        </a:rPr>
+                        <a:t>0.0</a:t>
+                      </a:r>
+                      <a:endParaRPr lang="es-CL" sz="1100" b="0" i="0" u="none" strike="noStrike" dirty="0">
+                        <a:solidFill>
+                          <a:srgbClr val="000000"/>
+                        </a:solidFill>
+                        <a:effectLst/>
+                        <a:latin typeface="Aptos Narrow" panose="020B0004020202020204" pitchFamily="34" charset="0"/>
+                      </a:endParaRPr>
+                    </a:p>
+                  </a:txBody>
+                  <a:tcPr marL="9525" marR="9525" marT="9525" marB="0" anchor="b"/>
+                </a:tc>
+                <a:tc>
+                  <a:txBody>
+                    <a:bodyPr/>
+                    <a:lstStyle/>
+                    <a:p>
+                      <a:pPr algn="ctr" fontAlgn="b"/>
+                      <a:r>
+                        <a:rPr lang="es-CL" sz="1100" u="none" strike="noStrike">
+                          <a:effectLst/>
+                        </a:rPr>
+                        <a:t>0.000000</a:t>
+                      </a:r>
+                      <a:endParaRPr lang="es-CL" sz="1100" b="0" i="0" u="none" strike="noStrike">
+                        <a:solidFill>
+                          <a:srgbClr val="000000"/>
+                        </a:solidFill>
+                        <a:effectLst/>
+                        <a:latin typeface="Aptos Narrow" panose="020B0004020202020204" pitchFamily="34" charset="0"/>
+                      </a:endParaRPr>
+                    </a:p>
+                  </a:txBody>
+                  <a:tcPr marL="9525" marR="9525" marT="9525" marB="0" anchor="b"/>
+                </a:tc>
+                <a:extLst>
+                  <a:ext uri="{0D108BD9-81ED-4DB2-BD59-A6C34878D82A}">
+                    <a16:rowId xmlns:a16="http://schemas.microsoft.com/office/drawing/2014/main" val="4197157950"/>
+                  </a:ext>
+                </a:extLst>
+              </a:tr>
+              <a:tr h="378170">
+                <a:tc>
+                  <a:txBody>
+                    <a:bodyPr/>
+                    <a:lstStyle/>
+                    <a:p>
+                      <a:pPr algn="l" fontAlgn="b"/>
+                      <a:r>
+                        <a:rPr lang="es-CL" sz="1100" u="none" strike="noStrike">
+                          <a:effectLst/>
+                        </a:rPr>
+                        <a:t>LOSALME</a:t>
+                      </a:r>
+                      <a:endParaRPr lang="es-CL" sz="1100" b="0" i="0" u="none" strike="noStrike">
+                        <a:solidFill>
+                          <a:srgbClr val="000000"/>
+                        </a:solidFill>
+                        <a:effectLst/>
+                        <a:latin typeface="Aptos Narrow" panose="020B0004020202020204" pitchFamily="34" charset="0"/>
+                      </a:endParaRPr>
+                    </a:p>
+                  </a:txBody>
+                  <a:tcPr marL="9525" marR="9525" marT="9525" marB="0" anchor="b"/>
+                </a:tc>
+                <a:tc>
+                  <a:txBody>
+                    <a:bodyPr/>
+                    <a:lstStyle/>
+                    <a:p>
+                      <a:pPr algn="ctr" fontAlgn="b"/>
+                      <a:r>
+                        <a:rPr lang="es-CL" sz="1100" u="none" strike="noStrike">
+                          <a:effectLst/>
+                        </a:rPr>
+                        <a:t>43.880.111</a:t>
+                      </a:r>
+                      <a:endParaRPr lang="es-CL" sz="1100" b="0" i="0" u="none" strike="noStrike">
+                        <a:solidFill>
+                          <a:srgbClr val="000000"/>
+                        </a:solidFill>
+                        <a:effectLst/>
+                        <a:latin typeface="Aptos Narrow" panose="020B0004020202020204" pitchFamily="34" charset="0"/>
+                      </a:endParaRPr>
+                    </a:p>
+                  </a:txBody>
+                  <a:tcPr marL="9525" marR="9525" marT="9525" marB="0" anchor="b"/>
+                </a:tc>
+                <a:tc>
+                  <a:txBody>
+                    <a:bodyPr/>
+                    <a:lstStyle/>
+                    <a:p>
+                      <a:pPr algn="ctr" fontAlgn="b"/>
+                      <a:r>
+                        <a:rPr lang="es-CL" sz="1100" u="none" strike="noStrike">
+                          <a:effectLst/>
+                        </a:rPr>
+                        <a:t>2.201.072.901</a:t>
+                      </a:r>
+                      <a:endParaRPr lang="es-CL" sz="1100" b="0" i="0" u="none" strike="noStrike">
+                        <a:solidFill>
+                          <a:srgbClr val="000000"/>
+                        </a:solidFill>
+                        <a:effectLst/>
+                        <a:latin typeface="Aptos Narrow" panose="020B0004020202020204" pitchFamily="34" charset="0"/>
+                      </a:endParaRPr>
+                    </a:p>
+                  </a:txBody>
+                  <a:tcPr marL="9525" marR="9525" marT="9525" marB="0" anchor="b"/>
+                </a:tc>
+                <a:tc>
+                  <a:txBody>
+                    <a:bodyPr/>
+                    <a:lstStyle/>
+                    <a:p>
+                      <a:pPr algn="ctr" fontAlgn="b"/>
+                      <a:r>
+                        <a:rPr lang="es-CL" sz="1100" u="none" strike="noStrike">
+                          <a:effectLst/>
+                        </a:rPr>
+                        <a:t>1.000.000</a:t>
+                      </a:r>
+                      <a:endParaRPr lang="es-CL" sz="1100" b="0" i="0" u="none" strike="noStrike">
+                        <a:solidFill>
+                          <a:srgbClr val="000000"/>
+                        </a:solidFill>
+                        <a:effectLst/>
+                        <a:latin typeface="Aptos Narrow" panose="020B0004020202020204" pitchFamily="34" charset="0"/>
+                      </a:endParaRPr>
+                    </a:p>
+                  </a:txBody>
+                  <a:tcPr marL="9525" marR="9525" marT="9525" marB="0" anchor="b"/>
+                </a:tc>
+                <a:tc>
+                  <a:txBody>
+                    <a:bodyPr/>
+                    <a:lstStyle/>
+                    <a:p>
+                      <a:pPr algn="ctr" fontAlgn="b"/>
+                      <a:r>
+                        <a:rPr lang="es-CL" sz="1100" u="none" strike="noStrike">
+                          <a:effectLst/>
+                        </a:rPr>
+                        <a:t>0.000000</a:t>
+                      </a:r>
+                      <a:endParaRPr lang="es-CL" sz="1100" b="0" i="0" u="none" strike="noStrike">
+                        <a:solidFill>
+                          <a:srgbClr val="000000"/>
+                        </a:solidFill>
+                        <a:effectLst/>
+                        <a:latin typeface="Aptos Narrow" panose="020B0004020202020204" pitchFamily="34" charset="0"/>
+                      </a:endParaRPr>
+                    </a:p>
+                  </a:txBody>
+                  <a:tcPr marL="9525" marR="9525" marT="9525" marB="0" anchor="b"/>
+                </a:tc>
+                <a:tc>
+                  <a:txBody>
+                    <a:bodyPr/>
+                    <a:lstStyle/>
+                    <a:p>
+                      <a:pPr algn="ctr" fontAlgn="b"/>
+                      <a:r>
+                        <a:rPr lang="es-CL" sz="1100" u="none" strike="noStrike" dirty="0">
+                          <a:effectLst/>
+                        </a:rPr>
+                        <a:t>0.0</a:t>
+                      </a:r>
+                      <a:endParaRPr lang="es-CL" sz="1100" b="0" i="0" u="none" strike="noStrike" dirty="0">
+                        <a:solidFill>
+                          <a:srgbClr val="000000"/>
+                        </a:solidFill>
+                        <a:effectLst/>
+                        <a:latin typeface="Aptos Narrow" panose="020B0004020202020204" pitchFamily="34" charset="0"/>
+                      </a:endParaRPr>
+                    </a:p>
+                  </a:txBody>
+                  <a:tcPr marL="9525" marR="9525" marT="9525" marB="0" anchor="b"/>
+                </a:tc>
+                <a:tc>
+                  <a:txBody>
+                    <a:bodyPr/>
+                    <a:lstStyle/>
+                    <a:p>
+                      <a:pPr algn="ctr" fontAlgn="b"/>
+                      <a:r>
+                        <a:rPr lang="es-CL" sz="1100" u="none" strike="noStrike" dirty="0">
+                          <a:effectLst/>
+                        </a:rPr>
+                        <a:t>0.000000</a:t>
+                      </a:r>
+                      <a:endParaRPr lang="es-CL" sz="1100" b="0" i="0" u="none" strike="noStrike" dirty="0">
+                        <a:solidFill>
+                          <a:srgbClr val="000000"/>
+                        </a:solidFill>
+                        <a:effectLst/>
+                        <a:latin typeface="Aptos Narrow" panose="020B0004020202020204" pitchFamily="34" charset="0"/>
+                      </a:endParaRPr>
+                    </a:p>
+                  </a:txBody>
+                  <a:tcPr marL="9525" marR="9525" marT="9525" marB="0" anchor="b"/>
+                </a:tc>
+                <a:extLst>
+                  <a:ext uri="{0D108BD9-81ED-4DB2-BD59-A6C34878D82A}">
+                    <a16:rowId xmlns:a16="http://schemas.microsoft.com/office/drawing/2014/main" val="702506769"/>
+                  </a:ext>
+                </a:extLst>
+              </a:tr>
+            </a:tbl>
+          </a:graphicData>
+        </a:graphic>
+      </p:graphicFrame>
+    </p:spTree>
+    <p:extLst>
+      <p:ext uri="{BB962C8B-B14F-4D97-AF65-F5344CB8AC3E}">
+        <p14:creationId xmlns:p14="http://schemas.microsoft.com/office/powerpoint/2010/main" val="1615555601"/>
+      </p:ext>
+    </p:extLst>
+  </p:cSld>
+  <p:clrMapOvr>
+    <a:masterClrMapping/>
+  </p:clrMapOvr>
+</p:sld>
+</file>
+
+<file path=ppt/slides/slide6.xml><?xml version="1.0" encoding="utf-8"?>
+<p:sld xmlns:a="http://schemas.openxmlformats.org/drawingml/2006/main" xmlns:r="http://schemas.openxmlformats.org/officeDocument/2006/relationships" xmlns:p="http://schemas.openxmlformats.org/presentationml/2006/main">
+  <p:cSld>
+    <p:spTree>
+      <p:nvGrpSpPr>
+        <p:cNvPr id="1" name=""/>
+        <p:cNvGrpSpPr/>
+        <p:nvPr/>
+      </p:nvGrpSpPr>
+      <p:grpSpPr>
+        <a:xfrm>
+          <a:off x="0" y="0"/>
+          <a:ext cx="0" cy="0"/>
+          <a:chOff x="0" y="0"/>
+          <a:chExt cx="0" cy="0"/>
+        </a:xfrm>
+      </p:grpSpPr>
+      <p:sp>
+        <p:nvSpPr>
+          <p:cNvPr id="2" name="Title 1">
+            <a:extLst>
+              <a:ext uri="{FF2B5EF4-FFF2-40B4-BE49-F238E27FC236}">
+                <a16:creationId xmlns:a16="http://schemas.microsoft.com/office/drawing/2014/main" id="{A6281C24-9CA8-0987-4AE1-0F4DDD6A73AE}"/>
+              </a:ext>
+            </a:extLst>
+          </p:cNvPr>
+          <p:cNvSpPr>
+            <a:spLocks noGrp="1"/>
+          </p:cNvSpPr>
+          <p:nvPr>
+            <p:ph type="title"/>
+          </p:nvPr>
+        </p:nvSpPr>
+        <p:spPr/>
+        <p:txBody>
+          <a:bodyPr>
+            <a:normAutofit fontScale="90000"/>
+          </a:bodyPr>
+          <a:lstStyle/>
+          <a:p>
+            <a:r>
+              <a:rPr lang="es-ES" dirty="0"/>
+              <a:t>Experimentos</a:t>
+            </a:r>
+            <a:endParaRPr lang="es-CL" dirty="0"/>
+          </a:p>
+        </p:txBody>
+      </p:sp>
+      <p:graphicFrame>
+        <p:nvGraphicFramePr>
+          <p:cNvPr id="5" name="Content Placeholder 4">
+            <a:extLst>
+              <a:ext uri="{FF2B5EF4-FFF2-40B4-BE49-F238E27FC236}">
+                <a16:creationId xmlns:a16="http://schemas.microsoft.com/office/drawing/2014/main" id="{B9FC6AA8-A8F1-2EEB-A888-05926B5AAE6D}"/>
+              </a:ext>
+            </a:extLst>
+          </p:cNvPr>
+          <p:cNvGraphicFramePr>
+            <a:graphicFrameLocks noGrp="1"/>
+          </p:cNvGraphicFramePr>
+          <p:nvPr>
+            <p:ph idx="1"/>
+            <p:extLst>
+              <p:ext uri="{D42A27DB-BD31-4B8C-83A1-F6EECF244321}">
+                <p14:modId xmlns:p14="http://schemas.microsoft.com/office/powerpoint/2010/main" val="980333729"/>
+              </p:ext>
+            </p:extLst>
+          </p:nvPr>
+        </p:nvGraphicFramePr>
+        <p:xfrm>
+          <a:off x="1158844" y="1539090"/>
+          <a:ext cx="9198322" cy="4065005"/>
+        </p:xfrm>
+        <a:graphic>
+          <a:graphicData uri="http://schemas.openxmlformats.org/drawingml/2006/table">
+            <a:tbl>
+              <a:tblPr/>
+              <a:tblGrid>
+                <a:gridCol w="1103799">
+                  <a:extLst>
+                    <a:ext uri="{9D8B030D-6E8A-4147-A177-3AD203B41FA5}">
+                      <a16:colId xmlns:a16="http://schemas.microsoft.com/office/drawing/2014/main" val="2956199454"/>
+                    </a:ext>
+                  </a:extLst>
+                </a:gridCol>
+                <a:gridCol w="1793672">
+                  <a:extLst>
+                    <a:ext uri="{9D8B030D-6E8A-4147-A177-3AD203B41FA5}">
+                      <a16:colId xmlns:a16="http://schemas.microsoft.com/office/drawing/2014/main" val="1900612379"/>
+                    </a:ext>
+                  </a:extLst>
+                </a:gridCol>
+                <a:gridCol w="1885655">
+                  <a:extLst>
+                    <a:ext uri="{9D8B030D-6E8A-4147-A177-3AD203B41FA5}">
+                      <a16:colId xmlns:a16="http://schemas.microsoft.com/office/drawing/2014/main" val="674983285"/>
+                    </a:ext>
+                  </a:extLst>
+                </a:gridCol>
+                <a:gridCol w="1103799">
+                  <a:extLst>
+                    <a:ext uri="{9D8B030D-6E8A-4147-A177-3AD203B41FA5}">
+                      <a16:colId xmlns:a16="http://schemas.microsoft.com/office/drawing/2014/main" val="4249347971"/>
+                    </a:ext>
+                  </a:extLst>
+                </a:gridCol>
+                <a:gridCol w="1103799">
+                  <a:extLst>
+                    <a:ext uri="{9D8B030D-6E8A-4147-A177-3AD203B41FA5}">
+                      <a16:colId xmlns:a16="http://schemas.microsoft.com/office/drawing/2014/main" val="3684669489"/>
+                    </a:ext>
+                  </a:extLst>
+                </a:gridCol>
+                <a:gridCol w="1103799">
+                  <a:extLst>
+                    <a:ext uri="{9D8B030D-6E8A-4147-A177-3AD203B41FA5}">
+                      <a16:colId xmlns:a16="http://schemas.microsoft.com/office/drawing/2014/main" val="2458286198"/>
+                    </a:ext>
+                  </a:extLst>
+                </a:gridCol>
+                <a:gridCol w="1103799">
+                  <a:extLst>
+                    <a:ext uri="{9D8B030D-6E8A-4147-A177-3AD203B41FA5}">
+                      <a16:colId xmlns:a16="http://schemas.microsoft.com/office/drawing/2014/main" val="518177452"/>
+                    </a:ext>
+                  </a:extLst>
+                </a:gridCol>
+              </a:tblGrid>
+              <a:tr h="835149">
+                <a:tc>
+                  <a:txBody>
+                    <a:bodyPr/>
+                    <a:lstStyle/>
+                    <a:p>
+                      <a:pPr algn="l" fontAlgn="b"/>
+                      <a:r>
+                        <a:rPr lang="es-CL" sz="1100" b="0" i="0" u="none" strike="noStrike">
+                          <a:solidFill>
+                            <a:srgbClr val="000000"/>
+                          </a:solidFill>
+                          <a:effectLst/>
+                          <a:latin typeface="Aptos Narrow" panose="020B0004020202020204" pitchFamily="34" charset="0"/>
+                        </a:rPr>
+                        <a:t>Substation</a:t>
+                      </a:r>
+                    </a:p>
+                  </a:txBody>
+                  <a:tcPr marL="9525" marR="9525" marT="9525" marB="0" anchor="b">
+                    <a:lnL w="6350" cap="flat" cmpd="sng" algn="ctr">
+                      <a:solidFill>
+                        <a:srgbClr val="000000"/>
+                      </a:solidFill>
+                      <a:prstDash val="solid"/>
+                      <a:round/>
+                      <a:headEnd type="none" w="med" len="med"/>
+                      <a:tailEnd type="none" w="med" len="med"/>
+                    </a:lnL>
+                    <a:lnR w="6350" cap="flat" cmpd="sng" algn="ctr">
+                      <a:solidFill>
+                        <a:srgbClr val="000000"/>
+                      </a:solidFill>
+                      <a:prstDash val="solid"/>
+                      <a:round/>
+                      <a:headEnd type="none" w="med" len="med"/>
+                      <a:tailEnd type="none" w="med" len="med"/>
+                    </a:lnR>
+                    <a:lnT w="6350" cap="flat" cmpd="sng" algn="ctr">
+                      <a:solidFill>
+                        <a:srgbClr val="000000"/>
+                      </a:solidFill>
+                      <a:prstDash val="solid"/>
+                      <a:round/>
+                      <a:headEnd type="none" w="med" len="med"/>
+                      <a:tailEnd type="none" w="med" len="med"/>
+                    </a:lnT>
+                    <a:lnB w="6350" cap="flat" cmpd="sng" algn="ctr">
+                      <a:solidFill>
+                        <a:srgbClr val="000000"/>
+                      </a:solidFill>
+                      <a:prstDash val="solid"/>
+                      <a:round/>
+                      <a:headEnd type="none" w="med" len="med"/>
+                      <a:tailEnd type="none" w="med" len="med"/>
+                    </a:lnB>
+                    <a:noFill/>
+                  </a:tcPr>
+                </a:tc>
+                <a:tc>
+                  <a:txBody>
+                    <a:bodyPr/>
+                    <a:lstStyle/>
+                    <a:p>
+                      <a:pPr algn="l" fontAlgn="b"/>
+                      <a:r>
+                        <a:rPr lang="es-CL" sz="1100" b="0" i="0" u="none" strike="noStrike" dirty="0">
+                          <a:solidFill>
+                            <a:srgbClr val="000000"/>
+                          </a:solidFill>
+                          <a:effectLst/>
+                          <a:latin typeface="Aptos Narrow" panose="020B0004020202020204" pitchFamily="34" charset="0"/>
+                        </a:rPr>
+                        <a:t>MAE</a:t>
+                      </a:r>
+                    </a:p>
+                  </a:txBody>
+                  <a:tcPr marL="9525" marR="9525" marT="9525" marB="0" anchor="b">
+                    <a:lnL w="6350" cap="flat" cmpd="sng" algn="ctr">
+                      <a:solidFill>
+                        <a:srgbClr val="000000"/>
+                      </a:solidFill>
+                      <a:prstDash val="solid"/>
+                      <a:round/>
+                      <a:headEnd type="none" w="med" len="med"/>
+                      <a:tailEnd type="none" w="med" len="med"/>
+                    </a:lnL>
+                    <a:lnR w="6350" cap="flat" cmpd="sng" algn="ctr">
+                      <a:solidFill>
+                        <a:srgbClr val="000000"/>
+                      </a:solidFill>
+                      <a:prstDash val="solid"/>
+                      <a:round/>
+                      <a:headEnd type="none" w="med" len="med"/>
+                      <a:tailEnd type="none" w="med" len="med"/>
+                    </a:lnR>
+                    <a:lnT w="6350" cap="flat" cmpd="sng" algn="ctr">
+                      <a:solidFill>
+                        <a:srgbClr val="000000"/>
+                      </a:solidFill>
+                      <a:prstDash val="solid"/>
+                      <a:round/>
+                      <a:headEnd type="none" w="med" len="med"/>
+                      <a:tailEnd type="none" w="med" len="med"/>
+                    </a:lnT>
+                    <a:lnB w="6350" cap="flat" cmpd="sng" algn="ctr">
+                      <a:solidFill>
+                        <a:srgbClr val="000000"/>
+                      </a:solidFill>
+                      <a:prstDash val="solid"/>
+                      <a:round/>
+                      <a:headEnd type="none" w="med" len="med"/>
+                      <a:tailEnd type="none" w="med" len="med"/>
+                    </a:lnB>
+                    <a:noFill/>
+                  </a:tcPr>
+                </a:tc>
+                <a:tc>
+                  <a:txBody>
+                    <a:bodyPr/>
+                    <a:lstStyle/>
+                    <a:p>
+                      <a:pPr algn="l" fontAlgn="b"/>
+                      <a:r>
+                        <a:rPr lang="es-CL" sz="1100" b="0" i="0" u="none" strike="noStrike">
+                          <a:solidFill>
+                            <a:srgbClr val="000000"/>
+                          </a:solidFill>
+                          <a:effectLst/>
+                          <a:latin typeface="Aptos Narrow" panose="020B0004020202020204" pitchFamily="34" charset="0"/>
+                        </a:rPr>
+                        <a:t>MSE</a:t>
+                      </a:r>
+                    </a:p>
+                  </a:txBody>
+                  <a:tcPr marL="9525" marR="9525" marT="9525" marB="0" anchor="b">
+                    <a:lnL w="6350" cap="flat" cmpd="sng" algn="ctr">
+                      <a:solidFill>
+                        <a:srgbClr val="000000"/>
+                      </a:solidFill>
+                      <a:prstDash val="solid"/>
+                      <a:round/>
+                      <a:headEnd type="none" w="med" len="med"/>
+                      <a:tailEnd type="none" w="med" len="med"/>
+                    </a:lnL>
+                    <a:lnR w="6350" cap="flat" cmpd="sng" algn="ctr">
+                      <a:solidFill>
+                        <a:srgbClr val="000000"/>
+                      </a:solidFill>
+                      <a:prstDash val="solid"/>
+                      <a:round/>
+                      <a:headEnd type="none" w="med" len="med"/>
+                      <a:tailEnd type="none" w="med" len="med"/>
+                    </a:lnR>
+                    <a:lnT w="6350" cap="flat" cmpd="sng" algn="ctr">
+                      <a:solidFill>
+                        <a:srgbClr val="000000"/>
+                      </a:solidFill>
+                      <a:prstDash val="solid"/>
+                      <a:round/>
+                      <a:headEnd type="none" w="med" len="med"/>
+                      <a:tailEnd type="none" w="med" len="med"/>
+                    </a:lnT>
+                    <a:lnB w="6350" cap="flat" cmpd="sng" algn="ctr">
+                      <a:solidFill>
+                        <a:srgbClr val="000000"/>
+                      </a:solidFill>
+                      <a:prstDash val="solid"/>
+                      <a:round/>
+                      <a:headEnd type="none" w="med" len="med"/>
+                      <a:tailEnd type="none" w="med" len="med"/>
+                    </a:lnB>
+                    <a:noFill/>
+                  </a:tcPr>
+                </a:tc>
+                <a:tc>
+                  <a:txBody>
+                    <a:bodyPr/>
+                    <a:lstStyle/>
+                    <a:p>
+                      <a:pPr algn="l" fontAlgn="b"/>
+                      <a:r>
+                        <a:rPr lang="es-CL" sz="1100" b="0" i="0" u="none" strike="noStrike">
+                          <a:solidFill>
+                            <a:srgbClr val="000000"/>
+                          </a:solidFill>
+                          <a:effectLst/>
+                          <a:latin typeface="Aptos Narrow" panose="020B0004020202020204" pitchFamily="34" charset="0"/>
+                        </a:rPr>
+                        <a:t>Accuracy</a:t>
+                      </a:r>
+                    </a:p>
+                  </a:txBody>
+                  <a:tcPr marL="9525" marR="9525" marT="9525" marB="0" anchor="b">
+                    <a:lnL w="6350" cap="flat" cmpd="sng" algn="ctr">
+                      <a:solidFill>
+                        <a:srgbClr val="000000"/>
+                      </a:solidFill>
+                      <a:prstDash val="solid"/>
+                      <a:round/>
+                      <a:headEnd type="none" w="med" len="med"/>
+                      <a:tailEnd type="none" w="med" len="med"/>
+                    </a:lnL>
+                    <a:lnR w="6350" cap="flat" cmpd="sng" algn="ctr">
+                      <a:solidFill>
+                        <a:srgbClr val="000000"/>
+                      </a:solidFill>
+                      <a:prstDash val="solid"/>
+                      <a:round/>
+                      <a:headEnd type="none" w="med" len="med"/>
+                      <a:tailEnd type="none" w="med" len="med"/>
+                    </a:lnR>
+                    <a:lnT w="6350" cap="flat" cmpd="sng" algn="ctr">
+                      <a:solidFill>
+                        <a:srgbClr val="000000"/>
+                      </a:solidFill>
+                      <a:prstDash val="solid"/>
+                      <a:round/>
+                      <a:headEnd type="none" w="med" len="med"/>
+                      <a:tailEnd type="none" w="med" len="med"/>
+                    </a:lnT>
+                    <a:lnB w="6350" cap="flat" cmpd="sng" algn="ctr">
+                      <a:solidFill>
+                        <a:srgbClr val="000000"/>
+                      </a:solidFill>
+                      <a:prstDash val="solid"/>
+                      <a:round/>
+                      <a:headEnd type="none" w="med" len="med"/>
+                      <a:tailEnd type="none" w="med" len="med"/>
+                    </a:lnB>
+                    <a:noFill/>
+                  </a:tcPr>
+                </a:tc>
+                <a:tc>
+                  <a:txBody>
+                    <a:bodyPr/>
+                    <a:lstStyle/>
+                    <a:p>
+                      <a:pPr algn="l" fontAlgn="b"/>
+                      <a:r>
+                        <a:rPr lang="es-CL" sz="1100" b="0" i="0" u="none" strike="noStrike">
+                          <a:solidFill>
+                            <a:srgbClr val="000000"/>
+                          </a:solidFill>
+                          <a:effectLst/>
+                          <a:latin typeface="Aptos Narrow" panose="020B0004020202020204" pitchFamily="34" charset="0"/>
+                        </a:rPr>
+                        <a:t>Precision</a:t>
+                      </a:r>
+                    </a:p>
+                  </a:txBody>
+                  <a:tcPr marL="9525" marR="9525" marT="9525" marB="0" anchor="b">
+                    <a:lnL w="6350" cap="flat" cmpd="sng" algn="ctr">
+                      <a:solidFill>
+                        <a:srgbClr val="000000"/>
+                      </a:solidFill>
+                      <a:prstDash val="solid"/>
+                      <a:round/>
+                      <a:headEnd type="none" w="med" len="med"/>
+                      <a:tailEnd type="none" w="med" len="med"/>
+                    </a:lnL>
+                    <a:lnR w="6350" cap="flat" cmpd="sng" algn="ctr">
+                      <a:solidFill>
+                        <a:srgbClr val="000000"/>
+                      </a:solidFill>
+                      <a:prstDash val="solid"/>
+                      <a:round/>
+                      <a:headEnd type="none" w="med" len="med"/>
+                      <a:tailEnd type="none" w="med" len="med"/>
+                    </a:lnR>
+                    <a:lnT w="6350" cap="flat" cmpd="sng" algn="ctr">
+                      <a:solidFill>
+                        <a:srgbClr val="000000"/>
+                      </a:solidFill>
+                      <a:prstDash val="solid"/>
+                      <a:round/>
+                      <a:headEnd type="none" w="med" len="med"/>
+                      <a:tailEnd type="none" w="med" len="med"/>
+                    </a:lnT>
+                    <a:lnB w="6350" cap="flat" cmpd="sng" algn="ctr">
+                      <a:solidFill>
+                        <a:srgbClr val="000000"/>
+                      </a:solidFill>
+                      <a:prstDash val="solid"/>
+                      <a:round/>
+                      <a:headEnd type="none" w="med" len="med"/>
+                      <a:tailEnd type="none" w="med" len="med"/>
+                    </a:lnB>
+                    <a:noFill/>
+                  </a:tcPr>
+                </a:tc>
+                <a:tc>
+                  <a:txBody>
+                    <a:bodyPr/>
+                    <a:lstStyle/>
+                    <a:p>
+                      <a:pPr algn="l" fontAlgn="b"/>
+                      <a:r>
+                        <a:rPr lang="es-CL" sz="1100" b="0" i="0" u="none" strike="noStrike">
+                          <a:solidFill>
+                            <a:srgbClr val="000000"/>
+                          </a:solidFill>
+                          <a:effectLst/>
+                          <a:latin typeface="Aptos Narrow" panose="020B0004020202020204" pitchFamily="34" charset="0"/>
+                        </a:rPr>
+                        <a:t>Recall</a:t>
+                      </a:r>
+                    </a:p>
+                  </a:txBody>
+                  <a:tcPr marL="9525" marR="9525" marT="9525" marB="0" anchor="b">
+                    <a:lnL w="6350" cap="flat" cmpd="sng" algn="ctr">
+                      <a:solidFill>
+                        <a:srgbClr val="000000"/>
+                      </a:solidFill>
+                      <a:prstDash val="solid"/>
+                      <a:round/>
+                      <a:headEnd type="none" w="med" len="med"/>
+                      <a:tailEnd type="none" w="med" len="med"/>
+                    </a:lnL>
+                    <a:lnR w="6350" cap="flat" cmpd="sng" algn="ctr">
+                      <a:solidFill>
+                        <a:srgbClr val="000000"/>
+                      </a:solidFill>
+                      <a:prstDash val="solid"/>
+                      <a:round/>
+                      <a:headEnd type="none" w="med" len="med"/>
+                      <a:tailEnd type="none" w="med" len="med"/>
+                    </a:lnR>
+                    <a:lnT w="6350" cap="flat" cmpd="sng" algn="ctr">
+                      <a:solidFill>
+                        <a:srgbClr val="000000"/>
+                      </a:solidFill>
+                      <a:prstDash val="solid"/>
+                      <a:round/>
+                      <a:headEnd type="none" w="med" len="med"/>
+                      <a:tailEnd type="none" w="med" len="med"/>
+                    </a:lnT>
+                    <a:lnB w="6350" cap="flat" cmpd="sng" algn="ctr">
+                      <a:solidFill>
+                        <a:srgbClr val="000000"/>
+                      </a:solidFill>
+                      <a:prstDash val="solid"/>
+                      <a:round/>
+                      <a:headEnd type="none" w="med" len="med"/>
+                      <a:tailEnd type="none" w="med" len="med"/>
+                    </a:lnB>
+                    <a:noFill/>
+                  </a:tcPr>
+                </a:tc>
+                <a:tc>
+                  <a:txBody>
+                    <a:bodyPr/>
+                    <a:lstStyle/>
+                    <a:p>
+                      <a:pPr algn="l" fontAlgn="b"/>
+                      <a:r>
+                        <a:rPr lang="es-CL" sz="1100" b="0" i="0" u="none" strike="noStrike">
+                          <a:solidFill>
+                            <a:srgbClr val="000000"/>
+                          </a:solidFill>
+                          <a:effectLst/>
+                          <a:latin typeface="Aptos Narrow" panose="020B0004020202020204" pitchFamily="34" charset="0"/>
+                        </a:rPr>
+                        <a:t>F1-Score</a:t>
+                      </a:r>
+                    </a:p>
+                  </a:txBody>
+                  <a:tcPr marL="9525" marR="9525" marT="9525" marB="0" anchor="b">
+                    <a:lnL w="6350" cap="flat" cmpd="sng" algn="ctr">
+                      <a:solidFill>
+                        <a:srgbClr val="000000"/>
+                      </a:solidFill>
+                      <a:prstDash val="solid"/>
+                      <a:round/>
+                      <a:headEnd type="none" w="med" len="med"/>
+                      <a:tailEnd type="none" w="med" len="med"/>
+                    </a:lnL>
+                    <a:lnR w="6350" cap="flat" cmpd="sng" algn="ctr">
+                      <a:solidFill>
+                        <a:srgbClr val="000000"/>
+                      </a:solidFill>
+                      <a:prstDash val="solid"/>
+                      <a:round/>
+                      <a:headEnd type="none" w="med" len="med"/>
+                      <a:tailEnd type="none" w="med" len="med"/>
+                    </a:lnR>
+                    <a:lnT w="6350" cap="flat" cmpd="sng" algn="ctr">
+                      <a:solidFill>
+                        <a:srgbClr val="000000"/>
+                      </a:solidFill>
+                      <a:prstDash val="solid"/>
+                      <a:round/>
+                      <a:headEnd type="none" w="med" len="med"/>
+                      <a:tailEnd type="none" w="med" len="med"/>
+                    </a:lnT>
+                    <a:lnB w="6350" cap="flat" cmpd="sng" algn="ctr">
+                      <a:solidFill>
+                        <a:srgbClr val="000000"/>
+                      </a:solidFill>
+                      <a:prstDash val="solid"/>
+                      <a:round/>
+                      <a:headEnd type="none" w="med" len="med"/>
+                      <a:tailEnd type="none" w="med" len="med"/>
+                    </a:lnB>
+                    <a:noFill/>
+                  </a:tcPr>
+                </a:tc>
+                <a:extLst>
+                  <a:ext uri="{0D108BD9-81ED-4DB2-BD59-A6C34878D82A}">
+                    <a16:rowId xmlns:a16="http://schemas.microsoft.com/office/drawing/2014/main" val="1876953417"/>
+                  </a:ext>
+                </a:extLst>
+              </a:tr>
+              <a:tr h="461408">
+                <a:tc>
+                  <a:txBody>
+                    <a:bodyPr/>
+                    <a:lstStyle/>
+                    <a:p>
+                      <a:pPr algn="l" fontAlgn="b"/>
+                      <a:r>
+                        <a:rPr lang="es-CL" sz="1100" b="0" i="0" u="none" strike="noStrike">
+                          <a:solidFill>
+                            <a:srgbClr val="000000"/>
+                          </a:solidFill>
+                          <a:effectLst/>
+                          <a:latin typeface="Aptos Narrow" panose="020B0004020202020204" pitchFamily="34" charset="0"/>
+                        </a:rPr>
+                        <a:t>AJAHUEL</a:t>
+                      </a:r>
+                    </a:p>
+                  </a:txBody>
+                  <a:tcPr marL="9525" marR="9525" marT="9525" marB="0" anchor="b">
+                    <a:lnL w="6350" cap="flat" cmpd="sng" algn="ctr">
+                      <a:solidFill>
+                        <a:srgbClr val="000000"/>
+                      </a:solidFill>
+                      <a:prstDash val="solid"/>
+                      <a:round/>
+                      <a:headEnd type="none" w="med" len="med"/>
+                      <a:tailEnd type="none" w="med" len="med"/>
+                    </a:lnL>
+                    <a:lnR w="6350" cap="flat" cmpd="sng" algn="ctr">
+                      <a:solidFill>
+                        <a:srgbClr val="000000"/>
+                      </a:solidFill>
+                      <a:prstDash val="solid"/>
+                      <a:round/>
+                      <a:headEnd type="none" w="med" len="med"/>
+                      <a:tailEnd type="none" w="med" len="med"/>
+                    </a:lnR>
+                    <a:lnT w="6350" cap="flat" cmpd="sng" algn="ctr">
+                      <a:solidFill>
+                        <a:srgbClr val="000000"/>
+                      </a:solidFill>
+                      <a:prstDash val="solid"/>
+                      <a:round/>
+                      <a:headEnd type="none" w="med" len="med"/>
+                      <a:tailEnd type="none" w="med" len="med"/>
+                    </a:lnT>
+                    <a:lnB w="6350" cap="flat" cmpd="sng" algn="ctr">
+                      <a:solidFill>
+                        <a:srgbClr val="000000"/>
+                      </a:solidFill>
+                      <a:prstDash val="solid"/>
+                      <a:round/>
+                      <a:headEnd type="none" w="med" len="med"/>
+                      <a:tailEnd type="none" w="med" len="med"/>
+                    </a:lnB>
+                    <a:noFill/>
+                  </a:tcPr>
+                </a:tc>
+                <a:tc>
+                  <a:txBody>
+                    <a:bodyPr/>
+                    <a:lstStyle/>
+                    <a:p>
+                      <a:pPr algn="ctr" fontAlgn="b"/>
+                      <a:r>
+                        <a:rPr lang="es-CL" sz="1100" b="0" i="0" u="none" strike="noStrike" dirty="0">
+                          <a:solidFill>
+                            <a:srgbClr val="000000"/>
+                          </a:solidFill>
+                          <a:effectLst/>
+                          <a:latin typeface="Aptos Narrow" panose="020B0004020202020204" pitchFamily="34" charset="0"/>
+                        </a:rPr>
+                        <a:t>30.900.974</a:t>
+                      </a:r>
+                    </a:p>
+                  </a:txBody>
+                  <a:tcPr marL="9525" marR="9525" marT="9525" marB="0" anchor="b">
+                    <a:lnL w="6350" cap="flat" cmpd="sng" algn="ctr">
+                      <a:solidFill>
+                        <a:srgbClr val="000000"/>
+                      </a:solidFill>
+                      <a:prstDash val="solid"/>
+                      <a:round/>
+                      <a:headEnd type="none" w="med" len="med"/>
+                      <a:tailEnd type="none" w="med" len="med"/>
+                    </a:lnL>
+                    <a:lnR w="6350" cap="flat" cmpd="sng" algn="ctr">
+                      <a:solidFill>
+                        <a:srgbClr val="000000"/>
+                      </a:solidFill>
+                      <a:prstDash val="solid"/>
+                      <a:round/>
+                      <a:headEnd type="none" w="med" len="med"/>
+                      <a:tailEnd type="none" w="med" len="med"/>
+                    </a:lnR>
+                    <a:lnT w="6350" cap="flat" cmpd="sng" algn="ctr">
+                      <a:solidFill>
+                        <a:srgbClr val="000000"/>
+                      </a:solidFill>
+                      <a:prstDash val="solid"/>
+                      <a:round/>
+                      <a:headEnd type="none" w="med" len="med"/>
+                      <a:tailEnd type="none" w="med" len="med"/>
+                    </a:lnT>
+                    <a:lnB w="6350" cap="flat" cmpd="sng" algn="ctr">
+                      <a:solidFill>
+                        <a:srgbClr val="000000"/>
+                      </a:solidFill>
+                      <a:prstDash val="solid"/>
+                      <a:round/>
+                      <a:headEnd type="none" w="med" len="med"/>
+                      <a:tailEnd type="none" w="med" len="med"/>
+                    </a:lnB>
+                    <a:noFill/>
+                  </a:tcPr>
+                </a:tc>
+                <a:tc>
+                  <a:txBody>
+                    <a:bodyPr/>
+                    <a:lstStyle/>
+                    <a:p>
+                      <a:pPr algn="ctr" fontAlgn="b"/>
+                      <a:r>
+                        <a:rPr lang="es-CL" sz="1100" b="0" i="0" u="none" strike="noStrike">
+                          <a:solidFill>
+                            <a:srgbClr val="000000"/>
+                          </a:solidFill>
+                          <a:effectLst/>
+                          <a:latin typeface="Aptos Narrow" panose="020B0004020202020204" pitchFamily="34" charset="0"/>
+                        </a:rPr>
+                        <a:t>1.667.744.707</a:t>
+                      </a:r>
+                    </a:p>
+                  </a:txBody>
+                  <a:tcPr marL="9525" marR="9525" marT="9525" marB="0" anchor="b">
+                    <a:lnL w="6350" cap="flat" cmpd="sng" algn="ctr">
+                      <a:solidFill>
+                        <a:srgbClr val="000000"/>
+                      </a:solidFill>
+                      <a:prstDash val="solid"/>
+                      <a:round/>
+                      <a:headEnd type="none" w="med" len="med"/>
+                      <a:tailEnd type="none" w="med" len="med"/>
+                    </a:lnL>
+                    <a:lnR w="6350" cap="flat" cmpd="sng" algn="ctr">
+                      <a:solidFill>
+                        <a:srgbClr val="000000"/>
+                      </a:solidFill>
+                      <a:prstDash val="solid"/>
+                      <a:round/>
+                      <a:headEnd type="none" w="med" len="med"/>
+                      <a:tailEnd type="none" w="med" len="med"/>
+                    </a:lnR>
+                    <a:lnT w="6350" cap="flat" cmpd="sng" algn="ctr">
+                      <a:solidFill>
+                        <a:srgbClr val="000000"/>
+                      </a:solidFill>
+                      <a:prstDash val="solid"/>
+                      <a:round/>
+                      <a:headEnd type="none" w="med" len="med"/>
+                      <a:tailEnd type="none" w="med" len="med"/>
+                    </a:lnT>
+                    <a:lnB w="6350" cap="flat" cmpd="sng" algn="ctr">
+                      <a:solidFill>
+                        <a:srgbClr val="000000"/>
+                      </a:solidFill>
+                      <a:prstDash val="solid"/>
+                      <a:round/>
+                      <a:headEnd type="none" w="med" len="med"/>
+                      <a:tailEnd type="none" w="med" len="med"/>
+                    </a:lnB>
+                    <a:noFill/>
+                  </a:tcPr>
+                </a:tc>
+                <a:tc>
+                  <a:txBody>
+                    <a:bodyPr/>
+                    <a:lstStyle/>
+                    <a:p>
+                      <a:pPr algn="ctr" fontAlgn="b"/>
+                      <a:r>
+                        <a:rPr lang="es-CL" sz="1100" b="0" i="0" u="none" strike="noStrike">
+                          <a:solidFill>
+                            <a:srgbClr val="000000"/>
+                          </a:solidFill>
+                          <a:effectLst/>
+                          <a:latin typeface="Aptos Narrow" panose="020B0004020202020204" pitchFamily="34" charset="0"/>
+                        </a:rPr>
+                        <a:t>0.750000</a:t>
+                      </a:r>
+                    </a:p>
+                  </a:txBody>
+                  <a:tcPr marL="9525" marR="9525" marT="9525" marB="0" anchor="b">
+                    <a:lnL w="6350" cap="flat" cmpd="sng" algn="ctr">
+                      <a:solidFill>
+                        <a:srgbClr val="000000"/>
+                      </a:solidFill>
+                      <a:prstDash val="solid"/>
+                      <a:round/>
+                      <a:headEnd type="none" w="med" len="med"/>
+                      <a:tailEnd type="none" w="med" len="med"/>
+                    </a:lnL>
+                    <a:lnR w="6350" cap="flat" cmpd="sng" algn="ctr">
+                      <a:solidFill>
+                        <a:srgbClr val="000000"/>
+                      </a:solidFill>
+                      <a:prstDash val="solid"/>
+                      <a:round/>
+                      <a:headEnd type="none" w="med" len="med"/>
+                      <a:tailEnd type="none" w="med" len="med"/>
+                    </a:lnR>
+                    <a:lnT w="6350" cap="flat" cmpd="sng" algn="ctr">
+                      <a:solidFill>
+                        <a:srgbClr val="000000"/>
+                      </a:solidFill>
+                      <a:prstDash val="solid"/>
+                      <a:round/>
+                      <a:headEnd type="none" w="med" len="med"/>
+                      <a:tailEnd type="none" w="med" len="med"/>
+                    </a:lnT>
+                    <a:lnB w="6350" cap="flat" cmpd="sng" algn="ctr">
+                      <a:solidFill>
+                        <a:srgbClr val="000000"/>
+                      </a:solidFill>
+                      <a:prstDash val="solid"/>
+                      <a:round/>
+                      <a:headEnd type="none" w="med" len="med"/>
+                      <a:tailEnd type="none" w="med" len="med"/>
+                    </a:lnB>
+                    <a:noFill/>
+                  </a:tcPr>
+                </a:tc>
+                <a:tc>
+                  <a:txBody>
+                    <a:bodyPr/>
+                    <a:lstStyle/>
+                    <a:p>
+                      <a:pPr algn="ctr" fontAlgn="b"/>
+                      <a:r>
+                        <a:rPr lang="es-CL" sz="1100" b="0" i="0" u="none" strike="noStrike">
+                          <a:solidFill>
+                            <a:srgbClr val="000000"/>
+                          </a:solidFill>
+                          <a:effectLst/>
+                          <a:latin typeface="Aptos Narrow" panose="020B0004020202020204" pitchFamily="34" charset="0"/>
+                        </a:rPr>
+                        <a:t>0.000000</a:t>
+                      </a:r>
+                    </a:p>
+                  </a:txBody>
+                  <a:tcPr marL="9525" marR="9525" marT="9525" marB="0" anchor="b">
+                    <a:lnL w="6350" cap="flat" cmpd="sng" algn="ctr">
+                      <a:solidFill>
+                        <a:srgbClr val="000000"/>
+                      </a:solidFill>
+                      <a:prstDash val="solid"/>
+                      <a:round/>
+                      <a:headEnd type="none" w="med" len="med"/>
+                      <a:tailEnd type="none" w="med" len="med"/>
+                    </a:lnL>
+                    <a:lnR w="6350" cap="flat" cmpd="sng" algn="ctr">
+                      <a:solidFill>
+                        <a:srgbClr val="000000"/>
+                      </a:solidFill>
+                      <a:prstDash val="solid"/>
+                      <a:round/>
+                      <a:headEnd type="none" w="med" len="med"/>
+                      <a:tailEnd type="none" w="med" len="med"/>
+                    </a:lnR>
+                    <a:lnT w="6350" cap="flat" cmpd="sng" algn="ctr">
+                      <a:solidFill>
+                        <a:srgbClr val="000000"/>
+                      </a:solidFill>
+                      <a:prstDash val="solid"/>
+                      <a:round/>
+                      <a:headEnd type="none" w="med" len="med"/>
+                      <a:tailEnd type="none" w="med" len="med"/>
+                    </a:lnT>
+                    <a:lnB w="6350" cap="flat" cmpd="sng" algn="ctr">
+                      <a:solidFill>
+                        <a:srgbClr val="000000"/>
+                      </a:solidFill>
+                      <a:prstDash val="solid"/>
+                      <a:round/>
+                      <a:headEnd type="none" w="med" len="med"/>
+                      <a:tailEnd type="none" w="med" len="med"/>
+                    </a:lnB>
+                    <a:noFill/>
+                  </a:tcPr>
+                </a:tc>
+                <a:tc>
+                  <a:txBody>
+                    <a:bodyPr/>
+                    <a:lstStyle/>
+                    <a:p>
+                      <a:pPr algn="ctr" fontAlgn="b"/>
+                      <a:r>
+                        <a:rPr lang="es-CL" sz="1100" b="0" i="0" u="none" strike="noStrike">
+                          <a:solidFill>
+                            <a:srgbClr val="000000"/>
+                          </a:solidFill>
+                          <a:effectLst/>
+                          <a:latin typeface="Aptos Narrow" panose="020B0004020202020204" pitchFamily="34" charset="0"/>
+                        </a:rPr>
+                        <a:t>0.0000</a:t>
+                      </a:r>
+                    </a:p>
+                  </a:txBody>
+                  <a:tcPr marL="9525" marR="9525" marT="9525" marB="0" anchor="b">
+                    <a:lnL w="6350" cap="flat" cmpd="sng" algn="ctr">
+                      <a:solidFill>
+                        <a:srgbClr val="000000"/>
+                      </a:solidFill>
+                      <a:prstDash val="solid"/>
+                      <a:round/>
+                      <a:headEnd type="none" w="med" len="med"/>
+                      <a:tailEnd type="none" w="med" len="med"/>
+                    </a:lnL>
+                    <a:lnR w="6350" cap="flat" cmpd="sng" algn="ctr">
+                      <a:solidFill>
+                        <a:srgbClr val="000000"/>
+                      </a:solidFill>
+                      <a:prstDash val="solid"/>
+                      <a:round/>
+                      <a:headEnd type="none" w="med" len="med"/>
+                      <a:tailEnd type="none" w="med" len="med"/>
+                    </a:lnR>
+                    <a:lnT w="6350" cap="flat" cmpd="sng" algn="ctr">
+                      <a:solidFill>
+                        <a:srgbClr val="000000"/>
+                      </a:solidFill>
+                      <a:prstDash val="solid"/>
+                      <a:round/>
+                      <a:headEnd type="none" w="med" len="med"/>
+                      <a:tailEnd type="none" w="med" len="med"/>
+                    </a:lnT>
+                    <a:lnB w="6350" cap="flat" cmpd="sng" algn="ctr">
+                      <a:solidFill>
+                        <a:srgbClr val="000000"/>
+                      </a:solidFill>
+                      <a:prstDash val="solid"/>
+                      <a:round/>
+                      <a:headEnd type="none" w="med" len="med"/>
+                      <a:tailEnd type="none" w="med" len="med"/>
+                    </a:lnB>
+                    <a:noFill/>
+                  </a:tcPr>
+                </a:tc>
+                <a:tc>
+                  <a:txBody>
+                    <a:bodyPr/>
+                    <a:lstStyle/>
+                    <a:p>
+                      <a:pPr algn="ctr" fontAlgn="b"/>
+                      <a:r>
+                        <a:rPr lang="es-CL" sz="1100" b="0" i="0" u="none" strike="noStrike">
+                          <a:solidFill>
+                            <a:srgbClr val="000000"/>
+                          </a:solidFill>
+                          <a:effectLst/>
+                          <a:latin typeface="Aptos Narrow" panose="020B0004020202020204" pitchFamily="34" charset="0"/>
+                        </a:rPr>
+                        <a:t>0.000000</a:t>
+                      </a:r>
+                    </a:p>
+                  </a:txBody>
+                  <a:tcPr marL="9525" marR="9525" marT="9525" marB="0" anchor="b">
+                    <a:lnL w="6350" cap="flat" cmpd="sng" algn="ctr">
+                      <a:solidFill>
+                        <a:srgbClr val="000000"/>
+                      </a:solidFill>
+                      <a:prstDash val="solid"/>
+                      <a:round/>
+                      <a:headEnd type="none" w="med" len="med"/>
+                      <a:tailEnd type="none" w="med" len="med"/>
+                    </a:lnL>
+                    <a:lnR w="6350" cap="flat" cmpd="sng" algn="ctr">
+                      <a:solidFill>
+                        <a:srgbClr val="000000"/>
+                      </a:solidFill>
+                      <a:prstDash val="solid"/>
+                      <a:round/>
+                      <a:headEnd type="none" w="med" len="med"/>
+                      <a:tailEnd type="none" w="med" len="med"/>
+                    </a:lnR>
+                    <a:lnT w="6350" cap="flat" cmpd="sng" algn="ctr">
+                      <a:solidFill>
+                        <a:srgbClr val="000000"/>
+                      </a:solidFill>
+                      <a:prstDash val="solid"/>
+                      <a:round/>
+                      <a:headEnd type="none" w="med" len="med"/>
+                      <a:tailEnd type="none" w="med" len="med"/>
+                    </a:lnT>
+                    <a:lnB w="6350" cap="flat" cmpd="sng" algn="ctr">
+                      <a:solidFill>
+                        <a:srgbClr val="000000"/>
+                      </a:solidFill>
+                      <a:prstDash val="solid"/>
+                      <a:round/>
+                      <a:headEnd type="none" w="med" len="med"/>
+                      <a:tailEnd type="none" w="med" len="med"/>
+                    </a:lnB>
+                    <a:noFill/>
+                  </a:tcPr>
+                </a:tc>
+                <a:extLst>
+                  <a:ext uri="{0D108BD9-81ED-4DB2-BD59-A6C34878D82A}">
+                    <a16:rowId xmlns:a16="http://schemas.microsoft.com/office/drawing/2014/main" val="1269621007"/>
+                  </a:ext>
+                </a:extLst>
+              </a:tr>
+              <a:tr h="461408">
+                <a:tc>
+                  <a:txBody>
+                    <a:bodyPr/>
+                    <a:lstStyle/>
+                    <a:p>
+                      <a:pPr algn="l" fontAlgn="b"/>
+                      <a:r>
+                        <a:rPr lang="es-CL" sz="1100" b="0" i="0" u="none" strike="noStrike">
+                          <a:solidFill>
+                            <a:srgbClr val="000000"/>
+                          </a:solidFill>
+                          <a:effectLst/>
+                          <a:latin typeface="Aptos Narrow" panose="020B0004020202020204" pitchFamily="34" charset="0"/>
+                        </a:rPr>
+                        <a:t>BUIN</a:t>
+                      </a:r>
+                    </a:p>
+                  </a:txBody>
+                  <a:tcPr marL="9525" marR="9525" marT="9525" marB="0" anchor="b">
+                    <a:lnL w="6350" cap="flat" cmpd="sng" algn="ctr">
+                      <a:solidFill>
+                        <a:srgbClr val="000000"/>
+                      </a:solidFill>
+                      <a:prstDash val="solid"/>
+                      <a:round/>
+                      <a:headEnd type="none" w="med" len="med"/>
+                      <a:tailEnd type="none" w="med" len="med"/>
+                    </a:lnL>
+                    <a:lnR w="6350" cap="flat" cmpd="sng" algn="ctr">
+                      <a:solidFill>
+                        <a:srgbClr val="000000"/>
+                      </a:solidFill>
+                      <a:prstDash val="solid"/>
+                      <a:round/>
+                      <a:headEnd type="none" w="med" len="med"/>
+                      <a:tailEnd type="none" w="med" len="med"/>
+                    </a:lnR>
+                    <a:lnT w="6350" cap="flat" cmpd="sng" algn="ctr">
+                      <a:solidFill>
+                        <a:srgbClr val="000000"/>
+                      </a:solidFill>
+                      <a:prstDash val="solid"/>
+                      <a:round/>
+                      <a:headEnd type="none" w="med" len="med"/>
+                      <a:tailEnd type="none" w="med" len="med"/>
+                    </a:lnT>
+                    <a:lnB w="6350" cap="flat" cmpd="sng" algn="ctr">
+                      <a:solidFill>
+                        <a:srgbClr val="000000"/>
+                      </a:solidFill>
+                      <a:prstDash val="solid"/>
+                      <a:round/>
+                      <a:headEnd type="none" w="med" len="med"/>
+                      <a:tailEnd type="none" w="med" len="med"/>
+                    </a:lnB>
+                    <a:noFill/>
+                  </a:tcPr>
+                </a:tc>
+                <a:tc>
+                  <a:txBody>
+                    <a:bodyPr/>
+                    <a:lstStyle/>
+                    <a:p>
+                      <a:pPr algn="ctr" fontAlgn="b"/>
+                      <a:r>
+                        <a:rPr lang="es-CL" sz="1100" b="0" i="0" u="none" strike="noStrike" dirty="0">
+                          <a:solidFill>
+                            <a:srgbClr val="000000"/>
+                          </a:solidFill>
+                          <a:effectLst/>
+                          <a:latin typeface="Aptos Narrow" panose="020B0004020202020204" pitchFamily="34" charset="0"/>
+                        </a:rPr>
+                        <a:t>0.236875</a:t>
+                      </a:r>
+                    </a:p>
+                  </a:txBody>
+                  <a:tcPr marL="9525" marR="9525" marT="9525" marB="0" anchor="b">
+                    <a:lnL w="6350" cap="flat" cmpd="sng" algn="ctr">
+                      <a:solidFill>
+                        <a:srgbClr val="000000"/>
+                      </a:solidFill>
+                      <a:prstDash val="solid"/>
+                      <a:round/>
+                      <a:headEnd type="none" w="med" len="med"/>
+                      <a:tailEnd type="none" w="med" len="med"/>
+                    </a:lnL>
+                    <a:lnR w="6350" cap="flat" cmpd="sng" algn="ctr">
+                      <a:solidFill>
+                        <a:srgbClr val="000000"/>
+                      </a:solidFill>
+                      <a:prstDash val="solid"/>
+                      <a:round/>
+                      <a:headEnd type="none" w="med" len="med"/>
+                      <a:tailEnd type="none" w="med" len="med"/>
+                    </a:lnR>
+                    <a:lnT w="6350" cap="flat" cmpd="sng" algn="ctr">
+                      <a:solidFill>
+                        <a:srgbClr val="000000"/>
+                      </a:solidFill>
+                      <a:prstDash val="solid"/>
+                      <a:round/>
+                      <a:headEnd type="none" w="med" len="med"/>
+                      <a:tailEnd type="none" w="med" len="med"/>
+                    </a:lnT>
+                    <a:lnB w="6350" cap="flat" cmpd="sng" algn="ctr">
+                      <a:solidFill>
+                        <a:srgbClr val="000000"/>
+                      </a:solidFill>
+                      <a:prstDash val="solid"/>
+                      <a:round/>
+                      <a:headEnd type="none" w="med" len="med"/>
+                      <a:tailEnd type="none" w="med" len="med"/>
+                    </a:lnB>
+                    <a:noFill/>
+                  </a:tcPr>
+                </a:tc>
+                <a:tc>
+                  <a:txBody>
+                    <a:bodyPr/>
+                    <a:lstStyle/>
+                    <a:p>
+                      <a:pPr algn="ctr" fontAlgn="b"/>
+                      <a:r>
+                        <a:rPr lang="es-CL" sz="1100" b="0" i="0" u="none" strike="noStrike">
+                          <a:solidFill>
+                            <a:srgbClr val="000000"/>
+                          </a:solidFill>
+                          <a:effectLst/>
+                          <a:latin typeface="Aptos Narrow" panose="020B0004020202020204" pitchFamily="34" charset="0"/>
+                        </a:rPr>
+                        <a:t>0.065966</a:t>
+                      </a:r>
+                    </a:p>
+                  </a:txBody>
+                  <a:tcPr marL="9525" marR="9525" marT="9525" marB="0" anchor="b">
+                    <a:lnL w="6350" cap="flat" cmpd="sng" algn="ctr">
+                      <a:solidFill>
+                        <a:srgbClr val="000000"/>
+                      </a:solidFill>
+                      <a:prstDash val="solid"/>
+                      <a:round/>
+                      <a:headEnd type="none" w="med" len="med"/>
+                      <a:tailEnd type="none" w="med" len="med"/>
+                    </a:lnL>
+                    <a:lnR w="6350" cap="flat" cmpd="sng" algn="ctr">
+                      <a:solidFill>
+                        <a:srgbClr val="000000"/>
+                      </a:solidFill>
+                      <a:prstDash val="solid"/>
+                      <a:round/>
+                      <a:headEnd type="none" w="med" len="med"/>
+                      <a:tailEnd type="none" w="med" len="med"/>
+                    </a:lnR>
+                    <a:lnT w="6350" cap="flat" cmpd="sng" algn="ctr">
+                      <a:solidFill>
+                        <a:srgbClr val="000000"/>
+                      </a:solidFill>
+                      <a:prstDash val="solid"/>
+                      <a:round/>
+                      <a:headEnd type="none" w="med" len="med"/>
+                      <a:tailEnd type="none" w="med" len="med"/>
+                    </a:lnT>
+                    <a:lnB w="6350" cap="flat" cmpd="sng" algn="ctr">
+                      <a:solidFill>
+                        <a:srgbClr val="000000"/>
+                      </a:solidFill>
+                      <a:prstDash val="solid"/>
+                      <a:round/>
+                      <a:headEnd type="none" w="med" len="med"/>
+                      <a:tailEnd type="none" w="med" len="med"/>
+                    </a:lnB>
+                    <a:noFill/>
+                  </a:tcPr>
+                </a:tc>
+                <a:tc>
+                  <a:txBody>
+                    <a:bodyPr/>
+                    <a:lstStyle/>
+                    <a:p>
+                      <a:pPr algn="ctr" fontAlgn="b"/>
+                      <a:r>
+                        <a:rPr lang="es-CL" sz="1100" b="0" i="0" u="none" strike="noStrike">
+                          <a:solidFill>
+                            <a:srgbClr val="000000"/>
+                          </a:solidFill>
+                          <a:effectLst/>
+                          <a:latin typeface="Aptos Narrow" panose="020B0004020202020204" pitchFamily="34" charset="0"/>
+                        </a:rPr>
+                        <a:t>0.375000</a:t>
+                      </a:r>
+                    </a:p>
+                  </a:txBody>
+                  <a:tcPr marL="9525" marR="9525" marT="9525" marB="0" anchor="b">
+                    <a:lnL w="6350" cap="flat" cmpd="sng" algn="ctr">
+                      <a:solidFill>
+                        <a:srgbClr val="000000"/>
+                      </a:solidFill>
+                      <a:prstDash val="solid"/>
+                      <a:round/>
+                      <a:headEnd type="none" w="med" len="med"/>
+                      <a:tailEnd type="none" w="med" len="med"/>
+                    </a:lnL>
+                    <a:lnR w="6350" cap="flat" cmpd="sng" algn="ctr">
+                      <a:solidFill>
+                        <a:srgbClr val="000000"/>
+                      </a:solidFill>
+                      <a:prstDash val="solid"/>
+                      <a:round/>
+                      <a:headEnd type="none" w="med" len="med"/>
+                      <a:tailEnd type="none" w="med" len="med"/>
+                    </a:lnR>
+                    <a:lnT w="6350" cap="flat" cmpd="sng" algn="ctr">
+                      <a:solidFill>
+                        <a:srgbClr val="000000"/>
+                      </a:solidFill>
+                      <a:prstDash val="solid"/>
+                      <a:round/>
+                      <a:headEnd type="none" w="med" len="med"/>
+                      <a:tailEnd type="none" w="med" len="med"/>
+                    </a:lnT>
+                    <a:lnB w="6350" cap="flat" cmpd="sng" algn="ctr">
+                      <a:solidFill>
+                        <a:srgbClr val="000000"/>
+                      </a:solidFill>
+                      <a:prstDash val="solid"/>
+                      <a:round/>
+                      <a:headEnd type="none" w="med" len="med"/>
+                      <a:tailEnd type="none" w="med" len="med"/>
+                    </a:lnB>
+                    <a:noFill/>
+                  </a:tcPr>
+                </a:tc>
+                <a:tc>
+                  <a:txBody>
+                    <a:bodyPr/>
+                    <a:lstStyle/>
+                    <a:p>
+                      <a:pPr algn="ctr" fontAlgn="b"/>
+                      <a:r>
+                        <a:rPr lang="es-CL" sz="1100" b="0" i="0" u="none" strike="noStrike">
+                          <a:solidFill>
+                            <a:srgbClr val="000000"/>
+                          </a:solidFill>
+                          <a:effectLst/>
+                          <a:latin typeface="Aptos Narrow" panose="020B0004020202020204" pitchFamily="34" charset="0"/>
+                        </a:rPr>
+                        <a:t>0.529412</a:t>
+                      </a:r>
+                    </a:p>
+                  </a:txBody>
+                  <a:tcPr marL="9525" marR="9525" marT="9525" marB="0" anchor="b">
+                    <a:lnL w="6350" cap="flat" cmpd="sng" algn="ctr">
+                      <a:solidFill>
+                        <a:srgbClr val="000000"/>
+                      </a:solidFill>
+                      <a:prstDash val="solid"/>
+                      <a:round/>
+                      <a:headEnd type="none" w="med" len="med"/>
+                      <a:tailEnd type="none" w="med" len="med"/>
+                    </a:lnL>
+                    <a:lnR w="6350" cap="flat" cmpd="sng" algn="ctr">
+                      <a:solidFill>
+                        <a:srgbClr val="000000"/>
+                      </a:solidFill>
+                      <a:prstDash val="solid"/>
+                      <a:round/>
+                      <a:headEnd type="none" w="med" len="med"/>
+                      <a:tailEnd type="none" w="med" len="med"/>
+                    </a:lnR>
+                    <a:lnT w="6350" cap="flat" cmpd="sng" algn="ctr">
+                      <a:solidFill>
+                        <a:srgbClr val="000000"/>
+                      </a:solidFill>
+                      <a:prstDash val="solid"/>
+                      <a:round/>
+                      <a:headEnd type="none" w="med" len="med"/>
+                      <a:tailEnd type="none" w="med" len="med"/>
+                    </a:lnT>
+                    <a:lnB w="6350" cap="flat" cmpd="sng" algn="ctr">
+                      <a:solidFill>
+                        <a:srgbClr val="000000"/>
+                      </a:solidFill>
+                      <a:prstDash val="solid"/>
+                      <a:round/>
+                      <a:headEnd type="none" w="med" len="med"/>
+                      <a:tailEnd type="none" w="med" len="med"/>
+                    </a:lnB>
+                    <a:noFill/>
+                  </a:tcPr>
+                </a:tc>
+                <a:tc>
+                  <a:txBody>
+                    <a:bodyPr/>
+                    <a:lstStyle/>
+                    <a:p>
+                      <a:pPr algn="ctr" fontAlgn="b"/>
+                      <a:r>
+                        <a:rPr lang="es-CL" sz="1100" b="0" i="0" u="none" strike="noStrike">
+                          <a:solidFill>
+                            <a:srgbClr val="000000"/>
+                          </a:solidFill>
+                          <a:effectLst/>
+                          <a:latin typeface="Aptos Narrow" panose="020B0004020202020204" pitchFamily="34" charset="0"/>
+                        </a:rPr>
+                        <a:t>0.5625</a:t>
+                      </a:r>
+                    </a:p>
+                  </a:txBody>
+                  <a:tcPr marL="9525" marR="9525" marT="9525" marB="0" anchor="b">
+                    <a:lnL w="6350" cap="flat" cmpd="sng" algn="ctr">
+                      <a:solidFill>
+                        <a:srgbClr val="000000"/>
+                      </a:solidFill>
+                      <a:prstDash val="solid"/>
+                      <a:round/>
+                      <a:headEnd type="none" w="med" len="med"/>
+                      <a:tailEnd type="none" w="med" len="med"/>
+                    </a:lnL>
+                    <a:lnR w="6350" cap="flat" cmpd="sng" algn="ctr">
+                      <a:solidFill>
+                        <a:srgbClr val="000000"/>
+                      </a:solidFill>
+                      <a:prstDash val="solid"/>
+                      <a:round/>
+                      <a:headEnd type="none" w="med" len="med"/>
+                      <a:tailEnd type="none" w="med" len="med"/>
+                    </a:lnR>
+                    <a:lnT w="6350" cap="flat" cmpd="sng" algn="ctr">
+                      <a:solidFill>
+                        <a:srgbClr val="000000"/>
+                      </a:solidFill>
+                      <a:prstDash val="solid"/>
+                      <a:round/>
+                      <a:headEnd type="none" w="med" len="med"/>
+                      <a:tailEnd type="none" w="med" len="med"/>
+                    </a:lnT>
+                    <a:lnB w="6350" cap="flat" cmpd="sng" algn="ctr">
+                      <a:solidFill>
+                        <a:srgbClr val="000000"/>
+                      </a:solidFill>
+                      <a:prstDash val="solid"/>
+                      <a:round/>
+                      <a:headEnd type="none" w="med" len="med"/>
+                      <a:tailEnd type="none" w="med" len="med"/>
+                    </a:lnB>
+                    <a:noFill/>
+                  </a:tcPr>
+                </a:tc>
+                <a:tc>
+                  <a:txBody>
+                    <a:bodyPr/>
+                    <a:lstStyle/>
+                    <a:p>
+                      <a:pPr algn="ctr" fontAlgn="b"/>
+                      <a:r>
+                        <a:rPr lang="es-CL" sz="1100" b="0" i="0" u="none" strike="noStrike">
+                          <a:solidFill>
+                            <a:srgbClr val="000000"/>
+                          </a:solidFill>
+                          <a:effectLst/>
+                          <a:latin typeface="Aptos Narrow" panose="020B0004020202020204" pitchFamily="34" charset="0"/>
+                        </a:rPr>
+                        <a:t>0.545455</a:t>
+                      </a:r>
+                    </a:p>
+                  </a:txBody>
+                  <a:tcPr marL="9525" marR="9525" marT="9525" marB="0" anchor="b">
+                    <a:lnL w="6350" cap="flat" cmpd="sng" algn="ctr">
+                      <a:solidFill>
+                        <a:srgbClr val="000000"/>
+                      </a:solidFill>
+                      <a:prstDash val="solid"/>
+                      <a:round/>
+                      <a:headEnd type="none" w="med" len="med"/>
+                      <a:tailEnd type="none" w="med" len="med"/>
+                    </a:lnL>
+                    <a:lnR w="6350" cap="flat" cmpd="sng" algn="ctr">
+                      <a:solidFill>
+                        <a:srgbClr val="000000"/>
+                      </a:solidFill>
+                      <a:prstDash val="solid"/>
+                      <a:round/>
+                      <a:headEnd type="none" w="med" len="med"/>
+                      <a:tailEnd type="none" w="med" len="med"/>
+                    </a:lnR>
+                    <a:lnT w="6350" cap="flat" cmpd="sng" algn="ctr">
+                      <a:solidFill>
+                        <a:srgbClr val="000000"/>
+                      </a:solidFill>
+                      <a:prstDash val="solid"/>
+                      <a:round/>
+                      <a:headEnd type="none" w="med" len="med"/>
+                      <a:tailEnd type="none" w="med" len="med"/>
+                    </a:lnT>
+                    <a:lnB w="6350" cap="flat" cmpd="sng" algn="ctr">
+                      <a:solidFill>
+                        <a:srgbClr val="000000"/>
+                      </a:solidFill>
+                      <a:prstDash val="solid"/>
+                      <a:round/>
+                      <a:headEnd type="none" w="med" len="med"/>
+                      <a:tailEnd type="none" w="med" len="med"/>
+                    </a:lnB>
+                    <a:noFill/>
+                  </a:tcPr>
+                </a:tc>
+                <a:extLst>
+                  <a:ext uri="{0D108BD9-81ED-4DB2-BD59-A6C34878D82A}">
+                    <a16:rowId xmlns:a16="http://schemas.microsoft.com/office/drawing/2014/main" val="2963611209"/>
+                  </a:ext>
+                </a:extLst>
+              </a:tr>
+              <a:tr h="461408">
+                <a:tc>
+                  <a:txBody>
+                    <a:bodyPr/>
+                    <a:lstStyle/>
+                    <a:p>
+                      <a:pPr algn="l" fontAlgn="b"/>
+                      <a:r>
+                        <a:rPr lang="es-CL" sz="1100" b="0" i="0" u="none" strike="noStrike">
+                          <a:solidFill>
+                            <a:srgbClr val="000000"/>
+                          </a:solidFill>
+                          <a:effectLst/>
+                          <a:latin typeface="Aptos Narrow" panose="020B0004020202020204" pitchFamily="34" charset="0"/>
+                        </a:rPr>
+                        <a:t>CHENA</a:t>
+                      </a:r>
+                    </a:p>
+                  </a:txBody>
+                  <a:tcPr marL="9525" marR="9525" marT="9525" marB="0" anchor="b">
+                    <a:lnL w="6350" cap="flat" cmpd="sng" algn="ctr">
+                      <a:solidFill>
+                        <a:srgbClr val="000000"/>
+                      </a:solidFill>
+                      <a:prstDash val="solid"/>
+                      <a:round/>
+                      <a:headEnd type="none" w="med" len="med"/>
+                      <a:tailEnd type="none" w="med" len="med"/>
+                    </a:lnL>
+                    <a:lnR w="6350" cap="flat" cmpd="sng" algn="ctr">
+                      <a:solidFill>
+                        <a:srgbClr val="000000"/>
+                      </a:solidFill>
+                      <a:prstDash val="solid"/>
+                      <a:round/>
+                      <a:headEnd type="none" w="med" len="med"/>
+                      <a:tailEnd type="none" w="med" len="med"/>
+                    </a:lnR>
+                    <a:lnT w="6350" cap="flat" cmpd="sng" algn="ctr">
+                      <a:solidFill>
+                        <a:srgbClr val="000000"/>
+                      </a:solidFill>
+                      <a:prstDash val="solid"/>
+                      <a:round/>
+                      <a:headEnd type="none" w="med" len="med"/>
+                      <a:tailEnd type="none" w="med" len="med"/>
+                    </a:lnT>
+                    <a:lnB w="6350" cap="flat" cmpd="sng" algn="ctr">
+                      <a:solidFill>
+                        <a:srgbClr val="000000"/>
+                      </a:solidFill>
+                      <a:prstDash val="solid"/>
+                      <a:round/>
+                      <a:headEnd type="none" w="med" len="med"/>
+                      <a:tailEnd type="none" w="med" len="med"/>
+                    </a:lnB>
+                    <a:noFill/>
+                  </a:tcPr>
+                </a:tc>
+                <a:tc>
+                  <a:txBody>
+                    <a:bodyPr/>
+                    <a:lstStyle/>
+                    <a:p>
+                      <a:pPr algn="ctr" fontAlgn="b"/>
+                      <a:r>
+                        <a:rPr lang="es-CL" sz="1100" b="0" i="0" u="none" strike="noStrike">
+                          <a:solidFill>
+                            <a:srgbClr val="000000"/>
+                          </a:solidFill>
+                          <a:effectLst/>
+                          <a:latin typeface="Aptos Narrow" panose="020B0004020202020204" pitchFamily="34" charset="0"/>
+                        </a:rPr>
+                        <a:t>31.418.506</a:t>
+                      </a:r>
+                    </a:p>
+                  </a:txBody>
+                  <a:tcPr marL="9525" marR="9525" marT="9525" marB="0" anchor="b">
+                    <a:lnL w="6350" cap="flat" cmpd="sng" algn="ctr">
+                      <a:solidFill>
+                        <a:srgbClr val="000000"/>
+                      </a:solidFill>
+                      <a:prstDash val="solid"/>
+                      <a:round/>
+                      <a:headEnd type="none" w="med" len="med"/>
+                      <a:tailEnd type="none" w="med" len="med"/>
+                    </a:lnL>
+                    <a:lnR w="6350" cap="flat" cmpd="sng" algn="ctr">
+                      <a:solidFill>
+                        <a:srgbClr val="000000"/>
+                      </a:solidFill>
+                      <a:prstDash val="solid"/>
+                      <a:round/>
+                      <a:headEnd type="none" w="med" len="med"/>
+                      <a:tailEnd type="none" w="med" len="med"/>
+                    </a:lnR>
+                    <a:lnT w="6350" cap="flat" cmpd="sng" algn="ctr">
+                      <a:solidFill>
+                        <a:srgbClr val="000000"/>
+                      </a:solidFill>
+                      <a:prstDash val="solid"/>
+                      <a:round/>
+                      <a:headEnd type="none" w="med" len="med"/>
+                      <a:tailEnd type="none" w="med" len="med"/>
+                    </a:lnT>
+                    <a:lnB w="6350" cap="flat" cmpd="sng" algn="ctr">
+                      <a:solidFill>
+                        <a:srgbClr val="000000"/>
+                      </a:solidFill>
+                      <a:prstDash val="solid"/>
+                      <a:round/>
+                      <a:headEnd type="none" w="med" len="med"/>
+                      <a:tailEnd type="none" w="med" len="med"/>
+                    </a:lnB>
+                    <a:noFill/>
+                  </a:tcPr>
+                </a:tc>
+                <a:tc>
+                  <a:txBody>
+                    <a:bodyPr/>
+                    <a:lstStyle/>
+                    <a:p>
+                      <a:pPr algn="ctr" fontAlgn="b"/>
+                      <a:r>
+                        <a:rPr lang="es-CL" sz="1100" b="0" i="0" u="none" strike="noStrike" dirty="0">
+                          <a:solidFill>
+                            <a:srgbClr val="000000"/>
+                          </a:solidFill>
+                          <a:effectLst/>
+                          <a:latin typeface="Aptos Narrow" panose="020B0004020202020204" pitchFamily="34" charset="0"/>
+                        </a:rPr>
+                        <a:t>1.552.332.322</a:t>
+                      </a:r>
+                    </a:p>
+                  </a:txBody>
+                  <a:tcPr marL="9525" marR="9525" marT="9525" marB="0" anchor="b">
+                    <a:lnL w="6350" cap="flat" cmpd="sng" algn="ctr">
+                      <a:solidFill>
+                        <a:srgbClr val="000000"/>
+                      </a:solidFill>
+                      <a:prstDash val="solid"/>
+                      <a:round/>
+                      <a:headEnd type="none" w="med" len="med"/>
+                      <a:tailEnd type="none" w="med" len="med"/>
+                    </a:lnL>
+                    <a:lnR w="6350" cap="flat" cmpd="sng" algn="ctr">
+                      <a:solidFill>
+                        <a:srgbClr val="000000"/>
+                      </a:solidFill>
+                      <a:prstDash val="solid"/>
+                      <a:round/>
+                      <a:headEnd type="none" w="med" len="med"/>
+                      <a:tailEnd type="none" w="med" len="med"/>
+                    </a:lnR>
+                    <a:lnT w="6350" cap="flat" cmpd="sng" algn="ctr">
+                      <a:solidFill>
+                        <a:srgbClr val="000000"/>
+                      </a:solidFill>
+                      <a:prstDash val="solid"/>
+                      <a:round/>
+                      <a:headEnd type="none" w="med" len="med"/>
+                      <a:tailEnd type="none" w="med" len="med"/>
+                    </a:lnT>
+                    <a:lnB w="6350" cap="flat" cmpd="sng" algn="ctr">
+                      <a:solidFill>
+                        <a:srgbClr val="000000"/>
+                      </a:solidFill>
+                      <a:prstDash val="solid"/>
+                      <a:round/>
+                      <a:headEnd type="none" w="med" len="med"/>
+                      <a:tailEnd type="none" w="med" len="med"/>
+                    </a:lnB>
+                    <a:noFill/>
+                  </a:tcPr>
+                </a:tc>
+                <a:tc>
+                  <a:txBody>
+                    <a:bodyPr/>
+                    <a:lstStyle/>
+                    <a:p>
+                      <a:pPr algn="ctr" fontAlgn="b"/>
+                      <a:r>
+                        <a:rPr lang="es-CL" sz="1100" b="0" i="0" u="none" strike="noStrike">
+                          <a:solidFill>
+                            <a:srgbClr val="000000"/>
+                          </a:solidFill>
+                          <a:effectLst/>
+                          <a:latin typeface="Aptos Narrow" panose="020B0004020202020204" pitchFamily="34" charset="0"/>
+                        </a:rPr>
+                        <a:t>0.583333</a:t>
+                      </a:r>
+                    </a:p>
+                  </a:txBody>
+                  <a:tcPr marL="9525" marR="9525" marT="9525" marB="0" anchor="b">
+                    <a:lnL w="6350" cap="flat" cmpd="sng" algn="ctr">
+                      <a:solidFill>
+                        <a:srgbClr val="000000"/>
+                      </a:solidFill>
+                      <a:prstDash val="solid"/>
+                      <a:round/>
+                      <a:headEnd type="none" w="med" len="med"/>
+                      <a:tailEnd type="none" w="med" len="med"/>
+                    </a:lnL>
+                    <a:lnR w="6350" cap="flat" cmpd="sng" algn="ctr">
+                      <a:solidFill>
+                        <a:srgbClr val="000000"/>
+                      </a:solidFill>
+                      <a:prstDash val="solid"/>
+                      <a:round/>
+                      <a:headEnd type="none" w="med" len="med"/>
+                      <a:tailEnd type="none" w="med" len="med"/>
+                    </a:lnR>
+                    <a:lnT w="6350" cap="flat" cmpd="sng" algn="ctr">
+                      <a:solidFill>
+                        <a:srgbClr val="000000"/>
+                      </a:solidFill>
+                      <a:prstDash val="solid"/>
+                      <a:round/>
+                      <a:headEnd type="none" w="med" len="med"/>
+                      <a:tailEnd type="none" w="med" len="med"/>
+                    </a:lnT>
+                    <a:lnB w="6350" cap="flat" cmpd="sng" algn="ctr">
+                      <a:solidFill>
+                        <a:srgbClr val="000000"/>
+                      </a:solidFill>
+                      <a:prstDash val="solid"/>
+                      <a:round/>
+                      <a:headEnd type="none" w="med" len="med"/>
+                      <a:tailEnd type="none" w="med" len="med"/>
+                    </a:lnB>
+                    <a:noFill/>
+                  </a:tcPr>
+                </a:tc>
+                <a:tc>
+                  <a:txBody>
+                    <a:bodyPr/>
+                    <a:lstStyle/>
+                    <a:p>
+                      <a:pPr algn="ctr" fontAlgn="b"/>
+                      <a:r>
+                        <a:rPr lang="es-CL" sz="1100" b="0" i="0" u="none" strike="noStrike">
+                          <a:solidFill>
+                            <a:srgbClr val="000000"/>
+                          </a:solidFill>
+                          <a:effectLst/>
+                          <a:latin typeface="Aptos Narrow" panose="020B0004020202020204" pitchFamily="34" charset="0"/>
+                        </a:rPr>
+                        <a:t>0.583333</a:t>
+                      </a:r>
+                    </a:p>
+                  </a:txBody>
+                  <a:tcPr marL="9525" marR="9525" marT="9525" marB="0" anchor="b">
+                    <a:lnL w="6350" cap="flat" cmpd="sng" algn="ctr">
+                      <a:solidFill>
+                        <a:srgbClr val="000000"/>
+                      </a:solidFill>
+                      <a:prstDash val="solid"/>
+                      <a:round/>
+                      <a:headEnd type="none" w="med" len="med"/>
+                      <a:tailEnd type="none" w="med" len="med"/>
+                    </a:lnL>
+                    <a:lnR w="6350" cap="flat" cmpd="sng" algn="ctr">
+                      <a:solidFill>
+                        <a:srgbClr val="000000"/>
+                      </a:solidFill>
+                      <a:prstDash val="solid"/>
+                      <a:round/>
+                      <a:headEnd type="none" w="med" len="med"/>
+                      <a:tailEnd type="none" w="med" len="med"/>
+                    </a:lnR>
+                    <a:lnT w="6350" cap="flat" cmpd="sng" algn="ctr">
+                      <a:solidFill>
+                        <a:srgbClr val="000000"/>
+                      </a:solidFill>
+                      <a:prstDash val="solid"/>
+                      <a:round/>
+                      <a:headEnd type="none" w="med" len="med"/>
+                      <a:tailEnd type="none" w="med" len="med"/>
+                    </a:lnT>
+                    <a:lnB w="6350" cap="flat" cmpd="sng" algn="ctr">
+                      <a:solidFill>
+                        <a:srgbClr val="000000"/>
+                      </a:solidFill>
+                      <a:prstDash val="solid"/>
+                      <a:round/>
+                      <a:headEnd type="none" w="med" len="med"/>
+                      <a:tailEnd type="none" w="med" len="med"/>
+                    </a:lnB>
+                    <a:noFill/>
+                  </a:tcPr>
+                </a:tc>
+                <a:tc>
+                  <a:txBody>
+                    <a:bodyPr/>
+                    <a:lstStyle/>
+                    <a:p>
+                      <a:pPr algn="ctr" fontAlgn="b"/>
+                      <a:r>
+                        <a:rPr lang="es-CL" sz="1100" b="0" i="0" u="none" strike="noStrike">
+                          <a:solidFill>
+                            <a:srgbClr val="000000"/>
+                          </a:solidFill>
+                          <a:effectLst/>
+                          <a:latin typeface="Aptos Narrow" panose="020B0004020202020204" pitchFamily="34" charset="0"/>
+                        </a:rPr>
+                        <a:t>10.000</a:t>
+                      </a:r>
+                    </a:p>
+                  </a:txBody>
+                  <a:tcPr marL="9525" marR="9525" marT="9525" marB="0" anchor="b">
+                    <a:lnL w="6350" cap="flat" cmpd="sng" algn="ctr">
+                      <a:solidFill>
+                        <a:srgbClr val="000000"/>
+                      </a:solidFill>
+                      <a:prstDash val="solid"/>
+                      <a:round/>
+                      <a:headEnd type="none" w="med" len="med"/>
+                      <a:tailEnd type="none" w="med" len="med"/>
+                    </a:lnL>
+                    <a:lnR w="6350" cap="flat" cmpd="sng" algn="ctr">
+                      <a:solidFill>
+                        <a:srgbClr val="000000"/>
+                      </a:solidFill>
+                      <a:prstDash val="solid"/>
+                      <a:round/>
+                      <a:headEnd type="none" w="med" len="med"/>
+                      <a:tailEnd type="none" w="med" len="med"/>
+                    </a:lnR>
+                    <a:lnT w="6350" cap="flat" cmpd="sng" algn="ctr">
+                      <a:solidFill>
+                        <a:srgbClr val="000000"/>
+                      </a:solidFill>
+                      <a:prstDash val="solid"/>
+                      <a:round/>
+                      <a:headEnd type="none" w="med" len="med"/>
+                      <a:tailEnd type="none" w="med" len="med"/>
+                    </a:lnT>
+                    <a:lnB w="6350" cap="flat" cmpd="sng" algn="ctr">
+                      <a:solidFill>
+                        <a:srgbClr val="000000"/>
+                      </a:solidFill>
+                      <a:prstDash val="solid"/>
+                      <a:round/>
+                      <a:headEnd type="none" w="med" len="med"/>
+                      <a:tailEnd type="none" w="med" len="med"/>
+                    </a:lnB>
+                    <a:noFill/>
+                  </a:tcPr>
+                </a:tc>
+                <a:tc>
+                  <a:txBody>
+                    <a:bodyPr/>
+                    <a:lstStyle/>
+                    <a:p>
+                      <a:pPr algn="ctr" fontAlgn="b"/>
+                      <a:r>
+                        <a:rPr lang="es-CL" sz="1100" b="0" i="0" u="none" strike="noStrike">
+                          <a:solidFill>
+                            <a:srgbClr val="000000"/>
+                          </a:solidFill>
+                          <a:effectLst/>
+                          <a:latin typeface="Aptos Narrow" panose="020B0004020202020204" pitchFamily="34" charset="0"/>
+                        </a:rPr>
+                        <a:t>0.736842</a:t>
+                      </a:r>
+                    </a:p>
+                  </a:txBody>
+                  <a:tcPr marL="9525" marR="9525" marT="9525" marB="0" anchor="b">
+                    <a:lnL w="6350" cap="flat" cmpd="sng" algn="ctr">
+                      <a:solidFill>
+                        <a:srgbClr val="000000"/>
+                      </a:solidFill>
+                      <a:prstDash val="solid"/>
+                      <a:round/>
+                      <a:headEnd type="none" w="med" len="med"/>
+                      <a:tailEnd type="none" w="med" len="med"/>
+                    </a:lnL>
+                    <a:lnR w="6350" cap="flat" cmpd="sng" algn="ctr">
+                      <a:solidFill>
+                        <a:srgbClr val="000000"/>
+                      </a:solidFill>
+                      <a:prstDash val="solid"/>
+                      <a:round/>
+                      <a:headEnd type="none" w="med" len="med"/>
+                      <a:tailEnd type="none" w="med" len="med"/>
+                    </a:lnR>
+                    <a:lnT w="6350" cap="flat" cmpd="sng" algn="ctr">
+                      <a:solidFill>
+                        <a:srgbClr val="000000"/>
+                      </a:solidFill>
+                      <a:prstDash val="solid"/>
+                      <a:round/>
+                      <a:headEnd type="none" w="med" len="med"/>
+                      <a:tailEnd type="none" w="med" len="med"/>
+                    </a:lnT>
+                    <a:lnB w="6350" cap="flat" cmpd="sng" algn="ctr">
+                      <a:solidFill>
+                        <a:srgbClr val="000000"/>
+                      </a:solidFill>
+                      <a:prstDash val="solid"/>
+                      <a:round/>
+                      <a:headEnd type="none" w="med" len="med"/>
+                      <a:tailEnd type="none" w="med" len="med"/>
+                    </a:lnB>
+                    <a:noFill/>
+                  </a:tcPr>
+                </a:tc>
+                <a:extLst>
+                  <a:ext uri="{0D108BD9-81ED-4DB2-BD59-A6C34878D82A}">
+                    <a16:rowId xmlns:a16="http://schemas.microsoft.com/office/drawing/2014/main" val="2536751087"/>
+                  </a:ext>
+                </a:extLst>
+              </a:tr>
+              <a:tr h="461408">
+                <a:tc>
+                  <a:txBody>
+                    <a:bodyPr/>
+                    <a:lstStyle/>
+                    <a:p>
+                      <a:pPr algn="l" fontAlgn="b"/>
+                      <a:r>
+                        <a:rPr lang="es-CL" sz="1100" b="0" i="0" u="none" strike="noStrike">
+                          <a:solidFill>
+                            <a:srgbClr val="000000"/>
+                          </a:solidFill>
+                          <a:effectLst/>
+                          <a:latin typeface="Aptos Narrow" panose="020B0004020202020204" pitchFamily="34" charset="0"/>
+                        </a:rPr>
+                        <a:t>CNAVIA</a:t>
+                      </a:r>
+                    </a:p>
+                  </a:txBody>
+                  <a:tcPr marL="9525" marR="9525" marT="9525" marB="0" anchor="b">
+                    <a:lnL w="6350" cap="flat" cmpd="sng" algn="ctr">
+                      <a:solidFill>
+                        <a:srgbClr val="000000"/>
+                      </a:solidFill>
+                      <a:prstDash val="solid"/>
+                      <a:round/>
+                      <a:headEnd type="none" w="med" len="med"/>
+                      <a:tailEnd type="none" w="med" len="med"/>
+                    </a:lnL>
+                    <a:lnR w="6350" cap="flat" cmpd="sng" algn="ctr">
+                      <a:solidFill>
+                        <a:srgbClr val="000000"/>
+                      </a:solidFill>
+                      <a:prstDash val="solid"/>
+                      <a:round/>
+                      <a:headEnd type="none" w="med" len="med"/>
+                      <a:tailEnd type="none" w="med" len="med"/>
+                    </a:lnR>
+                    <a:lnT w="6350" cap="flat" cmpd="sng" algn="ctr">
+                      <a:solidFill>
+                        <a:srgbClr val="000000"/>
+                      </a:solidFill>
+                      <a:prstDash val="solid"/>
+                      <a:round/>
+                      <a:headEnd type="none" w="med" len="med"/>
+                      <a:tailEnd type="none" w="med" len="med"/>
+                    </a:lnT>
+                    <a:lnB w="6350" cap="flat" cmpd="sng" algn="ctr">
+                      <a:solidFill>
+                        <a:srgbClr val="000000"/>
+                      </a:solidFill>
+                      <a:prstDash val="solid"/>
+                      <a:round/>
+                      <a:headEnd type="none" w="med" len="med"/>
+                      <a:tailEnd type="none" w="med" len="med"/>
+                    </a:lnB>
+                    <a:noFill/>
+                  </a:tcPr>
+                </a:tc>
+                <a:tc>
+                  <a:txBody>
+                    <a:bodyPr/>
+                    <a:lstStyle/>
+                    <a:p>
+                      <a:pPr algn="ctr" fontAlgn="b"/>
+                      <a:r>
+                        <a:rPr lang="es-CL" sz="1100" b="0" i="0" u="none" strike="noStrike">
+                          <a:solidFill>
+                            <a:srgbClr val="000000"/>
+                          </a:solidFill>
+                          <a:effectLst/>
+                          <a:latin typeface="Aptos Narrow" panose="020B0004020202020204" pitchFamily="34" charset="0"/>
+                        </a:rPr>
+                        <a:t>74.201.883</a:t>
+                      </a:r>
+                    </a:p>
+                  </a:txBody>
+                  <a:tcPr marL="9525" marR="9525" marT="9525" marB="0" anchor="b">
+                    <a:lnL w="6350" cap="flat" cmpd="sng" algn="ctr">
+                      <a:solidFill>
+                        <a:srgbClr val="000000"/>
+                      </a:solidFill>
+                      <a:prstDash val="solid"/>
+                      <a:round/>
+                      <a:headEnd type="none" w="med" len="med"/>
+                      <a:tailEnd type="none" w="med" len="med"/>
+                    </a:lnL>
+                    <a:lnR w="6350" cap="flat" cmpd="sng" algn="ctr">
+                      <a:solidFill>
+                        <a:srgbClr val="000000"/>
+                      </a:solidFill>
+                      <a:prstDash val="solid"/>
+                      <a:round/>
+                      <a:headEnd type="none" w="med" len="med"/>
+                      <a:tailEnd type="none" w="med" len="med"/>
+                    </a:lnR>
+                    <a:lnT w="6350" cap="flat" cmpd="sng" algn="ctr">
+                      <a:solidFill>
+                        <a:srgbClr val="000000"/>
+                      </a:solidFill>
+                      <a:prstDash val="solid"/>
+                      <a:round/>
+                      <a:headEnd type="none" w="med" len="med"/>
+                      <a:tailEnd type="none" w="med" len="med"/>
+                    </a:lnT>
+                    <a:lnB w="6350" cap="flat" cmpd="sng" algn="ctr">
+                      <a:solidFill>
+                        <a:srgbClr val="000000"/>
+                      </a:solidFill>
+                      <a:prstDash val="solid"/>
+                      <a:round/>
+                      <a:headEnd type="none" w="med" len="med"/>
+                      <a:tailEnd type="none" w="med" len="med"/>
+                    </a:lnB>
+                    <a:noFill/>
+                  </a:tcPr>
+                </a:tc>
+                <a:tc>
+                  <a:txBody>
+                    <a:bodyPr/>
+                    <a:lstStyle/>
+                    <a:p>
+                      <a:pPr algn="ctr" fontAlgn="b"/>
+                      <a:r>
+                        <a:rPr lang="es-CL" sz="1100" b="0" i="0" u="none" strike="noStrike" dirty="0">
+                          <a:solidFill>
+                            <a:srgbClr val="000000"/>
+                          </a:solidFill>
+                          <a:effectLst/>
+                          <a:latin typeface="Aptos Narrow" panose="020B0004020202020204" pitchFamily="34" charset="0"/>
+                        </a:rPr>
+                        <a:t>6.289.132.221</a:t>
+                      </a:r>
+                    </a:p>
+                  </a:txBody>
+                  <a:tcPr marL="9525" marR="9525" marT="9525" marB="0" anchor="b">
+                    <a:lnL w="6350" cap="flat" cmpd="sng" algn="ctr">
+                      <a:solidFill>
+                        <a:srgbClr val="000000"/>
+                      </a:solidFill>
+                      <a:prstDash val="solid"/>
+                      <a:round/>
+                      <a:headEnd type="none" w="med" len="med"/>
+                      <a:tailEnd type="none" w="med" len="med"/>
+                    </a:lnL>
+                    <a:lnR w="6350" cap="flat" cmpd="sng" algn="ctr">
+                      <a:solidFill>
+                        <a:srgbClr val="000000"/>
+                      </a:solidFill>
+                      <a:prstDash val="solid"/>
+                      <a:round/>
+                      <a:headEnd type="none" w="med" len="med"/>
+                      <a:tailEnd type="none" w="med" len="med"/>
+                    </a:lnR>
+                    <a:lnT w="6350" cap="flat" cmpd="sng" algn="ctr">
+                      <a:solidFill>
+                        <a:srgbClr val="000000"/>
+                      </a:solidFill>
+                      <a:prstDash val="solid"/>
+                      <a:round/>
+                      <a:headEnd type="none" w="med" len="med"/>
+                      <a:tailEnd type="none" w="med" len="med"/>
+                    </a:lnT>
+                    <a:lnB w="6350" cap="flat" cmpd="sng" algn="ctr">
+                      <a:solidFill>
+                        <a:srgbClr val="000000"/>
+                      </a:solidFill>
+                      <a:prstDash val="solid"/>
+                      <a:round/>
+                      <a:headEnd type="none" w="med" len="med"/>
+                      <a:tailEnd type="none" w="med" len="med"/>
+                    </a:lnB>
+                    <a:noFill/>
+                  </a:tcPr>
+                </a:tc>
+                <a:tc>
+                  <a:txBody>
+                    <a:bodyPr/>
+                    <a:lstStyle/>
+                    <a:p>
+                      <a:pPr algn="ctr" fontAlgn="b"/>
+                      <a:r>
+                        <a:rPr lang="es-CL" sz="1100" b="0" i="0" u="none" strike="noStrike" dirty="0">
+                          <a:solidFill>
+                            <a:srgbClr val="000000"/>
+                          </a:solidFill>
+                          <a:effectLst/>
+                          <a:latin typeface="Aptos Narrow" panose="020B0004020202020204" pitchFamily="34" charset="0"/>
+                        </a:rPr>
+                        <a:t>0.750000</a:t>
+                      </a:r>
+                    </a:p>
+                  </a:txBody>
+                  <a:tcPr marL="9525" marR="9525" marT="9525" marB="0" anchor="b">
+                    <a:lnL w="6350" cap="flat" cmpd="sng" algn="ctr">
+                      <a:solidFill>
+                        <a:srgbClr val="000000"/>
+                      </a:solidFill>
+                      <a:prstDash val="solid"/>
+                      <a:round/>
+                      <a:headEnd type="none" w="med" len="med"/>
+                      <a:tailEnd type="none" w="med" len="med"/>
+                    </a:lnL>
+                    <a:lnR w="6350" cap="flat" cmpd="sng" algn="ctr">
+                      <a:solidFill>
+                        <a:srgbClr val="000000"/>
+                      </a:solidFill>
+                      <a:prstDash val="solid"/>
+                      <a:round/>
+                      <a:headEnd type="none" w="med" len="med"/>
+                      <a:tailEnd type="none" w="med" len="med"/>
+                    </a:lnR>
+                    <a:lnT w="6350" cap="flat" cmpd="sng" algn="ctr">
+                      <a:solidFill>
+                        <a:srgbClr val="000000"/>
+                      </a:solidFill>
+                      <a:prstDash val="solid"/>
+                      <a:round/>
+                      <a:headEnd type="none" w="med" len="med"/>
+                      <a:tailEnd type="none" w="med" len="med"/>
+                    </a:lnT>
+                    <a:lnB w="6350" cap="flat" cmpd="sng" algn="ctr">
+                      <a:solidFill>
+                        <a:srgbClr val="000000"/>
+                      </a:solidFill>
+                      <a:prstDash val="solid"/>
+                      <a:round/>
+                      <a:headEnd type="none" w="med" len="med"/>
+                      <a:tailEnd type="none" w="med" len="med"/>
+                    </a:lnB>
+                    <a:noFill/>
+                  </a:tcPr>
+                </a:tc>
+                <a:tc>
+                  <a:txBody>
+                    <a:bodyPr/>
+                    <a:lstStyle/>
+                    <a:p>
+                      <a:pPr algn="ctr" fontAlgn="b"/>
+                      <a:r>
+                        <a:rPr lang="es-CL" sz="1100" b="0" i="0" u="none" strike="noStrike">
+                          <a:solidFill>
+                            <a:srgbClr val="000000"/>
+                          </a:solidFill>
+                          <a:effectLst/>
+                          <a:latin typeface="Aptos Narrow" panose="020B0004020202020204" pitchFamily="34" charset="0"/>
+                        </a:rPr>
+                        <a:t>0.750000</a:t>
+                      </a:r>
+                    </a:p>
+                  </a:txBody>
+                  <a:tcPr marL="9525" marR="9525" marT="9525" marB="0" anchor="b">
+                    <a:lnL w="6350" cap="flat" cmpd="sng" algn="ctr">
+                      <a:solidFill>
+                        <a:srgbClr val="000000"/>
+                      </a:solidFill>
+                      <a:prstDash val="solid"/>
+                      <a:round/>
+                      <a:headEnd type="none" w="med" len="med"/>
+                      <a:tailEnd type="none" w="med" len="med"/>
+                    </a:lnL>
+                    <a:lnR w="6350" cap="flat" cmpd="sng" algn="ctr">
+                      <a:solidFill>
+                        <a:srgbClr val="000000"/>
+                      </a:solidFill>
+                      <a:prstDash val="solid"/>
+                      <a:round/>
+                      <a:headEnd type="none" w="med" len="med"/>
+                      <a:tailEnd type="none" w="med" len="med"/>
+                    </a:lnR>
+                    <a:lnT w="6350" cap="flat" cmpd="sng" algn="ctr">
+                      <a:solidFill>
+                        <a:srgbClr val="000000"/>
+                      </a:solidFill>
+                      <a:prstDash val="solid"/>
+                      <a:round/>
+                      <a:headEnd type="none" w="med" len="med"/>
+                      <a:tailEnd type="none" w="med" len="med"/>
+                    </a:lnT>
+                    <a:lnB w="6350" cap="flat" cmpd="sng" algn="ctr">
+                      <a:solidFill>
+                        <a:srgbClr val="000000"/>
+                      </a:solidFill>
+                      <a:prstDash val="solid"/>
+                      <a:round/>
+                      <a:headEnd type="none" w="med" len="med"/>
+                      <a:tailEnd type="none" w="med" len="med"/>
+                    </a:lnB>
+                    <a:noFill/>
+                  </a:tcPr>
+                </a:tc>
+                <a:tc>
+                  <a:txBody>
+                    <a:bodyPr/>
+                    <a:lstStyle/>
+                    <a:p>
+                      <a:pPr algn="ctr" fontAlgn="b"/>
+                      <a:r>
+                        <a:rPr lang="es-CL" sz="1100" b="0" i="0" u="none" strike="noStrike">
+                          <a:solidFill>
+                            <a:srgbClr val="000000"/>
+                          </a:solidFill>
+                          <a:effectLst/>
+                          <a:latin typeface="Aptos Narrow" panose="020B0004020202020204" pitchFamily="34" charset="0"/>
+                        </a:rPr>
+                        <a:t>10.000</a:t>
+                      </a:r>
+                    </a:p>
+                  </a:txBody>
+                  <a:tcPr marL="9525" marR="9525" marT="9525" marB="0" anchor="b">
+                    <a:lnL w="6350" cap="flat" cmpd="sng" algn="ctr">
+                      <a:solidFill>
+                        <a:srgbClr val="000000"/>
+                      </a:solidFill>
+                      <a:prstDash val="solid"/>
+                      <a:round/>
+                      <a:headEnd type="none" w="med" len="med"/>
+                      <a:tailEnd type="none" w="med" len="med"/>
+                    </a:lnL>
+                    <a:lnR w="6350" cap="flat" cmpd="sng" algn="ctr">
+                      <a:solidFill>
+                        <a:srgbClr val="000000"/>
+                      </a:solidFill>
+                      <a:prstDash val="solid"/>
+                      <a:round/>
+                      <a:headEnd type="none" w="med" len="med"/>
+                      <a:tailEnd type="none" w="med" len="med"/>
+                    </a:lnR>
+                    <a:lnT w="6350" cap="flat" cmpd="sng" algn="ctr">
+                      <a:solidFill>
+                        <a:srgbClr val="000000"/>
+                      </a:solidFill>
+                      <a:prstDash val="solid"/>
+                      <a:round/>
+                      <a:headEnd type="none" w="med" len="med"/>
+                      <a:tailEnd type="none" w="med" len="med"/>
+                    </a:lnT>
+                    <a:lnB w="6350" cap="flat" cmpd="sng" algn="ctr">
+                      <a:solidFill>
+                        <a:srgbClr val="000000"/>
+                      </a:solidFill>
+                      <a:prstDash val="solid"/>
+                      <a:round/>
+                      <a:headEnd type="none" w="med" len="med"/>
+                      <a:tailEnd type="none" w="med" len="med"/>
+                    </a:lnB>
+                    <a:noFill/>
+                  </a:tcPr>
+                </a:tc>
+                <a:tc>
+                  <a:txBody>
+                    <a:bodyPr/>
+                    <a:lstStyle/>
+                    <a:p>
+                      <a:pPr algn="ctr" fontAlgn="b"/>
+                      <a:r>
+                        <a:rPr lang="es-CL" sz="1100" b="0" i="0" u="none" strike="noStrike">
+                          <a:solidFill>
+                            <a:srgbClr val="000000"/>
+                          </a:solidFill>
+                          <a:effectLst/>
+                          <a:latin typeface="Aptos Narrow" panose="020B0004020202020204" pitchFamily="34" charset="0"/>
+                        </a:rPr>
+                        <a:t>0.857143</a:t>
+                      </a:r>
+                    </a:p>
+                  </a:txBody>
+                  <a:tcPr marL="9525" marR="9525" marT="9525" marB="0" anchor="b">
+                    <a:lnL w="6350" cap="flat" cmpd="sng" algn="ctr">
+                      <a:solidFill>
+                        <a:srgbClr val="000000"/>
+                      </a:solidFill>
+                      <a:prstDash val="solid"/>
+                      <a:round/>
+                      <a:headEnd type="none" w="med" len="med"/>
+                      <a:tailEnd type="none" w="med" len="med"/>
+                    </a:lnL>
+                    <a:lnR w="6350" cap="flat" cmpd="sng" algn="ctr">
+                      <a:solidFill>
+                        <a:srgbClr val="000000"/>
+                      </a:solidFill>
+                      <a:prstDash val="solid"/>
+                      <a:round/>
+                      <a:headEnd type="none" w="med" len="med"/>
+                      <a:tailEnd type="none" w="med" len="med"/>
+                    </a:lnR>
+                    <a:lnT w="6350" cap="flat" cmpd="sng" algn="ctr">
+                      <a:solidFill>
+                        <a:srgbClr val="000000"/>
+                      </a:solidFill>
+                      <a:prstDash val="solid"/>
+                      <a:round/>
+                      <a:headEnd type="none" w="med" len="med"/>
+                      <a:tailEnd type="none" w="med" len="med"/>
+                    </a:lnT>
+                    <a:lnB w="6350" cap="flat" cmpd="sng" algn="ctr">
+                      <a:solidFill>
+                        <a:srgbClr val="000000"/>
+                      </a:solidFill>
+                      <a:prstDash val="solid"/>
+                      <a:round/>
+                      <a:headEnd type="none" w="med" len="med"/>
+                      <a:tailEnd type="none" w="med" len="med"/>
+                    </a:lnB>
+                    <a:noFill/>
+                  </a:tcPr>
+                </a:tc>
+                <a:extLst>
+                  <a:ext uri="{0D108BD9-81ED-4DB2-BD59-A6C34878D82A}">
+                    <a16:rowId xmlns:a16="http://schemas.microsoft.com/office/drawing/2014/main" val="624491261"/>
+                  </a:ext>
+                </a:extLst>
+              </a:tr>
+              <a:tr h="461408">
+                <a:tc>
+                  <a:txBody>
+                    <a:bodyPr/>
+                    <a:lstStyle/>
+                    <a:p>
+                      <a:pPr algn="l" fontAlgn="b"/>
+                      <a:r>
+                        <a:rPr lang="es-CL" sz="1100" b="0" i="0" u="none" strike="noStrike">
+                          <a:solidFill>
+                            <a:srgbClr val="000000"/>
+                          </a:solidFill>
+                          <a:effectLst/>
+                          <a:latin typeface="Aptos Narrow" panose="020B0004020202020204" pitchFamily="34" charset="0"/>
+                        </a:rPr>
+                        <a:t>ELSALTO</a:t>
+                      </a:r>
+                    </a:p>
+                  </a:txBody>
+                  <a:tcPr marL="9525" marR="9525" marT="9525" marB="0" anchor="b">
+                    <a:lnL w="6350" cap="flat" cmpd="sng" algn="ctr">
+                      <a:solidFill>
+                        <a:srgbClr val="000000"/>
+                      </a:solidFill>
+                      <a:prstDash val="solid"/>
+                      <a:round/>
+                      <a:headEnd type="none" w="med" len="med"/>
+                      <a:tailEnd type="none" w="med" len="med"/>
+                    </a:lnL>
+                    <a:lnR w="6350" cap="flat" cmpd="sng" algn="ctr">
+                      <a:solidFill>
+                        <a:srgbClr val="000000"/>
+                      </a:solidFill>
+                      <a:prstDash val="solid"/>
+                      <a:round/>
+                      <a:headEnd type="none" w="med" len="med"/>
+                      <a:tailEnd type="none" w="med" len="med"/>
+                    </a:lnR>
+                    <a:lnT w="6350" cap="flat" cmpd="sng" algn="ctr">
+                      <a:solidFill>
+                        <a:srgbClr val="000000"/>
+                      </a:solidFill>
+                      <a:prstDash val="solid"/>
+                      <a:round/>
+                      <a:headEnd type="none" w="med" len="med"/>
+                      <a:tailEnd type="none" w="med" len="med"/>
+                    </a:lnT>
+                    <a:lnB w="6350" cap="flat" cmpd="sng" algn="ctr">
+                      <a:solidFill>
+                        <a:srgbClr val="000000"/>
+                      </a:solidFill>
+                      <a:prstDash val="solid"/>
+                      <a:round/>
+                      <a:headEnd type="none" w="med" len="med"/>
+                      <a:tailEnd type="none" w="med" len="med"/>
+                    </a:lnB>
+                    <a:noFill/>
+                  </a:tcPr>
+                </a:tc>
+                <a:tc>
+                  <a:txBody>
+                    <a:bodyPr/>
+                    <a:lstStyle/>
+                    <a:p>
+                      <a:pPr algn="ctr" fontAlgn="b"/>
+                      <a:r>
+                        <a:rPr lang="es-CL" sz="1100" b="0" i="0" u="none" strike="noStrike">
+                          <a:solidFill>
+                            <a:srgbClr val="000000"/>
+                          </a:solidFill>
+                          <a:effectLst/>
+                          <a:latin typeface="Aptos Narrow" panose="020B0004020202020204" pitchFamily="34" charset="0"/>
+                        </a:rPr>
+                        <a:t>65.936.739</a:t>
+                      </a:r>
+                    </a:p>
+                  </a:txBody>
+                  <a:tcPr marL="9525" marR="9525" marT="9525" marB="0" anchor="b">
+                    <a:lnL w="6350" cap="flat" cmpd="sng" algn="ctr">
+                      <a:solidFill>
+                        <a:srgbClr val="000000"/>
+                      </a:solidFill>
+                      <a:prstDash val="solid"/>
+                      <a:round/>
+                      <a:headEnd type="none" w="med" len="med"/>
+                      <a:tailEnd type="none" w="med" len="med"/>
+                    </a:lnL>
+                    <a:lnR w="6350" cap="flat" cmpd="sng" algn="ctr">
+                      <a:solidFill>
+                        <a:srgbClr val="000000"/>
+                      </a:solidFill>
+                      <a:prstDash val="solid"/>
+                      <a:round/>
+                      <a:headEnd type="none" w="med" len="med"/>
+                      <a:tailEnd type="none" w="med" len="med"/>
+                    </a:lnR>
+                    <a:lnT w="6350" cap="flat" cmpd="sng" algn="ctr">
+                      <a:solidFill>
+                        <a:srgbClr val="000000"/>
+                      </a:solidFill>
+                      <a:prstDash val="solid"/>
+                      <a:round/>
+                      <a:headEnd type="none" w="med" len="med"/>
+                      <a:tailEnd type="none" w="med" len="med"/>
+                    </a:lnT>
+                    <a:lnB w="6350" cap="flat" cmpd="sng" algn="ctr">
+                      <a:solidFill>
+                        <a:srgbClr val="000000"/>
+                      </a:solidFill>
+                      <a:prstDash val="solid"/>
+                      <a:round/>
+                      <a:headEnd type="none" w="med" len="med"/>
+                      <a:tailEnd type="none" w="med" len="med"/>
+                    </a:lnB>
+                    <a:noFill/>
+                  </a:tcPr>
+                </a:tc>
+                <a:tc>
+                  <a:txBody>
+                    <a:bodyPr/>
+                    <a:lstStyle/>
+                    <a:p>
+                      <a:pPr algn="ctr" fontAlgn="b"/>
+                      <a:r>
+                        <a:rPr lang="es-CL" sz="1100" b="0" i="0" u="none" strike="noStrike">
+                          <a:solidFill>
+                            <a:srgbClr val="000000"/>
+                          </a:solidFill>
+                          <a:effectLst/>
+                          <a:latin typeface="Aptos Narrow" panose="020B0004020202020204" pitchFamily="34" charset="0"/>
+                        </a:rPr>
+                        <a:t>5.537.681.173</a:t>
+                      </a:r>
+                    </a:p>
+                  </a:txBody>
+                  <a:tcPr marL="9525" marR="9525" marT="9525" marB="0" anchor="b">
+                    <a:lnL w="6350" cap="flat" cmpd="sng" algn="ctr">
+                      <a:solidFill>
+                        <a:srgbClr val="000000"/>
+                      </a:solidFill>
+                      <a:prstDash val="solid"/>
+                      <a:round/>
+                      <a:headEnd type="none" w="med" len="med"/>
+                      <a:tailEnd type="none" w="med" len="med"/>
+                    </a:lnL>
+                    <a:lnR w="6350" cap="flat" cmpd="sng" algn="ctr">
+                      <a:solidFill>
+                        <a:srgbClr val="000000"/>
+                      </a:solidFill>
+                      <a:prstDash val="solid"/>
+                      <a:round/>
+                      <a:headEnd type="none" w="med" len="med"/>
+                      <a:tailEnd type="none" w="med" len="med"/>
+                    </a:lnR>
+                    <a:lnT w="6350" cap="flat" cmpd="sng" algn="ctr">
+                      <a:solidFill>
+                        <a:srgbClr val="000000"/>
+                      </a:solidFill>
+                      <a:prstDash val="solid"/>
+                      <a:round/>
+                      <a:headEnd type="none" w="med" len="med"/>
+                      <a:tailEnd type="none" w="med" len="med"/>
+                    </a:lnT>
+                    <a:lnB w="6350" cap="flat" cmpd="sng" algn="ctr">
+                      <a:solidFill>
+                        <a:srgbClr val="000000"/>
+                      </a:solidFill>
+                      <a:prstDash val="solid"/>
+                      <a:round/>
+                      <a:headEnd type="none" w="med" len="med"/>
+                      <a:tailEnd type="none" w="med" len="med"/>
+                    </a:lnB>
+                    <a:noFill/>
+                  </a:tcPr>
+                </a:tc>
+                <a:tc>
+                  <a:txBody>
+                    <a:bodyPr/>
+                    <a:lstStyle/>
+                    <a:p>
+                      <a:pPr algn="ctr" fontAlgn="b"/>
+                      <a:r>
+                        <a:rPr lang="es-CL" sz="1100" b="0" i="0" u="none" strike="noStrike" dirty="0">
+                          <a:solidFill>
+                            <a:srgbClr val="000000"/>
+                          </a:solidFill>
+                          <a:effectLst/>
+                          <a:latin typeface="Aptos Narrow" panose="020B0004020202020204" pitchFamily="34" charset="0"/>
+                        </a:rPr>
+                        <a:t>0.708333</a:t>
+                      </a:r>
+                    </a:p>
+                  </a:txBody>
+                  <a:tcPr marL="9525" marR="9525" marT="9525" marB="0" anchor="b">
+                    <a:lnL w="6350" cap="flat" cmpd="sng" algn="ctr">
+                      <a:solidFill>
+                        <a:srgbClr val="000000"/>
+                      </a:solidFill>
+                      <a:prstDash val="solid"/>
+                      <a:round/>
+                      <a:headEnd type="none" w="med" len="med"/>
+                      <a:tailEnd type="none" w="med" len="med"/>
+                    </a:lnL>
+                    <a:lnR w="6350" cap="flat" cmpd="sng" algn="ctr">
+                      <a:solidFill>
+                        <a:srgbClr val="000000"/>
+                      </a:solidFill>
+                      <a:prstDash val="solid"/>
+                      <a:round/>
+                      <a:headEnd type="none" w="med" len="med"/>
+                      <a:tailEnd type="none" w="med" len="med"/>
+                    </a:lnR>
+                    <a:lnT w="6350" cap="flat" cmpd="sng" algn="ctr">
+                      <a:solidFill>
+                        <a:srgbClr val="000000"/>
+                      </a:solidFill>
+                      <a:prstDash val="solid"/>
+                      <a:round/>
+                      <a:headEnd type="none" w="med" len="med"/>
+                      <a:tailEnd type="none" w="med" len="med"/>
+                    </a:lnT>
+                    <a:lnB w="6350" cap="flat" cmpd="sng" algn="ctr">
+                      <a:solidFill>
+                        <a:srgbClr val="000000"/>
+                      </a:solidFill>
+                      <a:prstDash val="solid"/>
+                      <a:round/>
+                      <a:headEnd type="none" w="med" len="med"/>
+                      <a:tailEnd type="none" w="med" len="med"/>
+                    </a:lnB>
+                    <a:noFill/>
+                  </a:tcPr>
+                </a:tc>
+                <a:tc>
+                  <a:txBody>
+                    <a:bodyPr/>
+                    <a:lstStyle/>
+                    <a:p>
+                      <a:pPr algn="ctr" fontAlgn="b"/>
+                      <a:r>
+                        <a:rPr lang="es-CL" sz="1100" b="0" i="0" u="none" strike="noStrike" dirty="0">
+                          <a:solidFill>
+                            <a:srgbClr val="000000"/>
+                          </a:solidFill>
+                          <a:effectLst/>
+                          <a:latin typeface="Aptos Narrow" panose="020B0004020202020204" pitchFamily="34" charset="0"/>
+                        </a:rPr>
+                        <a:t>0.708333</a:t>
+                      </a:r>
+                    </a:p>
+                  </a:txBody>
+                  <a:tcPr marL="9525" marR="9525" marT="9525" marB="0" anchor="b">
+                    <a:lnL w="6350" cap="flat" cmpd="sng" algn="ctr">
+                      <a:solidFill>
+                        <a:srgbClr val="000000"/>
+                      </a:solidFill>
+                      <a:prstDash val="solid"/>
+                      <a:round/>
+                      <a:headEnd type="none" w="med" len="med"/>
+                      <a:tailEnd type="none" w="med" len="med"/>
+                    </a:lnL>
+                    <a:lnR w="6350" cap="flat" cmpd="sng" algn="ctr">
+                      <a:solidFill>
+                        <a:srgbClr val="000000"/>
+                      </a:solidFill>
+                      <a:prstDash val="solid"/>
+                      <a:round/>
+                      <a:headEnd type="none" w="med" len="med"/>
+                      <a:tailEnd type="none" w="med" len="med"/>
+                    </a:lnR>
+                    <a:lnT w="6350" cap="flat" cmpd="sng" algn="ctr">
+                      <a:solidFill>
+                        <a:srgbClr val="000000"/>
+                      </a:solidFill>
+                      <a:prstDash val="solid"/>
+                      <a:round/>
+                      <a:headEnd type="none" w="med" len="med"/>
+                      <a:tailEnd type="none" w="med" len="med"/>
+                    </a:lnT>
+                    <a:lnB w="6350" cap="flat" cmpd="sng" algn="ctr">
+                      <a:solidFill>
+                        <a:srgbClr val="000000"/>
+                      </a:solidFill>
+                      <a:prstDash val="solid"/>
+                      <a:round/>
+                      <a:headEnd type="none" w="med" len="med"/>
+                      <a:tailEnd type="none" w="med" len="med"/>
+                    </a:lnB>
+                    <a:noFill/>
+                  </a:tcPr>
+                </a:tc>
+                <a:tc>
+                  <a:txBody>
+                    <a:bodyPr/>
+                    <a:lstStyle/>
+                    <a:p>
+                      <a:pPr algn="ctr" fontAlgn="b"/>
+                      <a:r>
+                        <a:rPr lang="es-CL" sz="1100" b="0" i="0" u="none" strike="noStrike">
+                          <a:solidFill>
+                            <a:srgbClr val="000000"/>
+                          </a:solidFill>
+                          <a:effectLst/>
+                          <a:latin typeface="Aptos Narrow" panose="020B0004020202020204" pitchFamily="34" charset="0"/>
+                        </a:rPr>
+                        <a:t>10.000</a:t>
+                      </a:r>
+                    </a:p>
+                  </a:txBody>
+                  <a:tcPr marL="9525" marR="9525" marT="9525" marB="0" anchor="b">
+                    <a:lnL w="6350" cap="flat" cmpd="sng" algn="ctr">
+                      <a:solidFill>
+                        <a:srgbClr val="000000"/>
+                      </a:solidFill>
+                      <a:prstDash val="solid"/>
+                      <a:round/>
+                      <a:headEnd type="none" w="med" len="med"/>
+                      <a:tailEnd type="none" w="med" len="med"/>
+                    </a:lnL>
+                    <a:lnR w="6350" cap="flat" cmpd="sng" algn="ctr">
+                      <a:solidFill>
+                        <a:srgbClr val="000000"/>
+                      </a:solidFill>
+                      <a:prstDash val="solid"/>
+                      <a:round/>
+                      <a:headEnd type="none" w="med" len="med"/>
+                      <a:tailEnd type="none" w="med" len="med"/>
+                    </a:lnR>
+                    <a:lnT w="6350" cap="flat" cmpd="sng" algn="ctr">
+                      <a:solidFill>
+                        <a:srgbClr val="000000"/>
+                      </a:solidFill>
+                      <a:prstDash val="solid"/>
+                      <a:round/>
+                      <a:headEnd type="none" w="med" len="med"/>
+                      <a:tailEnd type="none" w="med" len="med"/>
+                    </a:lnT>
+                    <a:lnB w="6350" cap="flat" cmpd="sng" algn="ctr">
+                      <a:solidFill>
+                        <a:srgbClr val="000000"/>
+                      </a:solidFill>
+                      <a:prstDash val="solid"/>
+                      <a:round/>
+                      <a:headEnd type="none" w="med" len="med"/>
+                      <a:tailEnd type="none" w="med" len="med"/>
+                    </a:lnB>
+                    <a:noFill/>
+                  </a:tcPr>
+                </a:tc>
+                <a:tc>
+                  <a:txBody>
+                    <a:bodyPr/>
+                    <a:lstStyle/>
+                    <a:p>
+                      <a:pPr algn="ctr" fontAlgn="b"/>
+                      <a:r>
+                        <a:rPr lang="es-CL" sz="1100" b="0" i="0" u="none" strike="noStrike">
+                          <a:solidFill>
+                            <a:srgbClr val="000000"/>
+                          </a:solidFill>
+                          <a:effectLst/>
+                          <a:latin typeface="Aptos Narrow" panose="020B0004020202020204" pitchFamily="34" charset="0"/>
+                        </a:rPr>
+                        <a:t>0.829268</a:t>
+                      </a:r>
+                    </a:p>
+                  </a:txBody>
+                  <a:tcPr marL="9525" marR="9525" marT="9525" marB="0" anchor="b">
+                    <a:lnL w="6350" cap="flat" cmpd="sng" algn="ctr">
+                      <a:solidFill>
+                        <a:srgbClr val="000000"/>
+                      </a:solidFill>
+                      <a:prstDash val="solid"/>
+                      <a:round/>
+                      <a:headEnd type="none" w="med" len="med"/>
+                      <a:tailEnd type="none" w="med" len="med"/>
+                    </a:lnL>
+                    <a:lnR w="6350" cap="flat" cmpd="sng" algn="ctr">
+                      <a:solidFill>
+                        <a:srgbClr val="000000"/>
+                      </a:solidFill>
+                      <a:prstDash val="solid"/>
+                      <a:round/>
+                      <a:headEnd type="none" w="med" len="med"/>
+                      <a:tailEnd type="none" w="med" len="med"/>
+                    </a:lnR>
+                    <a:lnT w="6350" cap="flat" cmpd="sng" algn="ctr">
+                      <a:solidFill>
+                        <a:srgbClr val="000000"/>
+                      </a:solidFill>
+                      <a:prstDash val="solid"/>
+                      <a:round/>
+                      <a:headEnd type="none" w="med" len="med"/>
+                      <a:tailEnd type="none" w="med" len="med"/>
+                    </a:lnT>
+                    <a:lnB w="6350" cap="flat" cmpd="sng" algn="ctr">
+                      <a:solidFill>
+                        <a:srgbClr val="000000"/>
+                      </a:solidFill>
+                      <a:prstDash val="solid"/>
+                      <a:round/>
+                      <a:headEnd type="none" w="med" len="med"/>
+                      <a:tailEnd type="none" w="med" len="med"/>
+                    </a:lnB>
+                    <a:noFill/>
+                  </a:tcPr>
+                </a:tc>
+                <a:extLst>
+                  <a:ext uri="{0D108BD9-81ED-4DB2-BD59-A6C34878D82A}">
+                    <a16:rowId xmlns:a16="http://schemas.microsoft.com/office/drawing/2014/main" val="684931396"/>
+                  </a:ext>
+                </a:extLst>
+              </a:tr>
+              <a:tr h="461408">
+                <a:tc>
+                  <a:txBody>
+                    <a:bodyPr/>
+                    <a:lstStyle/>
+                    <a:p>
+                      <a:pPr algn="l" fontAlgn="b"/>
+                      <a:r>
+                        <a:rPr lang="es-CL" sz="1100" b="0" i="0" u="none" strike="noStrike">
+                          <a:solidFill>
+                            <a:srgbClr val="000000"/>
+                          </a:solidFill>
+                          <a:effectLst/>
+                          <a:latin typeface="Aptos Narrow" panose="020B0004020202020204" pitchFamily="34" charset="0"/>
+                        </a:rPr>
+                        <a:t>FLORIDA</a:t>
+                      </a:r>
+                    </a:p>
+                  </a:txBody>
+                  <a:tcPr marL="9525" marR="9525" marT="9525" marB="0" anchor="b">
+                    <a:lnL w="6350" cap="flat" cmpd="sng" algn="ctr">
+                      <a:solidFill>
+                        <a:srgbClr val="000000"/>
+                      </a:solidFill>
+                      <a:prstDash val="solid"/>
+                      <a:round/>
+                      <a:headEnd type="none" w="med" len="med"/>
+                      <a:tailEnd type="none" w="med" len="med"/>
+                    </a:lnL>
+                    <a:lnR w="6350" cap="flat" cmpd="sng" algn="ctr">
+                      <a:solidFill>
+                        <a:srgbClr val="000000"/>
+                      </a:solidFill>
+                      <a:prstDash val="solid"/>
+                      <a:round/>
+                      <a:headEnd type="none" w="med" len="med"/>
+                      <a:tailEnd type="none" w="med" len="med"/>
+                    </a:lnR>
+                    <a:lnT w="6350" cap="flat" cmpd="sng" algn="ctr">
+                      <a:solidFill>
+                        <a:srgbClr val="000000"/>
+                      </a:solidFill>
+                      <a:prstDash val="solid"/>
+                      <a:round/>
+                      <a:headEnd type="none" w="med" len="med"/>
+                      <a:tailEnd type="none" w="med" len="med"/>
+                    </a:lnT>
+                    <a:lnB w="6350" cap="flat" cmpd="sng" algn="ctr">
+                      <a:solidFill>
+                        <a:srgbClr val="000000"/>
+                      </a:solidFill>
+                      <a:prstDash val="solid"/>
+                      <a:round/>
+                      <a:headEnd type="none" w="med" len="med"/>
+                      <a:tailEnd type="none" w="med" len="med"/>
+                    </a:lnB>
+                    <a:noFill/>
+                  </a:tcPr>
+                </a:tc>
+                <a:tc>
+                  <a:txBody>
+                    <a:bodyPr/>
+                    <a:lstStyle/>
+                    <a:p>
+                      <a:pPr algn="ctr" fontAlgn="b"/>
+                      <a:r>
+                        <a:rPr lang="es-CL" sz="1100" b="0" i="0" u="none" strike="noStrike">
+                          <a:solidFill>
+                            <a:srgbClr val="000000"/>
+                          </a:solidFill>
+                          <a:effectLst/>
+                          <a:latin typeface="Aptos Narrow" panose="020B0004020202020204" pitchFamily="34" charset="0"/>
+                        </a:rPr>
+                        <a:t>6.874.522</a:t>
+                      </a:r>
+                    </a:p>
+                  </a:txBody>
+                  <a:tcPr marL="9525" marR="9525" marT="9525" marB="0" anchor="b">
+                    <a:lnL w="6350" cap="flat" cmpd="sng" algn="ctr">
+                      <a:solidFill>
+                        <a:srgbClr val="000000"/>
+                      </a:solidFill>
+                      <a:prstDash val="solid"/>
+                      <a:round/>
+                      <a:headEnd type="none" w="med" len="med"/>
+                      <a:tailEnd type="none" w="med" len="med"/>
+                    </a:lnL>
+                    <a:lnR w="6350" cap="flat" cmpd="sng" algn="ctr">
+                      <a:solidFill>
+                        <a:srgbClr val="000000"/>
+                      </a:solidFill>
+                      <a:prstDash val="solid"/>
+                      <a:round/>
+                      <a:headEnd type="none" w="med" len="med"/>
+                      <a:tailEnd type="none" w="med" len="med"/>
+                    </a:lnR>
+                    <a:lnT w="6350" cap="flat" cmpd="sng" algn="ctr">
+                      <a:solidFill>
+                        <a:srgbClr val="000000"/>
+                      </a:solidFill>
+                      <a:prstDash val="solid"/>
+                      <a:round/>
+                      <a:headEnd type="none" w="med" len="med"/>
+                      <a:tailEnd type="none" w="med" len="med"/>
+                    </a:lnT>
+                    <a:lnB w="6350" cap="flat" cmpd="sng" algn="ctr">
+                      <a:solidFill>
+                        <a:srgbClr val="000000"/>
+                      </a:solidFill>
+                      <a:prstDash val="solid"/>
+                      <a:round/>
+                      <a:headEnd type="none" w="med" len="med"/>
+                      <a:tailEnd type="none" w="med" len="med"/>
+                    </a:lnB>
+                    <a:noFill/>
+                  </a:tcPr>
+                </a:tc>
+                <a:tc>
+                  <a:txBody>
+                    <a:bodyPr/>
+                    <a:lstStyle/>
+                    <a:p>
+                      <a:pPr algn="ctr" fontAlgn="b"/>
+                      <a:r>
+                        <a:rPr lang="es-CL" sz="1100" b="0" i="0" u="none" strike="noStrike">
+                          <a:solidFill>
+                            <a:srgbClr val="000000"/>
+                          </a:solidFill>
+                          <a:effectLst/>
+                          <a:latin typeface="Aptos Narrow" panose="020B0004020202020204" pitchFamily="34" charset="0"/>
+                        </a:rPr>
+                        <a:t>67.127.425</a:t>
+                      </a:r>
+                    </a:p>
+                  </a:txBody>
+                  <a:tcPr marL="9525" marR="9525" marT="9525" marB="0" anchor="b">
+                    <a:lnL w="6350" cap="flat" cmpd="sng" algn="ctr">
+                      <a:solidFill>
+                        <a:srgbClr val="000000"/>
+                      </a:solidFill>
+                      <a:prstDash val="solid"/>
+                      <a:round/>
+                      <a:headEnd type="none" w="med" len="med"/>
+                      <a:tailEnd type="none" w="med" len="med"/>
+                    </a:lnL>
+                    <a:lnR w="6350" cap="flat" cmpd="sng" algn="ctr">
+                      <a:solidFill>
+                        <a:srgbClr val="000000"/>
+                      </a:solidFill>
+                      <a:prstDash val="solid"/>
+                      <a:round/>
+                      <a:headEnd type="none" w="med" len="med"/>
+                      <a:tailEnd type="none" w="med" len="med"/>
+                    </a:lnR>
+                    <a:lnT w="6350" cap="flat" cmpd="sng" algn="ctr">
+                      <a:solidFill>
+                        <a:srgbClr val="000000"/>
+                      </a:solidFill>
+                      <a:prstDash val="solid"/>
+                      <a:round/>
+                      <a:headEnd type="none" w="med" len="med"/>
+                      <a:tailEnd type="none" w="med" len="med"/>
+                    </a:lnT>
+                    <a:lnB w="6350" cap="flat" cmpd="sng" algn="ctr">
+                      <a:solidFill>
+                        <a:srgbClr val="000000"/>
+                      </a:solidFill>
+                      <a:prstDash val="solid"/>
+                      <a:round/>
+                      <a:headEnd type="none" w="med" len="med"/>
+                      <a:tailEnd type="none" w="med" len="med"/>
+                    </a:lnB>
+                    <a:noFill/>
+                  </a:tcPr>
+                </a:tc>
+                <a:tc>
+                  <a:txBody>
+                    <a:bodyPr/>
+                    <a:lstStyle/>
+                    <a:p>
+                      <a:pPr algn="ctr" fontAlgn="b"/>
+                      <a:r>
+                        <a:rPr lang="es-CL" sz="1100" b="0" i="0" u="none" strike="noStrike">
+                          <a:solidFill>
+                            <a:srgbClr val="000000"/>
+                          </a:solidFill>
+                          <a:effectLst/>
+                          <a:latin typeface="Aptos Narrow" panose="020B0004020202020204" pitchFamily="34" charset="0"/>
+                        </a:rPr>
+                        <a:t>0.625000</a:t>
+                      </a:r>
+                    </a:p>
+                  </a:txBody>
+                  <a:tcPr marL="9525" marR="9525" marT="9525" marB="0" anchor="b">
+                    <a:lnL w="6350" cap="flat" cmpd="sng" algn="ctr">
+                      <a:solidFill>
+                        <a:srgbClr val="000000"/>
+                      </a:solidFill>
+                      <a:prstDash val="solid"/>
+                      <a:round/>
+                      <a:headEnd type="none" w="med" len="med"/>
+                      <a:tailEnd type="none" w="med" len="med"/>
+                    </a:lnL>
+                    <a:lnR w="6350" cap="flat" cmpd="sng" algn="ctr">
+                      <a:solidFill>
+                        <a:srgbClr val="000000"/>
+                      </a:solidFill>
+                      <a:prstDash val="solid"/>
+                      <a:round/>
+                      <a:headEnd type="none" w="med" len="med"/>
+                      <a:tailEnd type="none" w="med" len="med"/>
+                    </a:lnR>
+                    <a:lnT w="6350" cap="flat" cmpd="sng" algn="ctr">
+                      <a:solidFill>
+                        <a:srgbClr val="000000"/>
+                      </a:solidFill>
+                      <a:prstDash val="solid"/>
+                      <a:round/>
+                      <a:headEnd type="none" w="med" len="med"/>
+                      <a:tailEnd type="none" w="med" len="med"/>
+                    </a:lnT>
+                    <a:lnB w="6350" cap="flat" cmpd="sng" algn="ctr">
+                      <a:solidFill>
+                        <a:srgbClr val="000000"/>
+                      </a:solidFill>
+                      <a:prstDash val="solid"/>
+                      <a:round/>
+                      <a:headEnd type="none" w="med" len="med"/>
+                      <a:tailEnd type="none" w="med" len="med"/>
+                    </a:lnB>
+                    <a:noFill/>
+                  </a:tcPr>
+                </a:tc>
+                <a:tc>
+                  <a:txBody>
+                    <a:bodyPr/>
+                    <a:lstStyle/>
+                    <a:p>
+                      <a:pPr algn="ctr" fontAlgn="b"/>
+                      <a:r>
+                        <a:rPr lang="es-CL" sz="1100" b="0" i="0" u="none" strike="noStrike" dirty="0">
+                          <a:solidFill>
+                            <a:srgbClr val="000000"/>
+                          </a:solidFill>
+                          <a:effectLst/>
+                          <a:latin typeface="Aptos Narrow" panose="020B0004020202020204" pitchFamily="34" charset="0"/>
+                        </a:rPr>
+                        <a:t>0.000000</a:t>
+                      </a:r>
+                    </a:p>
+                  </a:txBody>
+                  <a:tcPr marL="9525" marR="9525" marT="9525" marB="0" anchor="b">
+                    <a:lnL w="6350" cap="flat" cmpd="sng" algn="ctr">
+                      <a:solidFill>
+                        <a:srgbClr val="000000"/>
+                      </a:solidFill>
+                      <a:prstDash val="solid"/>
+                      <a:round/>
+                      <a:headEnd type="none" w="med" len="med"/>
+                      <a:tailEnd type="none" w="med" len="med"/>
+                    </a:lnL>
+                    <a:lnR w="6350" cap="flat" cmpd="sng" algn="ctr">
+                      <a:solidFill>
+                        <a:srgbClr val="000000"/>
+                      </a:solidFill>
+                      <a:prstDash val="solid"/>
+                      <a:round/>
+                      <a:headEnd type="none" w="med" len="med"/>
+                      <a:tailEnd type="none" w="med" len="med"/>
+                    </a:lnR>
+                    <a:lnT w="6350" cap="flat" cmpd="sng" algn="ctr">
+                      <a:solidFill>
+                        <a:srgbClr val="000000"/>
+                      </a:solidFill>
+                      <a:prstDash val="solid"/>
+                      <a:round/>
+                      <a:headEnd type="none" w="med" len="med"/>
+                      <a:tailEnd type="none" w="med" len="med"/>
+                    </a:lnT>
+                    <a:lnB w="6350" cap="flat" cmpd="sng" algn="ctr">
+                      <a:solidFill>
+                        <a:srgbClr val="000000"/>
+                      </a:solidFill>
+                      <a:prstDash val="solid"/>
+                      <a:round/>
+                      <a:headEnd type="none" w="med" len="med"/>
+                      <a:tailEnd type="none" w="med" len="med"/>
+                    </a:lnB>
+                    <a:noFill/>
+                  </a:tcPr>
+                </a:tc>
+                <a:tc>
+                  <a:txBody>
+                    <a:bodyPr/>
+                    <a:lstStyle/>
+                    <a:p>
+                      <a:pPr algn="ctr" fontAlgn="b"/>
+                      <a:r>
+                        <a:rPr lang="es-CL" sz="1100" b="0" i="0" u="none" strike="noStrike" dirty="0">
+                          <a:solidFill>
+                            <a:srgbClr val="000000"/>
+                          </a:solidFill>
+                          <a:effectLst/>
+                          <a:latin typeface="Aptos Narrow" panose="020B0004020202020204" pitchFamily="34" charset="0"/>
+                        </a:rPr>
+                        <a:t>0.0000</a:t>
+                      </a:r>
+                    </a:p>
+                  </a:txBody>
+                  <a:tcPr marL="9525" marR="9525" marT="9525" marB="0" anchor="b">
+                    <a:lnL w="6350" cap="flat" cmpd="sng" algn="ctr">
+                      <a:solidFill>
+                        <a:srgbClr val="000000"/>
+                      </a:solidFill>
+                      <a:prstDash val="solid"/>
+                      <a:round/>
+                      <a:headEnd type="none" w="med" len="med"/>
+                      <a:tailEnd type="none" w="med" len="med"/>
+                    </a:lnL>
+                    <a:lnR w="6350" cap="flat" cmpd="sng" algn="ctr">
+                      <a:solidFill>
+                        <a:srgbClr val="000000"/>
+                      </a:solidFill>
+                      <a:prstDash val="solid"/>
+                      <a:round/>
+                      <a:headEnd type="none" w="med" len="med"/>
+                      <a:tailEnd type="none" w="med" len="med"/>
+                    </a:lnR>
+                    <a:lnT w="6350" cap="flat" cmpd="sng" algn="ctr">
+                      <a:solidFill>
+                        <a:srgbClr val="000000"/>
+                      </a:solidFill>
+                      <a:prstDash val="solid"/>
+                      <a:round/>
+                      <a:headEnd type="none" w="med" len="med"/>
+                      <a:tailEnd type="none" w="med" len="med"/>
+                    </a:lnT>
+                    <a:lnB w="6350" cap="flat" cmpd="sng" algn="ctr">
+                      <a:solidFill>
+                        <a:srgbClr val="000000"/>
+                      </a:solidFill>
+                      <a:prstDash val="solid"/>
+                      <a:round/>
+                      <a:headEnd type="none" w="med" len="med"/>
+                      <a:tailEnd type="none" w="med" len="med"/>
+                    </a:lnB>
+                    <a:noFill/>
+                  </a:tcPr>
+                </a:tc>
+                <a:tc>
+                  <a:txBody>
+                    <a:bodyPr/>
+                    <a:lstStyle/>
+                    <a:p>
+                      <a:pPr algn="ctr" fontAlgn="b"/>
+                      <a:r>
+                        <a:rPr lang="es-CL" sz="1100" b="0" i="0" u="none" strike="noStrike">
+                          <a:solidFill>
+                            <a:srgbClr val="000000"/>
+                          </a:solidFill>
+                          <a:effectLst/>
+                          <a:latin typeface="Aptos Narrow" panose="020B0004020202020204" pitchFamily="34" charset="0"/>
+                        </a:rPr>
+                        <a:t>0.000000</a:t>
+                      </a:r>
+                    </a:p>
+                  </a:txBody>
+                  <a:tcPr marL="9525" marR="9525" marT="9525" marB="0" anchor="b">
+                    <a:lnL w="6350" cap="flat" cmpd="sng" algn="ctr">
+                      <a:solidFill>
+                        <a:srgbClr val="000000"/>
+                      </a:solidFill>
+                      <a:prstDash val="solid"/>
+                      <a:round/>
+                      <a:headEnd type="none" w="med" len="med"/>
+                      <a:tailEnd type="none" w="med" len="med"/>
+                    </a:lnL>
+                    <a:lnR w="6350" cap="flat" cmpd="sng" algn="ctr">
+                      <a:solidFill>
+                        <a:srgbClr val="000000"/>
+                      </a:solidFill>
+                      <a:prstDash val="solid"/>
+                      <a:round/>
+                      <a:headEnd type="none" w="med" len="med"/>
+                      <a:tailEnd type="none" w="med" len="med"/>
+                    </a:lnR>
+                    <a:lnT w="6350" cap="flat" cmpd="sng" algn="ctr">
+                      <a:solidFill>
+                        <a:srgbClr val="000000"/>
+                      </a:solidFill>
+                      <a:prstDash val="solid"/>
+                      <a:round/>
+                      <a:headEnd type="none" w="med" len="med"/>
+                      <a:tailEnd type="none" w="med" len="med"/>
+                    </a:lnT>
+                    <a:lnB w="6350" cap="flat" cmpd="sng" algn="ctr">
+                      <a:solidFill>
+                        <a:srgbClr val="000000"/>
+                      </a:solidFill>
+                      <a:prstDash val="solid"/>
+                      <a:round/>
+                      <a:headEnd type="none" w="med" len="med"/>
+                      <a:tailEnd type="none" w="med" len="med"/>
+                    </a:lnB>
+                    <a:noFill/>
+                  </a:tcPr>
+                </a:tc>
+                <a:extLst>
+                  <a:ext uri="{0D108BD9-81ED-4DB2-BD59-A6C34878D82A}">
+                    <a16:rowId xmlns:a16="http://schemas.microsoft.com/office/drawing/2014/main" val="3982565080"/>
+                  </a:ext>
+                </a:extLst>
+              </a:tr>
+              <a:tr h="461408">
+                <a:tc>
+                  <a:txBody>
+                    <a:bodyPr/>
+                    <a:lstStyle/>
+                    <a:p>
+                      <a:pPr algn="l" fontAlgn="b"/>
+                      <a:r>
+                        <a:rPr lang="es-CL" sz="1100" b="0" i="0" u="none" strike="noStrike">
+                          <a:solidFill>
+                            <a:srgbClr val="000000"/>
+                          </a:solidFill>
+                          <a:effectLst/>
+                          <a:latin typeface="Aptos Narrow" panose="020B0004020202020204" pitchFamily="34" charset="0"/>
+                        </a:rPr>
+                        <a:t>LOSALME</a:t>
+                      </a:r>
+                    </a:p>
+                  </a:txBody>
+                  <a:tcPr marL="9525" marR="9525" marT="9525" marB="0" anchor="b">
+                    <a:lnL w="6350" cap="flat" cmpd="sng" algn="ctr">
+                      <a:solidFill>
+                        <a:srgbClr val="000000"/>
+                      </a:solidFill>
+                      <a:prstDash val="solid"/>
+                      <a:round/>
+                      <a:headEnd type="none" w="med" len="med"/>
+                      <a:tailEnd type="none" w="med" len="med"/>
+                    </a:lnL>
+                    <a:lnR w="6350" cap="flat" cmpd="sng" algn="ctr">
+                      <a:solidFill>
+                        <a:srgbClr val="000000"/>
+                      </a:solidFill>
+                      <a:prstDash val="solid"/>
+                      <a:round/>
+                      <a:headEnd type="none" w="med" len="med"/>
+                      <a:tailEnd type="none" w="med" len="med"/>
+                    </a:lnR>
+                    <a:lnT w="6350" cap="flat" cmpd="sng" algn="ctr">
+                      <a:solidFill>
+                        <a:srgbClr val="000000"/>
+                      </a:solidFill>
+                      <a:prstDash val="solid"/>
+                      <a:round/>
+                      <a:headEnd type="none" w="med" len="med"/>
+                      <a:tailEnd type="none" w="med" len="med"/>
+                    </a:lnT>
+                    <a:lnB w="6350" cap="flat" cmpd="sng" algn="ctr">
+                      <a:solidFill>
+                        <a:srgbClr val="000000"/>
+                      </a:solidFill>
+                      <a:prstDash val="solid"/>
+                      <a:round/>
+                      <a:headEnd type="none" w="med" len="med"/>
+                      <a:tailEnd type="none" w="med" len="med"/>
+                    </a:lnB>
+                    <a:noFill/>
+                  </a:tcPr>
+                </a:tc>
+                <a:tc>
+                  <a:txBody>
+                    <a:bodyPr/>
+                    <a:lstStyle/>
+                    <a:p>
+                      <a:pPr algn="ctr" fontAlgn="b"/>
+                      <a:r>
+                        <a:rPr lang="es-CL" sz="1100" b="0" i="0" u="none" strike="noStrike">
+                          <a:solidFill>
+                            <a:srgbClr val="000000"/>
+                          </a:solidFill>
+                          <a:effectLst/>
+                          <a:latin typeface="Aptos Narrow" panose="020B0004020202020204" pitchFamily="34" charset="0"/>
+                        </a:rPr>
+                        <a:t>16.431.948</a:t>
+                      </a:r>
+                    </a:p>
+                  </a:txBody>
+                  <a:tcPr marL="9525" marR="9525" marT="9525" marB="0" anchor="b">
+                    <a:lnL w="6350" cap="flat" cmpd="sng" algn="ctr">
+                      <a:solidFill>
+                        <a:srgbClr val="000000"/>
+                      </a:solidFill>
+                      <a:prstDash val="solid"/>
+                      <a:round/>
+                      <a:headEnd type="none" w="med" len="med"/>
+                      <a:tailEnd type="none" w="med" len="med"/>
+                    </a:lnL>
+                    <a:lnR w="6350" cap="flat" cmpd="sng" algn="ctr">
+                      <a:solidFill>
+                        <a:srgbClr val="000000"/>
+                      </a:solidFill>
+                      <a:prstDash val="solid"/>
+                      <a:round/>
+                      <a:headEnd type="none" w="med" len="med"/>
+                      <a:tailEnd type="none" w="med" len="med"/>
+                    </a:lnR>
+                    <a:lnT w="6350" cap="flat" cmpd="sng" algn="ctr">
+                      <a:solidFill>
+                        <a:srgbClr val="000000"/>
+                      </a:solidFill>
+                      <a:prstDash val="solid"/>
+                      <a:round/>
+                      <a:headEnd type="none" w="med" len="med"/>
+                      <a:tailEnd type="none" w="med" len="med"/>
+                    </a:lnT>
+                    <a:lnB w="6350" cap="flat" cmpd="sng" algn="ctr">
+                      <a:solidFill>
+                        <a:srgbClr val="000000"/>
+                      </a:solidFill>
+                      <a:prstDash val="solid"/>
+                      <a:round/>
+                      <a:headEnd type="none" w="med" len="med"/>
+                      <a:tailEnd type="none" w="med" len="med"/>
+                    </a:lnB>
+                    <a:noFill/>
+                  </a:tcPr>
+                </a:tc>
+                <a:tc>
+                  <a:txBody>
+                    <a:bodyPr/>
+                    <a:lstStyle/>
+                    <a:p>
+                      <a:pPr algn="ctr" fontAlgn="b"/>
+                      <a:r>
+                        <a:rPr lang="es-CL" sz="1100" b="0" i="0" u="none" strike="noStrike">
+                          <a:solidFill>
+                            <a:srgbClr val="000000"/>
+                          </a:solidFill>
+                          <a:effectLst/>
+                          <a:latin typeface="Aptos Narrow" panose="020B0004020202020204" pitchFamily="34" charset="0"/>
+                        </a:rPr>
+                        <a:t>478.394.413</a:t>
+                      </a:r>
+                    </a:p>
+                  </a:txBody>
+                  <a:tcPr marL="9525" marR="9525" marT="9525" marB="0" anchor="b">
+                    <a:lnL w="6350" cap="flat" cmpd="sng" algn="ctr">
+                      <a:solidFill>
+                        <a:srgbClr val="000000"/>
+                      </a:solidFill>
+                      <a:prstDash val="solid"/>
+                      <a:round/>
+                      <a:headEnd type="none" w="med" len="med"/>
+                      <a:tailEnd type="none" w="med" len="med"/>
+                    </a:lnL>
+                    <a:lnR w="6350" cap="flat" cmpd="sng" algn="ctr">
+                      <a:solidFill>
+                        <a:srgbClr val="000000"/>
+                      </a:solidFill>
+                      <a:prstDash val="solid"/>
+                      <a:round/>
+                      <a:headEnd type="none" w="med" len="med"/>
+                      <a:tailEnd type="none" w="med" len="med"/>
+                    </a:lnR>
+                    <a:lnT w="6350" cap="flat" cmpd="sng" algn="ctr">
+                      <a:solidFill>
+                        <a:srgbClr val="000000"/>
+                      </a:solidFill>
+                      <a:prstDash val="solid"/>
+                      <a:round/>
+                      <a:headEnd type="none" w="med" len="med"/>
+                      <a:tailEnd type="none" w="med" len="med"/>
+                    </a:lnT>
+                    <a:lnB w="6350" cap="flat" cmpd="sng" algn="ctr">
+                      <a:solidFill>
+                        <a:srgbClr val="000000"/>
+                      </a:solidFill>
+                      <a:prstDash val="solid"/>
+                      <a:round/>
+                      <a:headEnd type="none" w="med" len="med"/>
+                      <a:tailEnd type="none" w="med" len="med"/>
+                    </a:lnB>
+                    <a:noFill/>
+                  </a:tcPr>
+                </a:tc>
+                <a:tc>
+                  <a:txBody>
+                    <a:bodyPr/>
+                    <a:lstStyle/>
+                    <a:p>
+                      <a:pPr algn="ctr" fontAlgn="b"/>
+                      <a:r>
+                        <a:rPr lang="es-CL" sz="1100" b="0" i="0" u="none" strike="noStrike">
+                          <a:solidFill>
+                            <a:srgbClr val="000000"/>
+                          </a:solidFill>
+                          <a:effectLst/>
+                          <a:latin typeface="Aptos Narrow" panose="020B0004020202020204" pitchFamily="34" charset="0"/>
+                        </a:rPr>
+                        <a:t>0.833333</a:t>
+                      </a:r>
+                    </a:p>
+                  </a:txBody>
+                  <a:tcPr marL="9525" marR="9525" marT="9525" marB="0" anchor="b">
+                    <a:lnL w="6350" cap="flat" cmpd="sng" algn="ctr">
+                      <a:solidFill>
+                        <a:srgbClr val="000000"/>
+                      </a:solidFill>
+                      <a:prstDash val="solid"/>
+                      <a:round/>
+                      <a:headEnd type="none" w="med" len="med"/>
+                      <a:tailEnd type="none" w="med" len="med"/>
+                    </a:lnL>
+                    <a:lnR w="6350" cap="flat" cmpd="sng" algn="ctr">
+                      <a:solidFill>
+                        <a:srgbClr val="000000"/>
+                      </a:solidFill>
+                      <a:prstDash val="solid"/>
+                      <a:round/>
+                      <a:headEnd type="none" w="med" len="med"/>
+                      <a:tailEnd type="none" w="med" len="med"/>
+                    </a:lnR>
+                    <a:lnT w="6350" cap="flat" cmpd="sng" algn="ctr">
+                      <a:solidFill>
+                        <a:srgbClr val="000000"/>
+                      </a:solidFill>
+                      <a:prstDash val="solid"/>
+                      <a:round/>
+                      <a:headEnd type="none" w="med" len="med"/>
+                      <a:tailEnd type="none" w="med" len="med"/>
+                    </a:lnT>
+                    <a:lnB w="6350" cap="flat" cmpd="sng" algn="ctr">
+                      <a:solidFill>
+                        <a:srgbClr val="000000"/>
+                      </a:solidFill>
+                      <a:prstDash val="solid"/>
+                      <a:round/>
+                      <a:headEnd type="none" w="med" len="med"/>
+                      <a:tailEnd type="none" w="med" len="med"/>
+                    </a:lnB>
+                    <a:noFill/>
+                  </a:tcPr>
+                </a:tc>
+                <a:tc>
+                  <a:txBody>
+                    <a:bodyPr/>
+                    <a:lstStyle/>
+                    <a:p>
+                      <a:pPr algn="ctr" fontAlgn="b"/>
+                      <a:r>
+                        <a:rPr lang="es-CL" sz="1100" b="0" i="0" u="none" strike="noStrike">
+                          <a:solidFill>
+                            <a:srgbClr val="000000"/>
+                          </a:solidFill>
+                          <a:effectLst/>
+                          <a:latin typeface="Aptos Narrow" panose="020B0004020202020204" pitchFamily="34" charset="0"/>
+                        </a:rPr>
+                        <a:t>0.000000</a:t>
+                      </a:r>
+                    </a:p>
+                  </a:txBody>
+                  <a:tcPr marL="9525" marR="9525" marT="9525" marB="0" anchor="b">
+                    <a:lnL w="6350" cap="flat" cmpd="sng" algn="ctr">
+                      <a:solidFill>
+                        <a:srgbClr val="000000"/>
+                      </a:solidFill>
+                      <a:prstDash val="solid"/>
+                      <a:round/>
+                      <a:headEnd type="none" w="med" len="med"/>
+                      <a:tailEnd type="none" w="med" len="med"/>
+                    </a:lnL>
+                    <a:lnR w="6350" cap="flat" cmpd="sng" algn="ctr">
+                      <a:solidFill>
+                        <a:srgbClr val="000000"/>
+                      </a:solidFill>
+                      <a:prstDash val="solid"/>
+                      <a:round/>
+                      <a:headEnd type="none" w="med" len="med"/>
+                      <a:tailEnd type="none" w="med" len="med"/>
+                    </a:lnR>
+                    <a:lnT w="6350" cap="flat" cmpd="sng" algn="ctr">
+                      <a:solidFill>
+                        <a:srgbClr val="000000"/>
+                      </a:solidFill>
+                      <a:prstDash val="solid"/>
+                      <a:round/>
+                      <a:headEnd type="none" w="med" len="med"/>
+                      <a:tailEnd type="none" w="med" len="med"/>
+                    </a:lnT>
+                    <a:lnB w="6350" cap="flat" cmpd="sng" algn="ctr">
+                      <a:solidFill>
+                        <a:srgbClr val="000000"/>
+                      </a:solidFill>
+                      <a:prstDash val="solid"/>
+                      <a:round/>
+                      <a:headEnd type="none" w="med" len="med"/>
+                      <a:tailEnd type="none" w="med" len="med"/>
+                    </a:lnB>
+                    <a:noFill/>
+                  </a:tcPr>
+                </a:tc>
+                <a:tc>
+                  <a:txBody>
+                    <a:bodyPr/>
+                    <a:lstStyle/>
+                    <a:p>
+                      <a:pPr algn="ctr" fontAlgn="b"/>
+                      <a:r>
+                        <a:rPr lang="es-CL" sz="1100" b="0" i="0" u="none" strike="noStrike" dirty="0">
+                          <a:solidFill>
+                            <a:srgbClr val="000000"/>
+                          </a:solidFill>
+                          <a:effectLst/>
+                          <a:latin typeface="Aptos Narrow" panose="020B0004020202020204" pitchFamily="34" charset="0"/>
+                        </a:rPr>
+                        <a:t>0.0000</a:t>
+                      </a:r>
+                    </a:p>
+                  </a:txBody>
+                  <a:tcPr marL="9525" marR="9525" marT="9525" marB="0" anchor="b">
+                    <a:lnL w="6350" cap="flat" cmpd="sng" algn="ctr">
+                      <a:solidFill>
+                        <a:srgbClr val="000000"/>
+                      </a:solidFill>
+                      <a:prstDash val="solid"/>
+                      <a:round/>
+                      <a:headEnd type="none" w="med" len="med"/>
+                      <a:tailEnd type="none" w="med" len="med"/>
+                    </a:lnL>
+                    <a:lnR w="6350" cap="flat" cmpd="sng" algn="ctr">
+                      <a:solidFill>
+                        <a:srgbClr val="000000"/>
+                      </a:solidFill>
+                      <a:prstDash val="solid"/>
+                      <a:round/>
+                      <a:headEnd type="none" w="med" len="med"/>
+                      <a:tailEnd type="none" w="med" len="med"/>
+                    </a:lnR>
+                    <a:lnT w="6350" cap="flat" cmpd="sng" algn="ctr">
+                      <a:solidFill>
+                        <a:srgbClr val="000000"/>
+                      </a:solidFill>
+                      <a:prstDash val="solid"/>
+                      <a:round/>
+                      <a:headEnd type="none" w="med" len="med"/>
+                      <a:tailEnd type="none" w="med" len="med"/>
+                    </a:lnT>
+                    <a:lnB w="6350" cap="flat" cmpd="sng" algn="ctr">
+                      <a:solidFill>
+                        <a:srgbClr val="000000"/>
+                      </a:solidFill>
+                      <a:prstDash val="solid"/>
+                      <a:round/>
+                      <a:headEnd type="none" w="med" len="med"/>
+                      <a:tailEnd type="none" w="med" len="med"/>
+                    </a:lnB>
+                    <a:noFill/>
+                  </a:tcPr>
+                </a:tc>
+                <a:tc>
+                  <a:txBody>
+                    <a:bodyPr/>
+                    <a:lstStyle/>
+                    <a:p>
+                      <a:pPr algn="ctr" fontAlgn="b"/>
+                      <a:r>
+                        <a:rPr lang="es-CL" sz="1100" b="0" i="0" u="none" strike="noStrike" dirty="0">
+                          <a:solidFill>
+                            <a:srgbClr val="000000"/>
+                          </a:solidFill>
+                          <a:effectLst/>
+                          <a:latin typeface="Aptos Narrow" panose="020B0004020202020204" pitchFamily="34" charset="0"/>
+                        </a:rPr>
+                        <a:t>0.000000</a:t>
+                      </a:r>
+                    </a:p>
+                  </a:txBody>
+                  <a:tcPr marL="9525" marR="9525" marT="9525" marB="0" anchor="b">
+                    <a:lnL w="6350" cap="flat" cmpd="sng" algn="ctr">
+                      <a:solidFill>
+                        <a:srgbClr val="000000"/>
+                      </a:solidFill>
+                      <a:prstDash val="solid"/>
+                      <a:round/>
+                      <a:headEnd type="none" w="med" len="med"/>
+                      <a:tailEnd type="none" w="med" len="med"/>
+                    </a:lnL>
+                    <a:lnR w="6350" cap="flat" cmpd="sng" algn="ctr">
+                      <a:solidFill>
+                        <a:srgbClr val="000000"/>
+                      </a:solidFill>
+                      <a:prstDash val="solid"/>
+                      <a:round/>
+                      <a:headEnd type="none" w="med" len="med"/>
+                      <a:tailEnd type="none" w="med" len="med"/>
+                    </a:lnR>
+                    <a:lnT w="6350" cap="flat" cmpd="sng" algn="ctr">
+                      <a:solidFill>
+                        <a:srgbClr val="000000"/>
+                      </a:solidFill>
+                      <a:prstDash val="solid"/>
+                      <a:round/>
+                      <a:headEnd type="none" w="med" len="med"/>
+                      <a:tailEnd type="none" w="med" len="med"/>
+                    </a:lnT>
+                    <a:lnB w="6350" cap="flat" cmpd="sng" algn="ctr">
+                      <a:solidFill>
+                        <a:srgbClr val="000000"/>
+                      </a:solidFill>
+                      <a:prstDash val="solid"/>
+                      <a:round/>
+                      <a:headEnd type="none" w="med" len="med"/>
+                      <a:tailEnd type="none" w="med" len="med"/>
+                    </a:lnB>
+                    <a:noFill/>
+                  </a:tcPr>
+                </a:tc>
+                <a:extLst>
+                  <a:ext uri="{0D108BD9-81ED-4DB2-BD59-A6C34878D82A}">
+                    <a16:rowId xmlns:a16="http://schemas.microsoft.com/office/drawing/2014/main" val="907687700"/>
+                  </a:ext>
+                </a:extLst>
+              </a:tr>
+            </a:tbl>
+          </a:graphicData>
+        </a:graphic>
+      </p:graphicFrame>
+      <p:sp>
+        <p:nvSpPr>
+          <p:cNvPr id="4" name="Slide Number Placeholder 3">
+            <a:extLst>
+              <a:ext uri="{FF2B5EF4-FFF2-40B4-BE49-F238E27FC236}">
+                <a16:creationId xmlns:a16="http://schemas.microsoft.com/office/drawing/2014/main" id="{117FE80B-23F1-A5A8-AC21-E66FB085425C}"/>
+              </a:ext>
+            </a:extLst>
+          </p:cNvPr>
+          <p:cNvSpPr>
+            <a:spLocks noGrp="1"/>
+          </p:cNvSpPr>
+          <p:nvPr>
+            <p:ph type="sldNum" sz="quarter" idx="12"/>
+          </p:nvPr>
+        </p:nvSpPr>
+        <p:spPr/>
+        <p:txBody>
+          <a:bodyPr/>
+          <a:lstStyle/>
+          <a:p>
+            <a:fld id="{3352F6F5-E16D-F340-A90C-ABCF032D59B6}" type="slidenum">
+              <a:rPr lang="es-ES_tradnl" smtClean="0"/>
+              <a:pPr/>
+              <a:t>6</a:t>
+            </a:fld>
+            <a:endParaRPr lang="es-ES_tradnl"/>
+          </a:p>
+        </p:txBody>
+      </p:sp>
+    </p:spTree>
+    <p:extLst>
+      <p:ext uri="{BB962C8B-B14F-4D97-AF65-F5344CB8AC3E}">
+        <p14:creationId xmlns:p14="http://schemas.microsoft.com/office/powerpoint/2010/main" val="2874258254"/>
       </p:ext>
     </p:extLst>
   </p:cSld>
